--- a/content/files/Obrigatório/obrigatorio.pptx
+++ b/content/files/Obrigatório/obrigatorio.pptx
@@ -6,8 +6,9 @@
   </p:sldMasterIdLst>
   <p:sldIdLst>
     <p:sldId id="256" r:id="rId2"/>
-    <p:sldId id="257" r:id="rId3"/>
-    <p:sldId id="258" r:id="rId4"/>
+    <p:sldId id="259" r:id="rId3"/>
+    <p:sldId id="257" r:id="rId4"/>
+    <p:sldId id="258" r:id="rId5"/>
   </p:sldIdLst>
   <p:sldSz cx="12192000" cy="6858000"/>
   <p:notesSz cx="6858000" cy="9144000"/>
@@ -167,10 +168,9 @@
           </a:lstStyle>
           <a:p>
             <a:r>
-              <a:rPr lang="pt-BR" smtClean="0"/>
+              <a:rPr lang="pt-BR"/>
               <a:t>Clique para editar o título mestre</a:t>
             </a:r>
-            <a:endParaRPr lang="pt-BR"/>
           </a:p>
         </p:txBody>
       </p:sp>
@@ -232,10 +232,9 @@
           </a:lstStyle>
           <a:p>
             <a:r>
-              <a:rPr lang="pt-BR" smtClean="0"/>
+              <a:rPr lang="pt-BR"/>
               <a:t>Clique para editar o estilo do subtítulo mestre</a:t>
             </a:r>
-            <a:endParaRPr lang="pt-BR"/>
           </a:p>
         </p:txBody>
       </p:sp>
@@ -256,7 +255,7 @@
           <a:p>
             <a:fld id="{9D5215D1-70D6-4BCC-AB61-E46C862E440F}" type="datetimeFigureOut">
               <a:rPr lang="pt-BR" smtClean="0"/>
-              <a:t>04/11/2021</a:t>
+              <a:t>11/03/2022</a:t>
             </a:fld>
             <a:endParaRPr lang="pt-BR"/>
           </a:p>
@@ -350,10 +349,9 @@
           <a:lstStyle/>
           <a:p>
             <a:r>
-              <a:rPr lang="pt-BR" smtClean="0"/>
+              <a:rPr lang="pt-BR"/>
               <a:t>Clique para editar o título mestre</a:t>
             </a:r>
-            <a:endParaRPr lang="pt-BR"/>
           </a:p>
         </p:txBody>
       </p:sp>
@@ -374,38 +372,37 @@
           <a:p>
             <a:pPr lvl="0"/>
             <a:r>
-              <a:rPr lang="pt-BR" smtClean="0"/>
+              <a:rPr lang="pt-BR"/>
               <a:t>Clique para editar o texto mestre</a:t>
             </a:r>
           </a:p>
           <a:p>
             <a:pPr lvl="1"/>
             <a:r>
-              <a:rPr lang="pt-BR" smtClean="0"/>
+              <a:rPr lang="pt-BR"/>
               <a:t>Segundo nível</a:t>
             </a:r>
           </a:p>
           <a:p>
             <a:pPr lvl="2"/>
             <a:r>
-              <a:rPr lang="pt-BR" smtClean="0"/>
+              <a:rPr lang="pt-BR"/>
               <a:t>Terceiro nível</a:t>
             </a:r>
           </a:p>
           <a:p>
             <a:pPr lvl="3"/>
             <a:r>
-              <a:rPr lang="pt-BR" smtClean="0"/>
+              <a:rPr lang="pt-BR"/>
               <a:t>Quarto nível</a:t>
             </a:r>
           </a:p>
           <a:p>
             <a:pPr lvl="4"/>
             <a:r>
-              <a:rPr lang="pt-BR" smtClean="0"/>
+              <a:rPr lang="pt-BR"/>
               <a:t>Quinto nível</a:t>
             </a:r>
-            <a:endParaRPr lang="pt-BR"/>
           </a:p>
         </p:txBody>
       </p:sp>
@@ -426,7 +423,7 @@
           <a:p>
             <a:fld id="{9D5215D1-70D6-4BCC-AB61-E46C862E440F}" type="datetimeFigureOut">
               <a:rPr lang="pt-BR" smtClean="0"/>
-              <a:t>04/11/2021</a:t>
+              <a:t>11/03/2022</a:t>
             </a:fld>
             <a:endParaRPr lang="pt-BR"/>
           </a:p>
@@ -525,10 +522,9 @@
           <a:lstStyle/>
           <a:p>
             <a:r>
-              <a:rPr lang="pt-BR" smtClean="0"/>
+              <a:rPr lang="pt-BR"/>
               <a:t>Clique para editar o título mestre</a:t>
             </a:r>
-            <a:endParaRPr lang="pt-BR"/>
           </a:p>
         </p:txBody>
       </p:sp>
@@ -554,38 +550,37 @@
           <a:p>
             <a:pPr lvl="0"/>
             <a:r>
-              <a:rPr lang="pt-BR" smtClean="0"/>
+              <a:rPr lang="pt-BR"/>
               <a:t>Clique para editar o texto mestre</a:t>
             </a:r>
           </a:p>
           <a:p>
             <a:pPr lvl="1"/>
             <a:r>
-              <a:rPr lang="pt-BR" smtClean="0"/>
+              <a:rPr lang="pt-BR"/>
               <a:t>Segundo nível</a:t>
             </a:r>
           </a:p>
           <a:p>
             <a:pPr lvl="2"/>
             <a:r>
-              <a:rPr lang="pt-BR" smtClean="0"/>
+              <a:rPr lang="pt-BR"/>
               <a:t>Terceiro nível</a:t>
             </a:r>
           </a:p>
           <a:p>
             <a:pPr lvl="3"/>
             <a:r>
-              <a:rPr lang="pt-BR" smtClean="0"/>
+              <a:rPr lang="pt-BR"/>
               <a:t>Quarto nível</a:t>
             </a:r>
           </a:p>
           <a:p>
             <a:pPr lvl="4"/>
             <a:r>
-              <a:rPr lang="pt-BR" smtClean="0"/>
+              <a:rPr lang="pt-BR"/>
               <a:t>Quinto nível</a:t>
             </a:r>
-            <a:endParaRPr lang="pt-BR"/>
           </a:p>
         </p:txBody>
       </p:sp>
@@ -606,7 +601,7 @@
           <a:p>
             <a:fld id="{9D5215D1-70D6-4BCC-AB61-E46C862E440F}" type="datetimeFigureOut">
               <a:rPr lang="pt-BR" smtClean="0"/>
-              <a:t>04/11/2021</a:t>
+              <a:t>11/03/2022</a:t>
             </a:fld>
             <a:endParaRPr lang="pt-BR"/>
           </a:p>
@@ -700,10 +695,9 @@
           <a:lstStyle/>
           <a:p>
             <a:r>
-              <a:rPr lang="pt-BR" smtClean="0"/>
+              <a:rPr lang="pt-BR"/>
               <a:t>Clique para editar o título mestre</a:t>
             </a:r>
-            <a:endParaRPr lang="pt-BR"/>
           </a:p>
         </p:txBody>
       </p:sp>
@@ -724,38 +718,37 @@
           <a:p>
             <a:pPr lvl="0"/>
             <a:r>
-              <a:rPr lang="pt-BR" smtClean="0"/>
+              <a:rPr lang="pt-BR"/>
               <a:t>Clique para editar o texto mestre</a:t>
             </a:r>
           </a:p>
           <a:p>
             <a:pPr lvl="1"/>
             <a:r>
-              <a:rPr lang="pt-BR" smtClean="0"/>
+              <a:rPr lang="pt-BR"/>
               <a:t>Segundo nível</a:t>
             </a:r>
           </a:p>
           <a:p>
             <a:pPr lvl="2"/>
             <a:r>
-              <a:rPr lang="pt-BR" smtClean="0"/>
+              <a:rPr lang="pt-BR"/>
               <a:t>Terceiro nível</a:t>
             </a:r>
           </a:p>
           <a:p>
             <a:pPr lvl="3"/>
             <a:r>
-              <a:rPr lang="pt-BR" smtClean="0"/>
+              <a:rPr lang="pt-BR"/>
               <a:t>Quarto nível</a:t>
             </a:r>
           </a:p>
           <a:p>
             <a:pPr lvl="4"/>
             <a:r>
-              <a:rPr lang="pt-BR" smtClean="0"/>
+              <a:rPr lang="pt-BR"/>
               <a:t>Quinto nível</a:t>
             </a:r>
-            <a:endParaRPr lang="pt-BR"/>
           </a:p>
         </p:txBody>
       </p:sp>
@@ -776,7 +769,7 @@
           <a:p>
             <a:fld id="{9D5215D1-70D6-4BCC-AB61-E46C862E440F}" type="datetimeFigureOut">
               <a:rPr lang="pt-BR" smtClean="0"/>
-              <a:t>04/11/2021</a:t>
+              <a:t>11/03/2022</a:t>
             </a:fld>
             <a:endParaRPr lang="pt-BR"/>
           </a:p>
@@ -879,10 +872,9 @@
           </a:lstStyle>
           <a:p>
             <a:r>
-              <a:rPr lang="pt-BR" smtClean="0"/>
+              <a:rPr lang="pt-BR"/>
               <a:t>Clique para editar o título mestre</a:t>
             </a:r>
-            <a:endParaRPr lang="pt-BR"/>
           </a:p>
         </p:txBody>
       </p:sp>
@@ -999,7 +991,7 @@
           <a:p>
             <a:pPr lvl="0"/>
             <a:r>
-              <a:rPr lang="pt-BR" smtClean="0"/>
+              <a:rPr lang="pt-BR"/>
               <a:t>Clique para editar o texto mestre</a:t>
             </a:r>
           </a:p>
@@ -1022,7 +1014,7 @@
           <a:p>
             <a:fld id="{9D5215D1-70D6-4BCC-AB61-E46C862E440F}" type="datetimeFigureOut">
               <a:rPr lang="pt-BR" smtClean="0"/>
-              <a:t>04/11/2021</a:t>
+              <a:t>11/03/2022</a:t>
             </a:fld>
             <a:endParaRPr lang="pt-BR"/>
           </a:p>
@@ -1116,10 +1108,9 @@
           <a:lstStyle/>
           <a:p>
             <a:r>
-              <a:rPr lang="pt-BR" smtClean="0"/>
+              <a:rPr lang="pt-BR"/>
               <a:t>Clique para editar o título mestre</a:t>
             </a:r>
-            <a:endParaRPr lang="pt-BR"/>
           </a:p>
         </p:txBody>
       </p:sp>
@@ -1145,38 +1136,37 @@
           <a:p>
             <a:pPr lvl="0"/>
             <a:r>
-              <a:rPr lang="pt-BR" smtClean="0"/>
+              <a:rPr lang="pt-BR"/>
               <a:t>Clique para editar o texto mestre</a:t>
             </a:r>
           </a:p>
           <a:p>
             <a:pPr lvl="1"/>
             <a:r>
-              <a:rPr lang="pt-BR" smtClean="0"/>
+              <a:rPr lang="pt-BR"/>
               <a:t>Segundo nível</a:t>
             </a:r>
           </a:p>
           <a:p>
             <a:pPr lvl="2"/>
             <a:r>
-              <a:rPr lang="pt-BR" smtClean="0"/>
+              <a:rPr lang="pt-BR"/>
               <a:t>Terceiro nível</a:t>
             </a:r>
           </a:p>
           <a:p>
             <a:pPr lvl="3"/>
             <a:r>
-              <a:rPr lang="pt-BR" smtClean="0"/>
+              <a:rPr lang="pt-BR"/>
               <a:t>Quarto nível</a:t>
             </a:r>
           </a:p>
           <a:p>
             <a:pPr lvl="4"/>
             <a:r>
-              <a:rPr lang="pt-BR" smtClean="0"/>
+              <a:rPr lang="pt-BR"/>
               <a:t>Quinto nível</a:t>
             </a:r>
-            <a:endParaRPr lang="pt-BR"/>
           </a:p>
         </p:txBody>
       </p:sp>
@@ -1202,38 +1192,37 @@
           <a:p>
             <a:pPr lvl="0"/>
             <a:r>
-              <a:rPr lang="pt-BR" smtClean="0"/>
+              <a:rPr lang="pt-BR"/>
               <a:t>Clique para editar o texto mestre</a:t>
             </a:r>
           </a:p>
           <a:p>
             <a:pPr lvl="1"/>
             <a:r>
-              <a:rPr lang="pt-BR" smtClean="0"/>
+              <a:rPr lang="pt-BR"/>
               <a:t>Segundo nível</a:t>
             </a:r>
           </a:p>
           <a:p>
             <a:pPr lvl="2"/>
             <a:r>
-              <a:rPr lang="pt-BR" smtClean="0"/>
+              <a:rPr lang="pt-BR"/>
               <a:t>Terceiro nível</a:t>
             </a:r>
           </a:p>
           <a:p>
             <a:pPr lvl="3"/>
             <a:r>
-              <a:rPr lang="pt-BR" smtClean="0"/>
+              <a:rPr lang="pt-BR"/>
               <a:t>Quarto nível</a:t>
             </a:r>
           </a:p>
           <a:p>
             <a:pPr lvl="4"/>
             <a:r>
-              <a:rPr lang="pt-BR" smtClean="0"/>
+              <a:rPr lang="pt-BR"/>
               <a:t>Quinto nível</a:t>
             </a:r>
-            <a:endParaRPr lang="pt-BR"/>
           </a:p>
         </p:txBody>
       </p:sp>
@@ -1254,7 +1243,7 @@
           <a:p>
             <a:fld id="{9D5215D1-70D6-4BCC-AB61-E46C862E440F}" type="datetimeFigureOut">
               <a:rPr lang="pt-BR" smtClean="0"/>
-              <a:t>04/11/2021</a:t>
+              <a:t>11/03/2022</a:t>
             </a:fld>
             <a:endParaRPr lang="pt-BR"/>
           </a:p>
@@ -1353,10 +1342,9 @@
           <a:lstStyle/>
           <a:p>
             <a:r>
-              <a:rPr lang="pt-BR" smtClean="0"/>
+              <a:rPr lang="pt-BR"/>
               <a:t>Clique para editar o título mestre</a:t>
             </a:r>
-            <a:endParaRPr lang="pt-BR"/>
           </a:p>
         </p:txBody>
       </p:sp>
@@ -1419,7 +1407,7 @@
           <a:p>
             <a:pPr lvl="0"/>
             <a:r>
-              <a:rPr lang="pt-BR" smtClean="0"/>
+              <a:rPr lang="pt-BR"/>
               <a:t>Clique para editar o texto mestre</a:t>
             </a:r>
           </a:p>
@@ -1447,38 +1435,37 @@
           <a:p>
             <a:pPr lvl="0"/>
             <a:r>
-              <a:rPr lang="pt-BR" smtClean="0"/>
+              <a:rPr lang="pt-BR"/>
               <a:t>Clique para editar o texto mestre</a:t>
             </a:r>
           </a:p>
           <a:p>
             <a:pPr lvl="1"/>
             <a:r>
-              <a:rPr lang="pt-BR" smtClean="0"/>
+              <a:rPr lang="pt-BR"/>
               <a:t>Segundo nível</a:t>
             </a:r>
           </a:p>
           <a:p>
             <a:pPr lvl="2"/>
             <a:r>
-              <a:rPr lang="pt-BR" smtClean="0"/>
+              <a:rPr lang="pt-BR"/>
               <a:t>Terceiro nível</a:t>
             </a:r>
           </a:p>
           <a:p>
             <a:pPr lvl="3"/>
             <a:r>
-              <a:rPr lang="pt-BR" smtClean="0"/>
+              <a:rPr lang="pt-BR"/>
               <a:t>Quarto nível</a:t>
             </a:r>
           </a:p>
           <a:p>
             <a:pPr lvl="4"/>
             <a:r>
-              <a:rPr lang="pt-BR" smtClean="0"/>
+              <a:rPr lang="pt-BR"/>
               <a:t>Quinto nível</a:t>
             </a:r>
-            <a:endParaRPr lang="pt-BR"/>
           </a:p>
         </p:txBody>
       </p:sp>
@@ -1541,7 +1528,7 @@
           <a:p>
             <a:pPr lvl="0"/>
             <a:r>
-              <a:rPr lang="pt-BR" smtClean="0"/>
+              <a:rPr lang="pt-BR"/>
               <a:t>Clique para editar o texto mestre</a:t>
             </a:r>
           </a:p>
@@ -1569,38 +1556,37 @@
           <a:p>
             <a:pPr lvl="0"/>
             <a:r>
-              <a:rPr lang="pt-BR" smtClean="0"/>
+              <a:rPr lang="pt-BR"/>
               <a:t>Clique para editar o texto mestre</a:t>
             </a:r>
           </a:p>
           <a:p>
             <a:pPr lvl="1"/>
             <a:r>
-              <a:rPr lang="pt-BR" smtClean="0"/>
+              <a:rPr lang="pt-BR"/>
               <a:t>Segundo nível</a:t>
             </a:r>
           </a:p>
           <a:p>
             <a:pPr lvl="2"/>
             <a:r>
-              <a:rPr lang="pt-BR" smtClean="0"/>
+              <a:rPr lang="pt-BR"/>
               <a:t>Terceiro nível</a:t>
             </a:r>
           </a:p>
           <a:p>
             <a:pPr lvl="3"/>
             <a:r>
-              <a:rPr lang="pt-BR" smtClean="0"/>
+              <a:rPr lang="pt-BR"/>
               <a:t>Quarto nível</a:t>
             </a:r>
           </a:p>
           <a:p>
             <a:pPr lvl="4"/>
             <a:r>
-              <a:rPr lang="pt-BR" smtClean="0"/>
+              <a:rPr lang="pt-BR"/>
               <a:t>Quinto nível</a:t>
             </a:r>
-            <a:endParaRPr lang="pt-BR"/>
           </a:p>
         </p:txBody>
       </p:sp>
@@ -1621,7 +1607,7 @@
           <a:p>
             <a:fld id="{9D5215D1-70D6-4BCC-AB61-E46C862E440F}" type="datetimeFigureOut">
               <a:rPr lang="pt-BR" smtClean="0"/>
-              <a:t>04/11/2021</a:t>
+              <a:t>11/03/2022</a:t>
             </a:fld>
             <a:endParaRPr lang="pt-BR"/>
           </a:p>
@@ -1715,10 +1701,9 @@
           <a:lstStyle/>
           <a:p>
             <a:r>
-              <a:rPr lang="pt-BR" smtClean="0"/>
+              <a:rPr lang="pt-BR"/>
               <a:t>Clique para editar o título mestre</a:t>
             </a:r>
-            <a:endParaRPr lang="pt-BR"/>
           </a:p>
         </p:txBody>
       </p:sp>
@@ -1739,7 +1724,7 @@
           <a:p>
             <a:fld id="{9D5215D1-70D6-4BCC-AB61-E46C862E440F}" type="datetimeFigureOut">
               <a:rPr lang="pt-BR" smtClean="0"/>
-              <a:t>04/11/2021</a:t>
+              <a:t>11/03/2022</a:t>
             </a:fld>
             <a:endParaRPr lang="pt-BR"/>
           </a:p>
@@ -1834,7 +1819,7 @@
           <a:p>
             <a:fld id="{9D5215D1-70D6-4BCC-AB61-E46C862E440F}" type="datetimeFigureOut">
               <a:rPr lang="pt-BR" smtClean="0"/>
-              <a:t>04/11/2021</a:t>
+              <a:t>11/03/2022</a:t>
             </a:fld>
             <a:endParaRPr lang="pt-BR"/>
           </a:p>
@@ -1937,10 +1922,9 @@
           </a:lstStyle>
           <a:p>
             <a:r>
-              <a:rPr lang="pt-BR" smtClean="0"/>
+              <a:rPr lang="pt-BR"/>
               <a:t>Clique para editar o título mestre</a:t>
             </a:r>
-            <a:endParaRPr lang="pt-BR"/>
           </a:p>
         </p:txBody>
       </p:sp>
@@ -1994,38 +1978,37 @@
           <a:p>
             <a:pPr lvl="0"/>
             <a:r>
-              <a:rPr lang="pt-BR" smtClean="0"/>
+              <a:rPr lang="pt-BR"/>
               <a:t>Clique para editar o texto mestre</a:t>
             </a:r>
           </a:p>
           <a:p>
             <a:pPr lvl="1"/>
             <a:r>
-              <a:rPr lang="pt-BR" smtClean="0"/>
+              <a:rPr lang="pt-BR"/>
               <a:t>Segundo nível</a:t>
             </a:r>
           </a:p>
           <a:p>
             <a:pPr lvl="2"/>
             <a:r>
-              <a:rPr lang="pt-BR" smtClean="0"/>
+              <a:rPr lang="pt-BR"/>
               <a:t>Terceiro nível</a:t>
             </a:r>
           </a:p>
           <a:p>
             <a:pPr lvl="3"/>
             <a:r>
-              <a:rPr lang="pt-BR" smtClean="0"/>
+              <a:rPr lang="pt-BR"/>
               <a:t>Quarto nível</a:t>
             </a:r>
           </a:p>
           <a:p>
             <a:pPr lvl="4"/>
             <a:r>
-              <a:rPr lang="pt-BR" smtClean="0"/>
+              <a:rPr lang="pt-BR"/>
               <a:t>Quinto nível</a:t>
             </a:r>
-            <a:endParaRPr lang="pt-BR"/>
           </a:p>
         </p:txBody>
       </p:sp>
@@ -2088,7 +2071,7 @@
           <a:p>
             <a:pPr lvl="0"/>
             <a:r>
-              <a:rPr lang="pt-BR" smtClean="0"/>
+              <a:rPr lang="pt-BR"/>
               <a:t>Clique para editar o texto mestre</a:t>
             </a:r>
           </a:p>
@@ -2111,7 +2094,7 @@
           <a:p>
             <a:fld id="{9D5215D1-70D6-4BCC-AB61-E46C862E440F}" type="datetimeFigureOut">
               <a:rPr lang="pt-BR" smtClean="0"/>
-              <a:t>04/11/2021</a:t>
+              <a:t>11/03/2022</a:t>
             </a:fld>
             <a:endParaRPr lang="pt-BR"/>
           </a:p>
@@ -2214,10 +2197,9 @@
           </a:lstStyle>
           <a:p>
             <a:r>
-              <a:rPr lang="pt-BR" smtClean="0"/>
+              <a:rPr lang="pt-BR"/>
               <a:t>Clique para editar o título mestre</a:t>
             </a:r>
-            <a:endParaRPr lang="pt-BR"/>
           </a:p>
         </p:txBody>
       </p:sp>
@@ -2341,7 +2323,7 @@
           <a:p>
             <a:pPr lvl="0"/>
             <a:r>
-              <a:rPr lang="pt-BR" smtClean="0"/>
+              <a:rPr lang="pt-BR"/>
               <a:t>Clique para editar o texto mestre</a:t>
             </a:r>
           </a:p>
@@ -2364,7 +2346,7 @@
           <a:p>
             <a:fld id="{9D5215D1-70D6-4BCC-AB61-E46C862E440F}" type="datetimeFigureOut">
               <a:rPr lang="pt-BR" smtClean="0"/>
-              <a:t>04/11/2021</a:t>
+              <a:t>11/03/2022</a:t>
             </a:fld>
             <a:endParaRPr lang="pt-BR"/>
           </a:p>
@@ -2473,10 +2455,9 @@
           <a:lstStyle/>
           <a:p>
             <a:r>
-              <a:rPr lang="pt-BR" smtClean="0"/>
+              <a:rPr lang="pt-BR"/>
               <a:t>Clique para editar o título mestre</a:t>
             </a:r>
-            <a:endParaRPr lang="pt-BR"/>
           </a:p>
         </p:txBody>
       </p:sp>
@@ -2507,38 +2488,37 @@
           <a:p>
             <a:pPr lvl="0"/>
             <a:r>
-              <a:rPr lang="pt-BR" smtClean="0"/>
+              <a:rPr lang="pt-BR"/>
               <a:t>Clique para editar o texto mestre</a:t>
             </a:r>
           </a:p>
           <a:p>
             <a:pPr lvl="1"/>
             <a:r>
-              <a:rPr lang="pt-BR" smtClean="0"/>
+              <a:rPr lang="pt-BR"/>
               <a:t>Segundo nível</a:t>
             </a:r>
           </a:p>
           <a:p>
             <a:pPr lvl="2"/>
             <a:r>
-              <a:rPr lang="pt-BR" smtClean="0"/>
+              <a:rPr lang="pt-BR"/>
               <a:t>Terceiro nível</a:t>
             </a:r>
           </a:p>
           <a:p>
             <a:pPr lvl="3"/>
             <a:r>
-              <a:rPr lang="pt-BR" smtClean="0"/>
+              <a:rPr lang="pt-BR"/>
               <a:t>Quarto nível</a:t>
             </a:r>
           </a:p>
           <a:p>
             <a:pPr lvl="4"/>
             <a:r>
-              <a:rPr lang="pt-BR" smtClean="0"/>
+              <a:rPr lang="pt-BR"/>
               <a:t>Quinto nível</a:t>
             </a:r>
-            <a:endParaRPr lang="pt-BR"/>
           </a:p>
         </p:txBody>
       </p:sp>
@@ -2577,7 +2557,7 @@
           <a:p>
             <a:fld id="{9D5215D1-70D6-4BCC-AB61-E46C862E440F}" type="datetimeFigureOut">
               <a:rPr lang="pt-BR" smtClean="0"/>
-              <a:t>04/11/2021</a:t>
+              <a:t>11/03/2022</a:t>
             </a:fld>
             <a:endParaRPr lang="pt-BR"/>
           </a:p>
@@ -3022,7 +3002,7 @@
               </a:spcAft>
             </a:pPr>
             <a:r>
-              <a:rPr lang="en-US" sz="1100" b="1" dirty="0" err="1" smtClean="0">
+              <a:rPr lang="en-US" sz="1100" b="1" dirty="0" err="1">
                 <a:solidFill>
                   <a:schemeClr val="tx2"/>
                 </a:solidFill>
@@ -3034,7 +3014,7 @@
               <a:t>Lição</a:t>
             </a:r>
             <a:r>
-              <a:rPr lang="en-US" sz="1100" b="1" dirty="0" smtClean="0">
+              <a:rPr lang="en-US" sz="1100" b="1" dirty="0">
                 <a:solidFill>
                   <a:schemeClr val="tx2"/>
                 </a:solidFill>
@@ -3052,7 +3032,7 @@
                 <a:spcPts val="0"/>
               </a:spcAft>
             </a:pPr>
-            <a:endParaRPr lang="en-US" sz="1100" b="1" dirty="0" smtClean="0">
+            <a:endParaRPr lang="en-US" sz="1100" b="1" dirty="0">
               <a:effectLst/>
               <a:latin typeface="Calibri" panose="020F0502020204030204" pitchFamily="34" charset="0"/>
               <a:ea typeface="Calibri" panose="020F0502020204030204" pitchFamily="34" charset="0"/>
@@ -3066,41 +3046,23 @@
               </a:spcAft>
             </a:pPr>
             <a:r>
-              <a:rPr lang="en-US" sz="1100" dirty="0" smtClean="0">
-                <a:effectLst/>
-                <a:latin typeface="Calibri" panose="020F0502020204030204" pitchFamily="34" charset="0"/>
-                <a:ea typeface="Calibri" panose="020F0502020204030204" pitchFamily="34" charset="0"/>
-                <a:cs typeface="Times New Roman" panose="02020603050405020304" pitchFamily="18" charset="0"/>
-              </a:rPr>
-              <a:t>To </a:t>
-            </a:r>
-            <a:r>
-              <a:rPr lang="en-US" sz="1100" dirty="0">
-                <a:effectLst/>
-                <a:latin typeface="Calibri" panose="020F0502020204030204" pitchFamily="34" charset="0"/>
-                <a:ea typeface="Calibri" panose="020F0502020204030204" pitchFamily="34" charset="0"/>
-                <a:cs typeface="Times New Roman" panose="02020603050405020304" pitchFamily="18" charset="0"/>
-              </a:rPr>
-              <a:t>live, </a:t>
-            </a:r>
-            <a:r>
-              <a:rPr lang="en-US" sz="1100" dirty="0" smtClean="0">
-                <a:effectLst/>
-                <a:latin typeface="Calibri" panose="020F0502020204030204" pitchFamily="34" charset="0"/>
-                <a:ea typeface="Calibri" panose="020F0502020204030204" pitchFamily="34" charset="0"/>
-                <a:cs typeface="Times New Roman" panose="02020603050405020304" pitchFamily="18" charset="0"/>
-              </a:rPr>
-              <a:t>lives</a:t>
-            </a:r>
-          </a:p>
-          <a:p>
-            <a:pPr>
-              <a:spcAft>
-                <a:spcPts val="0"/>
-              </a:spcAft>
-            </a:pPr>
-            <a:r>
-              <a:rPr lang="en-US" sz="1100" dirty="0" smtClean="0">
+              <a:rPr lang="en-US" sz="1100" dirty="0">
+                <a:effectLst/>
+                <a:latin typeface="Calibri" panose="020F0502020204030204" pitchFamily="34" charset="0"/>
+                <a:ea typeface="Calibri" panose="020F0502020204030204" pitchFamily="34" charset="0"/>
+                <a:cs typeface="Times New Roman" panose="02020603050405020304" pitchFamily="18" charset="0"/>
+              </a:rPr>
+              <a:t>To live, lives</a:t>
+            </a:r>
+          </a:p>
+          <a:p>
+            <a:pPr>
+              <a:spcAft>
+                <a:spcPts val="0"/>
+              </a:spcAft>
+            </a:pPr>
+            <a:r>
+              <a:rPr lang="en-US" sz="1100" dirty="0">
                 <a:latin typeface="Calibri" panose="020F0502020204030204" pitchFamily="34" charset="0"/>
                 <a:ea typeface="Calibri" panose="020F0502020204030204" pitchFamily="34" charset="0"/>
                 <a:cs typeface="Times New Roman" panose="02020603050405020304" pitchFamily="18" charset="0"/>
@@ -3127,16 +3089,7 @@
                 <a:ea typeface="Calibri" panose="020F0502020204030204" pitchFamily="34" charset="0"/>
                 <a:cs typeface="Times New Roman" panose="02020603050405020304" pitchFamily="18" charset="0"/>
               </a:rPr>
-              <a:t>To play, </a:t>
-            </a:r>
-            <a:r>
-              <a:rPr lang="en-US" sz="1100" dirty="0" smtClean="0">
-                <a:effectLst/>
-                <a:latin typeface="Calibri" panose="020F0502020204030204" pitchFamily="34" charset="0"/>
-                <a:ea typeface="Calibri" panose="020F0502020204030204" pitchFamily="34" charset="0"/>
-                <a:cs typeface="Times New Roman" panose="02020603050405020304" pitchFamily="18" charset="0"/>
-              </a:rPr>
-              <a:t>plays, played</a:t>
+              <a:t>To play, plays, played</a:t>
             </a:r>
             <a:endParaRPr lang="pt-BR" sz="1100" dirty="0">
               <a:effectLst/>
@@ -3158,16 +3111,7 @@
                 <a:ea typeface="Calibri" panose="020F0502020204030204" pitchFamily="34" charset="0"/>
                 <a:cs typeface="Times New Roman" panose="02020603050405020304" pitchFamily="18" charset="0"/>
               </a:rPr>
-              <a:t>To go, </a:t>
-            </a:r>
-            <a:r>
-              <a:rPr lang="en-US" sz="1100" dirty="0" smtClean="0">
-                <a:effectLst/>
-                <a:latin typeface="Calibri" panose="020F0502020204030204" pitchFamily="34" charset="0"/>
-                <a:ea typeface="Calibri" panose="020F0502020204030204" pitchFamily="34" charset="0"/>
-                <a:cs typeface="Times New Roman" panose="02020603050405020304" pitchFamily="18" charset="0"/>
-              </a:rPr>
-              <a:t>goes, went</a:t>
+              <a:t>To go, goes, went</a:t>
             </a:r>
             <a:endParaRPr lang="pt-BR" sz="1100" dirty="0">
               <a:effectLst/>
@@ -3189,16 +3133,7 @@
                 <a:ea typeface="Calibri" panose="020F0502020204030204" pitchFamily="34" charset="0"/>
                 <a:cs typeface="Times New Roman" panose="02020603050405020304" pitchFamily="18" charset="0"/>
               </a:rPr>
-              <a:t>To open, </a:t>
-            </a:r>
-            <a:r>
-              <a:rPr lang="en-US" sz="1100" dirty="0" smtClean="0">
-                <a:effectLst/>
-                <a:latin typeface="Calibri" panose="020F0502020204030204" pitchFamily="34" charset="0"/>
-                <a:ea typeface="Calibri" panose="020F0502020204030204" pitchFamily="34" charset="0"/>
-                <a:cs typeface="Times New Roman" panose="02020603050405020304" pitchFamily="18" charset="0"/>
-              </a:rPr>
-              <a:t>opens, opened</a:t>
+              <a:t>To open, opens, opened</a:t>
             </a:r>
             <a:endParaRPr lang="pt-BR" sz="1100" dirty="0">
               <a:effectLst/>
@@ -3220,16 +3155,7 @@
                 <a:ea typeface="Calibri" panose="020F0502020204030204" pitchFamily="34" charset="0"/>
                 <a:cs typeface="Times New Roman" panose="02020603050405020304" pitchFamily="18" charset="0"/>
               </a:rPr>
-              <a:t>To leave, </a:t>
-            </a:r>
-            <a:r>
-              <a:rPr lang="en-US" sz="1100" dirty="0" smtClean="0">
-                <a:effectLst/>
-                <a:latin typeface="Calibri" panose="020F0502020204030204" pitchFamily="34" charset="0"/>
-                <a:ea typeface="Calibri" panose="020F0502020204030204" pitchFamily="34" charset="0"/>
-                <a:cs typeface="Times New Roman" panose="02020603050405020304" pitchFamily="18" charset="0"/>
-              </a:rPr>
-              <a:t>leaves, left</a:t>
+              <a:t>To leave, leaves, left</a:t>
             </a:r>
             <a:endParaRPr lang="pt-BR" sz="1100" dirty="0">
               <a:effectLst/>
@@ -3251,16 +3177,7 @@
                 <a:ea typeface="Calibri" panose="020F0502020204030204" pitchFamily="34" charset="0"/>
                 <a:cs typeface="Times New Roman" panose="02020603050405020304" pitchFamily="18" charset="0"/>
               </a:rPr>
-              <a:t>To study, </a:t>
-            </a:r>
-            <a:r>
-              <a:rPr lang="en-US" sz="1100" dirty="0" smtClean="0">
-                <a:effectLst/>
-                <a:latin typeface="Calibri" panose="020F0502020204030204" pitchFamily="34" charset="0"/>
-                <a:ea typeface="Calibri" panose="020F0502020204030204" pitchFamily="34" charset="0"/>
-                <a:cs typeface="Times New Roman" panose="02020603050405020304" pitchFamily="18" charset="0"/>
-              </a:rPr>
-              <a:t>studies, studied</a:t>
+              <a:t>To study, studies, studied</a:t>
             </a:r>
             <a:endParaRPr lang="pt-BR" sz="1100" dirty="0">
               <a:effectLst/>
@@ -3282,16 +3199,7 @@
                 <a:ea typeface="Calibri" panose="020F0502020204030204" pitchFamily="34" charset="0"/>
                 <a:cs typeface="Times New Roman" panose="02020603050405020304" pitchFamily="18" charset="0"/>
               </a:rPr>
-              <a:t>To drink, </a:t>
-            </a:r>
-            <a:r>
-              <a:rPr lang="en-US" sz="1100" dirty="0" smtClean="0">
-                <a:effectLst/>
-                <a:latin typeface="Calibri" panose="020F0502020204030204" pitchFamily="34" charset="0"/>
-                <a:ea typeface="Calibri" panose="020F0502020204030204" pitchFamily="34" charset="0"/>
-                <a:cs typeface="Times New Roman" panose="02020603050405020304" pitchFamily="18" charset="0"/>
-              </a:rPr>
-              <a:t>drinks, drank</a:t>
+              <a:t>To drink, drinks, drank</a:t>
             </a:r>
             <a:endParaRPr lang="pt-BR" sz="1100" dirty="0">
               <a:effectLst/>
@@ -3313,16 +3221,7 @@
                 <a:ea typeface="Calibri" panose="020F0502020204030204" pitchFamily="34" charset="0"/>
                 <a:cs typeface="Times New Roman" panose="02020603050405020304" pitchFamily="18" charset="0"/>
               </a:rPr>
-              <a:t>To watch, </a:t>
-            </a:r>
-            <a:r>
-              <a:rPr lang="en-US" sz="1100" dirty="0" smtClean="0">
-                <a:effectLst/>
-                <a:latin typeface="Calibri" panose="020F0502020204030204" pitchFamily="34" charset="0"/>
-                <a:ea typeface="Calibri" panose="020F0502020204030204" pitchFamily="34" charset="0"/>
-                <a:cs typeface="Times New Roman" panose="02020603050405020304" pitchFamily="18" charset="0"/>
-              </a:rPr>
-              <a:t>watches, watched</a:t>
+              <a:t>To watch, watches, watched</a:t>
             </a:r>
             <a:endParaRPr lang="pt-BR" sz="1100" dirty="0">
               <a:effectLst/>
@@ -3344,16 +3243,7 @@
                 <a:ea typeface="Calibri" panose="020F0502020204030204" pitchFamily="34" charset="0"/>
                 <a:cs typeface="Times New Roman" panose="02020603050405020304" pitchFamily="18" charset="0"/>
               </a:rPr>
-              <a:t>To have, </a:t>
-            </a:r>
-            <a:r>
-              <a:rPr lang="en-US" sz="1100" dirty="0" smtClean="0">
-                <a:effectLst/>
-                <a:latin typeface="Calibri" panose="020F0502020204030204" pitchFamily="34" charset="0"/>
-                <a:ea typeface="Calibri" panose="020F0502020204030204" pitchFamily="34" charset="0"/>
-                <a:cs typeface="Times New Roman" panose="02020603050405020304" pitchFamily="18" charset="0"/>
-              </a:rPr>
-              <a:t>has , had</a:t>
+              <a:t>To have, has , had</a:t>
             </a:r>
             <a:endParaRPr lang="pt-BR" sz="1100" dirty="0">
               <a:effectLst/>
@@ -3375,16 +3265,7 @@
                 <a:ea typeface="Calibri" panose="020F0502020204030204" pitchFamily="34" charset="0"/>
                 <a:cs typeface="Times New Roman" panose="02020603050405020304" pitchFamily="18" charset="0"/>
               </a:rPr>
-              <a:t>To love, </a:t>
-            </a:r>
-            <a:r>
-              <a:rPr lang="en-US" sz="1100" dirty="0" smtClean="0">
-                <a:effectLst/>
-                <a:latin typeface="Calibri" panose="020F0502020204030204" pitchFamily="34" charset="0"/>
-                <a:ea typeface="Calibri" panose="020F0502020204030204" pitchFamily="34" charset="0"/>
-                <a:cs typeface="Times New Roman" panose="02020603050405020304" pitchFamily="18" charset="0"/>
-              </a:rPr>
-              <a:t>loves, loved</a:t>
+              <a:t>To love, loves, loved</a:t>
             </a:r>
             <a:endParaRPr lang="pt-BR" sz="1100" dirty="0">
               <a:effectLst/>
@@ -3406,16 +3287,7 @@
                 <a:ea typeface="Calibri" panose="020F0502020204030204" pitchFamily="34" charset="0"/>
                 <a:cs typeface="Times New Roman" panose="02020603050405020304" pitchFamily="18" charset="0"/>
               </a:rPr>
-              <a:t>To write, </a:t>
-            </a:r>
-            <a:r>
-              <a:rPr lang="en-US" sz="1100" dirty="0" smtClean="0">
-                <a:effectLst/>
-                <a:latin typeface="Calibri" panose="020F0502020204030204" pitchFamily="34" charset="0"/>
-                <a:ea typeface="Calibri" panose="020F0502020204030204" pitchFamily="34" charset="0"/>
-                <a:cs typeface="Times New Roman" panose="02020603050405020304" pitchFamily="18" charset="0"/>
-              </a:rPr>
-              <a:t>writes, wrote</a:t>
+              <a:t>To write, writes, wrote</a:t>
             </a:r>
             <a:endParaRPr lang="pt-BR" sz="1100" dirty="0">
               <a:effectLst/>
@@ -3437,16 +3309,7 @@
                 <a:ea typeface="Calibri" panose="020F0502020204030204" pitchFamily="34" charset="0"/>
                 <a:cs typeface="Times New Roman" panose="02020603050405020304" pitchFamily="18" charset="0"/>
               </a:rPr>
-              <a:t>To think, </a:t>
-            </a:r>
-            <a:r>
-              <a:rPr lang="en-US" sz="1100" dirty="0" smtClean="0">
-                <a:effectLst/>
-                <a:latin typeface="Calibri" panose="020F0502020204030204" pitchFamily="34" charset="0"/>
-                <a:ea typeface="Calibri" panose="020F0502020204030204" pitchFamily="34" charset="0"/>
-                <a:cs typeface="Times New Roman" panose="02020603050405020304" pitchFamily="18" charset="0"/>
-              </a:rPr>
-              <a:t>thinks, thought</a:t>
+              <a:t>To think, thinks, thought</a:t>
             </a:r>
             <a:endParaRPr lang="pt-BR" sz="1100" dirty="0">
               <a:effectLst/>
@@ -3468,16 +3331,7 @@
                 <a:ea typeface="Calibri" panose="020F0502020204030204" pitchFamily="34" charset="0"/>
                 <a:cs typeface="Times New Roman" panose="02020603050405020304" pitchFamily="18" charset="0"/>
               </a:rPr>
-              <a:t>To sing, </a:t>
-            </a:r>
-            <a:r>
-              <a:rPr lang="en-US" sz="1100" dirty="0" smtClean="0">
-                <a:effectLst/>
-                <a:latin typeface="Calibri" panose="020F0502020204030204" pitchFamily="34" charset="0"/>
-                <a:ea typeface="Calibri" panose="020F0502020204030204" pitchFamily="34" charset="0"/>
-                <a:cs typeface="Times New Roman" panose="02020603050405020304" pitchFamily="18" charset="0"/>
-              </a:rPr>
-              <a:t>sings, sang</a:t>
+              <a:t>To sing, sings, sang</a:t>
             </a:r>
             <a:endParaRPr lang="pt-BR" sz="1100" dirty="0">
               <a:effectLst/>
@@ -3499,16 +3353,7 @@
                 <a:ea typeface="Calibri" panose="020F0502020204030204" pitchFamily="34" charset="0"/>
                 <a:cs typeface="Times New Roman" panose="02020603050405020304" pitchFamily="18" charset="0"/>
               </a:rPr>
-              <a:t>To read, </a:t>
-            </a:r>
-            <a:r>
-              <a:rPr lang="en-US" sz="1100" dirty="0" smtClean="0">
-                <a:effectLst/>
-                <a:latin typeface="Calibri" panose="020F0502020204030204" pitchFamily="34" charset="0"/>
-                <a:ea typeface="Calibri" panose="020F0502020204030204" pitchFamily="34" charset="0"/>
-                <a:cs typeface="Times New Roman" panose="02020603050405020304" pitchFamily="18" charset="0"/>
-              </a:rPr>
-              <a:t>reads</a:t>
+              <a:t>To read, reads</a:t>
             </a:r>
             <a:endParaRPr lang="pt-BR" sz="1100" dirty="0">
               <a:effectLst/>
@@ -3559,7 +3404,7 @@
               </a:spcAft>
             </a:pPr>
             <a:r>
-              <a:rPr lang="en-US" sz="1100" b="1" dirty="0" err="1" smtClean="0">
+              <a:rPr lang="en-US" sz="1100" b="1" dirty="0" err="1">
                 <a:solidFill>
                   <a:schemeClr val="accent2"/>
                 </a:solidFill>
@@ -3571,7 +3416,7 @@
               <a:t>Lição</a:t>
             </a:r>
             <a:r>
-              <a:rPr lang="en-US" sz="1100" b="1" dirty="0" smtClean="0">
+              <a:rPr lang="en-US" sz="1100" b="1" dirty="0">
                 <a:solidFill>
                   <a:schemeClr val="accent2"/>
                 </a:solidFill>
@@ -3590,7 +3435,7 @@
               </a:spcAft>
             </a:pPr>
             <a:r>
-              <a:rPr lang="en-US" sz="1100" dirty="0" smtClean="0">
+              <a:rPr lang="en-US" sz="1100" dirty="0">
                 <a:effectLst/>
                 <a:latin typeface="Calibri" panose="020F0502020204030204" pitchFamily="34" charset="0"/>
                 <a:ea typeface="Calibri" panose="020F0502020204030204" pitchFamily="34" charset="0"/>
@@ -3634,7 +3479,7 @@
               </a:spcAft>
             </a:pPr>
             <a:r>
-              <a:rPr lang="en-US" sz="1100" dirty="0" smtClean="0">
+              <a:rPr lang="en-US" sz="1100" dirty="0">
                 <a:effectLst/>
                 <a:latin typeface="Calibri" panose="020F0502020204030204" pitchFamily="34" charset="0"/>
                 <a:ea typeface="Calibri" panose="020F0502020204030204" pitchFamily="34" charset="0"/>
@@ -3876,7 +3721,7 @@
               </a:spcAft>
             </a:pPr>
             <a:r>
-              <a:rPr lang="en-US" sz="1100" dirty="0" smtClean="0">
+              <a:rPr lang="en-US" sz="1100" dirty="0">
                 <a:effectLst/>
                 <a:latin typeface="Calibri" panose="020F0502020204030204" pitchFamily="34" charset="0"/>
                 <a:ea typeface="Calibri" panose="020F0502020204030204" pitchFamily="34" charset="0"/>
@@ -4109,7 +3954,7 @@
               </a:spcAft>
             </a:pPr>
             <a:r>
-              <a:rPr lang="en-US" sz="1100" dirty="0" smtClean="0">
+              <a:rPr lang="en-US" sz="1100" dirty="0">
                 <a:effectLst/>
                 <a:latin typeface="Calibri" panose="020F0502020204030204" pitchFamily="34" charset="0"/>
                 <a:ea typeface="Calibri" panose="020F0502020204030204" pitchFamily="34" charset="0"/>
@@ -4307,7 +4152,7 @@
               </a:spcAft>
             </a:pPr>
             <a:r>
-              <a:rPr lang="en-US" sz="1100" dirty="0" smtClean="0">
+              <a:rPr lang="en-US" sz="1100" dirty="0">
                 <a:effectLst/>
                 <a:latin typeface="Calibri" panose="020F0502020204030204" pitchFamily="34" charset="0"/>
                 <a:ea typeface="Calibri" panose="020F0502020204030204" pitchFamily="34" charset="0"/>
@@ -4318,7 +4163,7 @@
           </a:p>
           <a:p>
             <a:r>
-              <a:rPr lang="en-US" sz="1100" dirty="0" smtClean="0">
+              <a:rPr lang="en-US" sz="1100" dirty="0">
                 <a:effectLst/>
                 <a:latin typeface="Calibri" panose="020F0502020204030204" pitchFamily="34" charset="0"/>
                 <a:ea typeface="Calibri" panose="020F0502020204030204" pitchFamily="34" charset="0"/>
@@ -4326,7 +4171,7 @@
               </a:rPr>
               <a:t>Free</a:t>
             </a:r>
-            <a:endParaRPr lang="pt-BR" sz="1100" dirty="0" smtClean="0">
+            <a:endParaRPr lang="pt-BR" sz="1100" dirty="0">
               <a:effectLst/>
               <a:latin typeface="Calibri" panose="020F0502020204030204" pitchFamily="34" charset="0"/>
               <a:ea typeface="Calibri" panose="020F0502020204030204" pitchFamily="34" charset="0"/>
@@ -4375,7 +4220,7 @@
               </a:spcAft>
             </a:pPr>
             <a:r>
-              <a:rPr lang="en-US" sz="1100" dirty="0" smtClean="0">
+              <a:rPr lang="en-US" sz="1100" dirty="0">
                 <a:effectLst/>
                 <a:latin typeface="Calibri" panose="020F0502020204030204" pitchFamily="34" charset="0"/>
                 <a:ea typeface="Calibri" panose="020F0502020204030204" pitchFamily="34" charset="0"/>
@@ -4397,7 +4242,7 @@
               </a:spcAft>
             </a:pPr>
             <a:r>
-              <a:rPr lang="en-US" sz="1100" dirty="0" smtClean="0">
+              <a:rPr lang="en-US" sz="1100" dirty="0">
                 <a:effectLst/>
                 <a:latin typeface="Calibri" panose="020F0502020204030204" pitchFamily="34" charset="0"/>
                 <a:ea typeface="Calibri" panose="020F0502020204030204" pitchFamily="34" charset="0"/>
@@ -4564,7 +4409,7 @@
               </a:spcAft>
             </a:pPr>
             <a:r>
-              <a:rPr lang="en-US" sz="1100" dirty="0" smtClean="0">
+              <a:rPr lang="en-US" sz="1100" dirty="0">
                 <a:latin typeface="Calibri" panose="020F0502020204030204" pitchFamily="34" charset="0"/>
                 <a:ea typeface="Calibri" panose="020F0502020204030204" pitchFamily="34" charset="0"/>
                 <a:cs typeface="Times New Roman" panose="02020603050405020304" pitchFamily="18" charset="0"/>
@@ -4579,7 +4424,7 @@
               </a:spcAft>
             </a:pPr>
             <a:r>
-              <a:rPr lang="en-US" sz="1100" dirty="0" smtClean="0">
+              <a:rPr lang="en-US" sz="1100" dirty="0">
                 <a:effectLst/>
                 <a:latin typeface="Calibri" panose="020F0502020204030204" pitchFamily="34" charset="0"/>
                 <a:ea typeface="Calibri" panose="020F0502020204030204" pitchFamily="34" charset="0"/>
@@ -4595,7 +4440,7 @@
               </a:spcAft>
             </a:pPr>
             <a:r>
-              <a:rPr lang="en-US" sz="1100" dirty="0" smtClean="0">
+              <a:rPr lang="en-US" sz="1100" dirty="0">
                 <a:latin typeface="Calibri" panose="020F0502020204030204" pitchFamily="34" charset="0"/>
                 <a:ea typeface="Calibri" panose="020F0502020204030204" pitchFamily="34" charset="0"/>
                 <a:cs typeface="Times New Roman" panose="02020603050405020304" pitchFamily="18" charset="0"/>
@@ -4610,7 +4455,7 @@
               </a:spcAft>
             </a:pPr>
             <a:r>
-              <a:rPr lang="en-US" sz="1100" dirty="0" smtClean="0">
+              <a:rPr lang="en-US" sz="1100" dirty="0">
                 <a:latin typeface="Calibri" panose="020F0502020204030204" pitchFamily="34" charset="0"/>
                 <a:ea typeface="Calibri" panose="020F0502020204030204" pitchFamily="34" charset="0"/>
                 <a:cs typeface="Times New Roman" panose="02020603050405020304" pitchFamily="18" charset="0"/>
@@ -4625,7 +4470,7 @@
               </a:spcAft>
             </a:pPr>
             <a:r>
-              <a:rPr lang="en-US" sz="1100" dirty="0" smtClean="0">
+              <a:rPr lang="en-US" sz="1100" dirty="0">
                 <a:latin typeface="Calibri" panose="020F0502020204030204" pitchFamily="34" charset="0"/>
                 <a:ea typeface="Calibri" panose="020F0502020204030204" pitchFamily="34" charset="0"/>
                 <a:cs typeface="Times New Roman" panose="02020603050405020304" pitchFamily="18" charset="0"/>
@@ -4640,7 +4485,7 @@
               </a:spcAft>
             </a:pPr>
             <a:r>
-              <a:rPr lang="en-US" sz="1100" dirty="0" smtClean="0">
+              <a:rPr lang="en-US" sz="1100" dirty="0">
                 <a:latin typeface="Calibri" panose="020F0502020204030204" pitchFamily="34" charset="0"/>
                 <a:ea typeface="Calibri" panose="020F0502020204030204" pitchFamily="34" charset="0"/>
                 <a:cs typeface="Times New Roman" panose="02020603050405020304" pitchFamily="18" charset="0"/>
@@ -4655,7 +4500,7 @@
               </a:spcAft>
             </a:pPr>
             <a:r>
-              <a:rPr lang="en-US" sz="1100" dirty="0" smtClean="0">
+              <a:rPr lang="en-US" sz="1100" dirty="0">
                 <a:latin typeface="Calibri" panose="020F0502020204030204" pitchFamily="34" charset="0"/>
                 <a:ea typeface="Calibri" panose="020F0502020204030204" pitchFamily="34" charset="0"/>
                 <a:cs typeface="Times New Roman" panose="02020603050405020304" pitchFamily="18" charset="0"/>
@@ -4670,7 +4515,7 @@
               </a:spcAft>
             </a:pPr>
             <a:r>
-              <a:rPr lang="en-US" sz="1100" dirty="0" smtClean="0">
+              <a:rPr lang="en-US" sz="1100" dirty="0">
                 <a:latin typeface="Calibri" panose="020F0502020204030204" pitchFamily="34" charset="0"/>
                 <a:ea typeface="Calibri" panose="020F0502020204030204" pitchFamily="34" charset="0"/>
                 <a:cs typeface="Times New Roman" panose="02020603050405020304" pitchFamily="18" charset="0"/>
@@ -4685,7 +4530,7 @@
               </a:spcAft>
             </a:pPr>
             <a:r>
-              <a:rPr lang="en-US" sz="1100" dirty="0" smtClean="0">
+              <a:rPr lang="en-US" sz="1100" dirty="0">
                 <a:latin typeface="Calibri" panose="020F0502020204030204" pitchFamily="34" charset="0"/>
                 <a:ea typeface="Calibri" panose="020F0502020204030204" pitchFamily="34" charset="0"/>
                 <a:cs typeface="Times New Roman" panose="02020603050405020304" pitchFamily="18" charset="0"/>
@@ -4700,7 +4545,7 @@
               </a:spcAft>
             </a:pPr>
             <a:r>
-              <a:rPr lang="en-US" sz="1100" dirty="0" smtClean="0">
+              <a:rPr lang="en-US" sz="1100" dirty="0">
                 <a:latin typeface="Calibri" panose="020F0502020204030204" pitchFamily="34" charset="0"/>
                 <a:ea typeface="Calibri" panose="020F0502020204030204" pitchFamily="34" charset="0"/>
                 <a:cs typeface="Times New Roman" panose="02020603050405020304" pitchFamily="18" charset="0"/>
@@ -4715,7 +4560,7 @@
               </a:spcAft>
             </a:pPr>
             <a:r>
-              <a:rPr lang="en-US" sz="1100" dirty="0" smtClean="0">
+              <a:rPr lang="en-US" sz="1100" dirty="0">
                 <a:latin typeface="Calibri" panose="020F0502020204030204" pitchFamily="34" charset="0"/>
                 <a:ea typeface="Calibri" panose="020F0502020204030204" pitchFamily="34" charset="0"/>
                 <a:cs typeface="Times New Roman" panose="02020603050405020304" pitchFamily="18" charset="0"/>
@@ -4730,7 +4575,7 @@
               </a:spcAft>
             </a:pPr>
             <a:r>
-              <a:rPr lang="en-US" sz="1100" dirty="0" smtClean="0">
+              <a:rPr lang="en-US" sz="1100" dirty="0">
                 <a:latin typeface="Calibri" panose="020F0502020204030204" pitchFamily="34" charset="0"/>
                 <a:ea typeface="Calibri" panose="020F0502020204030204" pitchFamily="34" charset="0"/>
                 <a:cs typeface="Times New Roman" panose="02020603050405020304" pitchFamily="18" charset="0"/>
@@ -4745,7 +4590,7 @@
               </a:spcAft>
             </a:pPr>
             <a:r>
-              <a:rPr lang="en-US" sz="1100" dirty="0" smtClean="0">
+              <a:rPr lang="en-US" sz="1100" dirty="0">
                 <a:latin typeface="Calibri" panose="020F0502020204030204" pitchFamily="34" charset="0"/>
                 <a:ea typeface="Calibri" panose="020F0502020204030204" pitchFamily="34" charset="0"/>
                 <a:cs typeface="Times New Roman" panose="02020603050405020304" pitchFamily="18" charset="0"/>
@@ -4760,7 +4605,7 @@
               </a:spcAft>
             </a:pPr>
             <a:r>
-              <a:rPr lang="en-US" sz="1100" dirty="0" smtClean="0">
+              <a:rPr lang="en-US" sz="1100" dirty="0">
                 <a:latin typeface="Calibri" panose="020F0502020204030204" pitchFamily="34" charset="0"/>
                 <a:ea typeface="Calibri" panose="020F0502020204030204" pitchFamily="34" charset="0"/>
                 <a:cs typeface="Times New Roman" panose="02020603050405020304" pitchFamily="18" charset="0"/>
@@ -4775,7 +4620,7 @@
               </a:spcAft>
             </a:pPr>
             <a:r>
-              <a:rPr lang="en-US" sz="1100" dirty="0" smtClean="0">
+              <a:rPr lang="en-US" sz="1100" dirty="0">
                 <a:latin typeface="Calibri" panose="020F0502020204030204" pitchFamily="34" charset="0"/>
                 <a:ea typeface="Calibri" panose="020F0502020204030204" pitchFamily="34" charset="0"/>
                 <a:cs typeface="Times New Roman" panose="02020603050405020304" pitchFamily="18" charset="0"/>
@@ -4790,7 +4635,7 @@
               </a:spcAft>
             </a:pPr>
             <a:r>
-              <a:rPr lang="en-US" sz="1100" dirty="0" smtClean="0">
+              <a:rPr lang="en-US" sz="1100" dirty="0">
                 <a:latin typeface="Calibri" panose="020F0502020204030204" pitchFamily="34" charset="0"/>
                 <a:ea typeface="Calibri" panose="020F0502020204030204" pitchFamily="34" charset="0"/>
                 <a:cs typeface="Times New Roman" panose="02020603050405020304" pitchFamily="18" charset="0"/>
@@ -4805,7 +4650,7 @@
               </a:spcAft>
             </a:pPr>
             <a:r>
-              <a:rPr lang="en-US" sz="1100" dirty="0" smtClean="0">
+              <a:rPr lang="en-US" sz="1100" dirty="0">
                 <a:latin typeface="Calibri" panose="020F0502020204030204" pitchFamily="34" charset="0"/>
                 <a:ea typeface="Calibri" panose="020F0502020204030204" pitchFamily="34" charset="0"/>
                 <a:cs typeface="Times New Roman" panose="02020603050405020304" pitchFamily="18" charset="0"/>
@@ -4820,14 +4665,14 @@
               </a:spcAft>
             </a:pPr>
             <a:r>
-              <a:rPr lang="en-US" sz="1100" dirty="0" smtClean="0">
+              <a:rPr lang="en-US" sz="1100" dirty="0">
                 <a:latin typeface="Calibri" panose="020F0502020204030204" pitchFamily="34" charset="0"/>
                 <a:ea typeface="Calibri" panose="020F0502020204030204" pitchFamily="34" charset="0"/>
                 <a:cs typeface="Times New Roman" panose="02020603050405020304" pitchFamily="18" charset="0"/>
               </a:rPr>
               <a:t>birthday</a:t>
             </a:r>
-            <a:endParaRPr lang="en-US" sz="1100" dirty="0" smtClean="0">
+            <a:endParaRPr lang="en-US" sz="1100" dirty="0">
               <a:effectLst/>
               <a:latin typeface="Calibri" panose="020F0502020204030204" pitchFamily="34" charset="0"/>
               <a:ea typeface="Calibri" panose="020F0502020204030204" pitchFamily="34" charset="0"/>
@@ -4876,7 +4721,7 @@
               </a:spcAft>
             </a:pPr>
             <a:r>
-              <a:rPr lang="en-US" sz="1100" b="1" dirty="0" err="1" smtClean="0">
+              <a:rPr lang="en-US" sz="1100" b="1" dirty="0" err="1">
                 <a:solidFill>
                   <a:schemeClr val="accent2"/>
                 </a:solidFill>
@@ -4888,7 +4733,7 @@
               <a:t>Lição</a:t>
             </a:r>
             <a:r>
-              <a:rPr lang="en-US" sz="1100" b="1" dirty="0" smtClean="0">
+              <a:rPr lang="en-US" sz="1100" b="1" dirty="0">
                 <a:solidFill>
                   <a:schemeClr val="accent2"/>
                 </a:solidFill>
@@ -4907,7 +4752,7 @@
               </a:spcAft>
             </a:pPr>
             <a:r>
-              <a:rPr lang="en-US" sz="1100" dirty="0" smtClean="0">
+              <a:rPr lang="en-US" sz="1100" dirty="0">
                 <a:effectLst/>
                 <a:latin typeface="Calibri" panose="020F0502020204030204" pitchFamily="34" charset="0"/>
                 <a:ea typeface="Calibri" panose="020F0502020204030204" pitchFamily="34" charset="0"/>
@@ -5105,7 +4950,7 @@
               </a:spcAft>
             </a:pPr>
             <a:r>
-              <a:rPr lang="en-US" sz="1100" dirty="0" smtClean="0">
+              <a:rPr lang="en-US" sz="1100" dirty="0">
                 <a:effectLst/>
                 <a:latin typeface="Calibri" panose="020F0502020204030204" pitchFamily="34" charset="0"/>
                 <a:ea typeface="Calibri" panose="020F0502020204030204" pitchFamily="34" charset="0"/>
@@ -5127,7 +4972,7 @@
               </a:spcAft>
             </a:pPr>
             <a:r>
-              <a:rPr lang="en-US" sz="1100" dirty="0" smtClean="0">
+              <a:rPr lang="en-US" sz="1100" dirty="0">
                 <a:effectLst/>
                 <a:latin typeface="Calibri" panose="020F0502020204030204" pitchFamily="34" charset="0"/>
                 <a:ea typeface="Calibri" panose="020F0502020204030204" pitchFamily="34" charset="0"/>
@@ -5171,7 +5016,7 @@
               </a:spcAft>
             </a:pPr>
             <a:r>
-              <a:rPr lang="en-US" sz="1100" dirty="0" smtClean="0">
+              <a:rPr lang="en-US" sz="1100" dirty="0">
                 <a:effectLst/>
                 <a:latin typeface="Calibri" panose="020F0502020204030204" pitchFamily="34" charset="0"/>
                 <a:ea typeface="Calibri" panose="020F0502020204030204" pitchFamily="34" charset="0"/>
@@ -5187,7 +5032,7 @@
               </a:spcAft>
             </a:pPr>
             <a:r>
-              <a:rPr lang="en-US" sz="1100" dirty="0" smtClean="0">
+              <a:rPr lang="en-US" sz="1100" dirty="0">
                 <a:latin typeface="Calibri" panose="020F0502020204030204" pitchFamily="34" charset="0"/>
                 <a:ea typeface="Calibri" panose="020F0502020204030204" pitchFamily="34" charset="0"/>
                 <a:cs typeface="Times New Roman" panose="02020603050405020304" pitchFamily="18" charset="0"/>
@@ -5202,7 +5047,7 @@
               </a:spcAft>
             </a:pPr>
             <a:r>
-              <a:rPr lang="en-US" sz="1100" dirty="0" smtClean="0">
+              <a:rPr lang="en-US" sz="1100" dirty="0">
                 <a:latin typeface="Calibri" panose="020F0502020204030204" pitchFamily="34" charset="0"/>
                 <a:ea typeface="Calibri" panose="020F0502020204030204" pitchFamily="34" charset="0"/>
                 <a:cs typeface="Times New Roman" panose="02020603050405020304" pitchFamily="18" charset="0"/>
@@ -5217,7 +5062,7 @@
               </a:spcAft>
             </a:pPr>
             <a:r>
-              <a:rPr lang="en-US" sz="1100" dirty="0" smtClean="0">
+              <a:rPr lang="en-US" sz="1100" dirty="0">
                 <a:latin typeface="Calibri" panose="020F0502020204030204" pitchFamily="34" charset="0"/>
                 <a:ea typeface="Calibri" panose="020F0502020204030204" pitchFamily="34" charset="0"/>
                 <a:cs typeface="Times New Roman" panose="02020603050405020304" pitchFamily="18" charset="0"/>
@@ -5232,7 +5077,7 @@
               </a:spcAft>
             </a:pPr>
             <a:r>
-              <a:rPr lang="en-US" sz="1100" dirty="0" smtClean="0">
+              <a:rPr lang="en-US" sz="1100" dirty="0">
                 <a:latin typeface="Calibri" panose="020F0502020204030204" pitchFamily="34" charset="0"/>
                 <a:ea typeface="Calibri" panose="020F0502020204030204" pitchFamily="34" charset="0"/>
                 <a:cs typeface="Times New Roman" panose="02020603050405020304" pitchFamily="18" charset="0"/>
@@ -5246,7 +5091,7 @@
                 <a:spcPts val="0"/>
               </a:spcAft>
             </a:pPr>
-            <a:endParaRPr lang="en-US" sz="1100" dirty="0" smtClean="0">
+            <a:endParaRPr lang="en-US" sz="1100" dirty="0">
               <a:latin typeface="Calibri" panose="020F0502020204030204" pitchFamily="34" charset="0"/>
               <a:ea typeface="Calibri" panose="020F0502020204030204" pitchFamily="34" charset="0"/>
               <a:cs typeface="Times New Roman" panose="02020603050405020304" pitchFamily="18" charset="0"/>
@@ -5271,7 +5116,7 @@
                 <a:spcPts val="0"/>
               </a:spcAft>
             </a:pPr>
-            <a:endParaRPr lang="en-US" sz="1100" dirty="0" smtClean="0">
+            <a:endParaRPr lang="en-US" sz="1100" dirty="0">
               <a:effectLst/>
               <a:latin typeface="Calibri" panose="020F0502020204030204" pitchFamily="34" charset="0"/>
               <a:ea typeface="Calibri" panose="020F0502020204030204" pitchFamily="34" charset="0"/>
@@ -5333,27 +5178,27 @@
           </a:p>
           <a:p>
             <a:r>
-              <a:rPr lang="pt-BR" dirty="0" err="1" smtClean="0"/>
+              <a:rPr lang="pt-BR" dirty="0" err="1"/>
               <a:t>Small</a:t>
             </a:r>
-            <a:endParaRPr lang="pt-BR" dirty="0" smtClean="0"/>
-          </a:p>
-          <a:p>
-            <a:r>
-              <a:rPr lang="pt-BR" dirty="0" err="1" smtClean="0"/>
+            <a:endParaRPr lang="pt-BR" dirty="0"/>
+          </a:p>
+          <a:p>
+            <a:r>
+              <a:rPr lang="pt-BR" dirty="0" err="1"/>
               <a:t>Favorite</a:t>
             </a:r>
-            <a:endParaRPr lang="pt-BR" dirty="0" smtClean="0"/>
-          </a:p>
-          <a:p>
-            <a:r>
-              <a:rPr lang="pt-BR" dirty="0" smtClean="0"/>
+            <a:endParaRPr lang="pt-BR" dirty="0"/>
+          </a:p>
+          <a:p>
+            <a:r>
+              <a:rPr lang="pt-BR" dirty="0"/>
               <a:t>Just</a:t>
             </a:r>
           </a:p>
           <a:p>
             <a:r>
-              <a:rPr lang="pt-BR" dirty="0" smtClean="0"/>
+              <a:rPr lang="pt-BR" dirty="0"/>
               <a:t>Age</a:t>
             </a:r>
           </a:p>
@@ -5402,7 +5247,7 @@
               </a:spcAft>
             </a:pPr>
             <a:r>
-              <a:rPr lang="en-US" sz="1100" b="1" dirty="0" err="1" smtClean="0">
+              <a:rPr lang="en-US" sz="1100" b="1" dirty="0" err="1">
                 <a:solidFill>
                   <a:schemeClr val="tx2"/>
                 </a:solidFill>
@@ -5414,7 +5259,7 @@
               <a:t>Lição</a:t>
             </a:r>
             <a:r>
-              <a:rPr lang="en-US" sz="1100" b="1" dirty="0" smtClean="0">
+              <a:rPr lang="en-US" sz="1100" b="1" dirty="0">
                 <a:solidFill>
                   <a:schemeClr val="tx2"/>
                 </a:solidFill>
@@ -5432,7 +5277,7 @@
                 <a:spcPts val="0"/>
               </a:spcAft>
             </a:pPr>
-            <a:endParaRPr lang="en-US" sz="1100" b="1" dirty="0" smtClean="0">
+            <a:endParaRPr lang="en-US" sz="1100" b="1" dirty="0">
               <a:effectLst/>
               <a:latin typeface="Calibri" panose="020F0502020204030204" pitchFamily="34" charset="0"/>
               <a:ea typeface="Calibri" panose="020F0502020204030204" pitchFamily="34" charset="0"/>
@@ -5446,7 +5291,7 @@
               </a:spcAft>
             </a:pPr>
             <a:r>
-              <a:rPr lang="pt-BR" sz="1100" dirty="0" smtClean="0">
+              <a:rPr lang="pt-BR" sz="1100" dirty="0">
                 <a:effectLst/>
                 <a:latin typeface="Calibri" panose="020F0502020204030204" pitchFamily="34" charset="0"/>
                 <a:ea typeface="Calibri" panose="020F0502020204030204" pitchFamily="34" charset="0"/>
@@ -5462,7 +5307,7 @@
               </a:spcAft>
             </a:pPr>
             <a:r>
-              <a:rPr lang="pt-BR" sz="1100" dirty="0" err="1" smtClean="0">
+              <a:rPr lang="pt-BR" sz="1100" dirty="0" err="1">
                 <a:effectLst/>
                 <a:latin typeface="Calibri" panose="020F0502020204030204" pitchFamily="34" charset="0"/>
                 <a:ea typeface="Calibri" panose="020F0502020204030204" pitchFamily="34" charset="0"/>
@@ -5470,7 +5315,7 @@
               </a:rPr>
               <a:t>Jump</a:t>
             </a:r>
-            <a:endParaRPr lang="pt-BR" sz="1100" dirty="0" smtClean="0">
+            <a:endParaRPr lang="pt-BR" sz="1100" dirty="0">
               <a:effectLst/>
               <a:latin typeface="Calibri" panose="020F0502020204030204" pitchFamily="34" charset="0"/>
               <a:ea typeface="Calibri" panose="020F0502020204030204" pitchFamily="34" charset="0"/>
@@ -5484,27 +5329,27 @@
               </a:spcAft>
             </a:pPr>
             <a:r>
-              <a:rPr lang="pt-BR" sz="1100" dirty="0" err="1" smtClean="0">
+              <a:rPr lang="pt-BR" sz="1100" dirty="0" err="1">
                 <a:latin typeface="Calibri" panose="020F0502020204030204" pitchFamily="34" charset="0"/>
                 <a:ea typeface="Calibri" panose="020F0502020204030204" pitchFamily="34" charset="0"/>
                 <a:cs typeface="Times New Roman" panose="02020603050405020304" pitchFamily="18" charset="0"/>
               </a:rPr>
               <a:t>Keep</a:t>
             </a:r>
-            <a:endParaRPr lang="pt-BR" sz="1100" dirty="0" smtClean="0">
-              <a:latin typeface="Calibri" panose="020F0502020204030204" pitchFamily="34" charset="0"/>
-              <a:ea typeface="Calibri" panose="020F0502020204030204" pitchFamily="34" charset="0"/>
-              <a:cs typeface="Times New Roman" panose="02020603050405020304" pitchFamily="18" charset="0"/>
-            </a:endParaRPr>
-          </a:p>
-          <a:p>
-            <a:pPr>
-              <a:spcAft>
-                <a:spcPts val="0"/>
-              </a:spcAft>
-            </a:pPr>
-            <a:r>
-              <a:rPr lang="pt-BR" sz="1100" dirty="0" smtClean="0">
+            <a:endParaRPr lang="pt-BR" sz="1100" dirty="0">
+              <a:latin typeface="Calibri" panose="020F0502020204030204" pitchFamily="34" charset="0"/>
+              <a:ea typeface="Calibri" panose="020F0502020204030204" pitchFamily="34" charset="0"/>
+              <a:cs typeface="Times New Roman" panose="02020603050405020304" pitchFamily="18" charset="0"/>
+            </a:endParaRPr>
+          </a:p>
+          <a:p>
+            <a:pPr>
+              <a:spcAft>
+                <a:spcPts val="0"/>
+              </a:spcAft>
+            </a:pPr>
+            <a:r>
+              <a:rPr lang="pt-BR" sz="1100" dirty="0">
                 <a:effectLst/>
                 <a:latin typeface="Calibri" panose="020F0502020204030204" pitchFamily="34" charset="0"/>
                 <a:ea typeface="Calibri" panose="020F0502020204030204" pitchFamily="34" charset="0"/>
@@ -5520,27 +5365,27 @@
               </a:spcAft>
             </a:pPr>
             <a:r>
-              <a:rPr lang="pt-BR" sz="1100" dirty="0" err="1" smtClean="0">
+              <a:rPr lang="pt-BR" sz="1100" dirty="0" err="1">
                 <a:latin typeface="Calibri" panose="020F0502020204030204" pitchFamily="34" charset="0"/>
                 <a:ea typeface="Calibri" panose="020F0502020204030204" pitchFamily="34" charset="0"/>
                 <a:cs typeface="Times New Roman" panose="02020603050405020304" pitchFamily="18" charset="0"/>
               </a:rPr>
               <a:t>Know</a:t>
             </a:r>
-            <a:endParaRPr lang="pt-BR" sz="1100" dirty="0" smtClean="0">
-              <a:latin typeface="Calibri" panose="020F0502020204030204" pitchFamily="34" charset="0"/>
-              <a:ea typeface="Calibri" panose="020F0502020204030204" pitchFamily="34" charset="0"/>
-              <a:cs typeface="Times New Roman" panose="02020603050405020304" pitchFamily="18" charset="0"/>
-            </a:endParaRPr>
-          </a:p>
-          <a:p>
-            <a:pPr>
-              <a:spcAft>
-                <a:spcPts val="0"/>
-              </a:spcAft>
-            </a:pPr>
-            <a:r>
-              <a:rPr lang="pt-BR" sz="1100" dirty="0" err="1" smtClean="0">
+            <a:endParaRPr lang="pt-BR" sz="1100" dirty="0">
+              <a:latin typeface="Calibri" panose="020F0502020204030204" pitchFamily="34" charset="0"/>
+              <a:ea typeface="Calibri" panose="020F0502020204030204" pitchFamily="34" charset="0"/>
+              <a:cs typeface="Times New Roman" panose="02020603050405020304" pitchFamily="18" charset="0"/>
+            </a:endParaRPr>
+          </a:p>
+          <a:p>
+            <a:pPr>
+              <a:spcAft>
+                <a:spcPts val="0"/>
+              </a:spcAft>
+            </a:pPr>
+            <a:r>
+              <a:rPr lang="pt-BR" sz="1100" dirty="0" err="1">
                 <a:effectLst/>
                 <a:latin typeface="Calibri" panose="020F0502020204030204" pitchFamily="34" charset="0"/>
                 <a:ea typeface="Calibri" panose="020F0502020204030204" pitchFamily="34" charset="0"/>
@@ -5548,7 +5393,7 @@
               </a:rPr>
               <a:t>Learn</a:t>
             </a:r>
-            <a:endParaRPr lang="pt-BR" sz="1100" dirty="0" smtClean="0">
+            <a:endParaRPr lang="pt-BR" sz="1100" dirty="0">
               <a:effectLst/>
               <a:latin typeface="Calibri" panose="020F0502020204030204" pitchFamily="34" charset="0"/>
               <a:ea typeface="Calibri" panose="020F0502020204030204" pitchFamily="34" charset="0"/>
@@ -5562,27 +5407,27 @@
               </a:spcAft>
             </a:pPr>
             <a:r>
-              <a:rPr lang="pt-BR" sz="1100" dirty="0" err="1" smtClean="0">
+              <a:rPr lang="pt-BR" sz="1100" dirty="0" err="1">
                 <a:latin typeface="Calibri" panose="020F0502020204030204" pitchFamily="34" charset="0"/>
                 <a:ea typeface="Calibri" panose="020F0502020204030204" pitchFamily="34" charset="0"/>
                 <a:cs typeface="Times New Roman" panose="02020603050405020304" pitchFamily="18" charset="0"/>
               </a:rPr>
               <a:t>Leave</a:t>
             </a:r>
-            <a:endParaRPr lang="pt-BR" sz="1100" dirty="0" smtClean="0">
-              <a:latin typeface="Calibri" panose="020F0502020204030204" pitchFamily="34" charset="0"/>
-              <a:ea typeface="Calibri" panose="020F0502020204030204" pitchFamily="34" charset="0"/>
-              <a:cs typeface="Times New Roman" panose="02020603050405020304" pitchFamily="18" charset="0"/>
-            </a:endParaRPr>
-          </a:p>
-          <a:p>
-            <a:pPr>
-              <a:spcAft>
-                <a:spcPts val="0"/>
-              </a:spcAft>
-            </a:pPr>
-            <a:r>
-              <a:rPr lang="pt-BR" sz="1100" dirty="0" err="1" smtClean="0">
+            <a:endParaRPr lang="pt-BR" sz="1100" dirty="0">
+              <a:latin typeface="Calibri" panose="020F0502020204030204" pitchFamily="34" charset="0"/>
+              <a:ea typeface="Calibri" panose="020F0502020204030204" pitchFamily="34" charset="0"/>
+              <a:cs typeface="Times New Roman" panose="02020603050405020304" pitchFamily="18" charset="0"/>
+            </a:endParaRPr>
+          </a:p>
+          <a:p>
+            <a:pPr>
+              <a:spcAft>
+                <a:spcPts val="0"/>
+              </a:spcAft>
+            </a:pPr>
+            <a:r>
+              <a:rPr lang="pt-BR" sz="1100" dirty="0" err="1">
                 <a:effectLst/>
                 <a:latin typeface="Calibri" panose="020F0502020204030204" pitchFamily="34" charset="0"/>
                 <a:ea typeface="Calibri" panose="020F0502020204030204" pitchFamily="34" charset="0"/>
@@ -5590,7 +5435,7 @@
               </a:rPr>
               <a:t>Lend</a:t>
             </a:r>
-            <a:endParaRPr lang="pt-BR" sz="1100" dirty="0" smtClean="0">
+            <a:endParaRPr lang="pt-BR" sz="1100" dirty="0">
               <a:effectLst/>
               <a:latin typeface="Calibri" panose="020F0502020204030204" pitchFamily="34" charset="0"/>
               <a:ea typeface="Calibri" panose="020F0502020204030204" pitchFamily="34" charset="0"/>
@@ -5604,27 +5449,27 @@
               </a:spcAft>
             </a:pPr>
             <a:r>
-              <a:rPr lang="pt-BR" sz="1100" dirty="0" err="1" smtClean="0">
+              <a:rPr lang="pt-BR" sz="1100" dirty="0" err="1">
                 <a:latin typeface="Calibri" panose="020F0502020204030204" pitchFamily="34" charset="0"/>
                 <a:ea typeface="Calibri" panose="020F0502020204030204" pitchFamily="34" charset="0"/>
                 <a:cs typeface="Times New Roman" panose="02020603050405020304" pitchFamily="18" charset="0"/>
               </a:rPr>
               <a:t>Like</a:t>
             </a:r>
-            <a:endParaRPr lang="pt-BR" sz="1100" dirty="0" smtClean="0">
-              <a:latin typeface="Calibri" panose="020F0502020204030204" pitchFamily="34" charset="0"/>
-              <a:ea typeface="Calibri" panose="020F0502020204030204" pitchFamily="34" charset="0"/>
-              <a:cs typeface="Times New Roman" panose="02020603050405020304" pitchFamily="18" charset="0"/>
-            </a:endParaRPr>
-          </a:p>
-          <a:p>
-            <a:pPr>
-              <a:spcAft>
-                <a:spcPts val="0"/>
-              </a:spcAft>
-            </a:pPr>
-            <a:r>
-              <a:rPr lang="pt-BR" sz="1100" dirty="0" err="1" smtClean="0">
+            <a:endParaRPr lang="pt-BR" sz="1100" dirty="0">
+              <a:latin typeface="Calibri" panose="020F0502020204030204" pitchFamily="34" charset="0"/>
+              <a:ea typeface="Calibri" panose="020F0502020204030204" pitchFamily="34" charset="0"/>
+              <a:cs typeface="Times New Roman" panose="02020603050405020304" pitchFamily="18" charset="0"/>
+            </a:endParaRPr>
+          </a:p>
+          <a:p>
+            <a:pPr>
+              <a:spcAft>
+                <a:spcPts val="0"/>
+              </a:spcAft>
+            </a:pPr>
+            <a:r>
+              <a:rPr lang="pt-BR" sz="1100" dirty="0" err="1">
                 <a:effectLst/>
                 <a:latin typeface="Calibri" panose="020F0502020204030204" pitchFamily="34" charset="0"/>
                 <a:ea typeface="Calibri" panose="020F0502020204030204" pitchFamily="34" charset="0"/>
@@ -5632,7 +5477,7 @@
               </a:rPr>
               <a:t>listen</a:t>
             </a:r>
-            <a:endParaRPr lang="en-US" sz="1100" dirty="0" smtClean="0">
+            <a:endParaRPr lang="en-US" sz="1100" dirty="0">
               <a:effectLst/>
               <a:latin typeface="Calibri" panose="020F0502020204030204" pitchFamily="34" charset="0"/>
               <a:ea typeface="Calibri" panose="020F0502020204030204" pitchFamily="34" charset="0"/>
@@ -5681,7 +5526,7 @@
               </a:spcAft>
             </a:pPr>
             <a:r>
-              <a:rPr lang="en-US" sz="1100" b="1" dirty="0" err="1" smtClean="0">
+              <a:rPr lang="en-US" sz="1100" b="1" dirty="0" err="1">
                 <a:solidFill>
                   <a:schemeClr val="tx2"/>
                 </a:solidFill>
@@ -5693,7 +5538,7 @@
               <a:t>Lição</a:t>
             </a:r>
             <a:r>
-              <a:rPr lang="en-US" sz="1100" b="1" dirty="0" smtClean="0">
+              <a:rPr lang="en-US" sz="1100" b="1" dirty="0">
                 <a:solidFill>
                   <a:schemeClr val="tx2"/>
                 </a:solidFill>
@@ -5711,20 +5556,20 @@
                 <a:spcPts val="0"/>
               </a:spcAft>
             </a:pPr>
-            <a:endParaRPr lang="en-US" sz="1100" dirty="0" smtClean="0">
-              <a:latin typeface="Calibri" panose="020F0502020204030204" pitchFamily="34" charset="0"/>
-              <a:ea typeface="Calibri" panose="020F0502020204030204" pitchFamily="34" charset="0"/>
-              <a:cs typeface="Times New Roman" panose="02020603050405020304" pitchFamily="18" charset="0"/>
-            </a:endParaRPr>
-          </a:p>
-          <a:p>
-            <a:pPr>
-              <a:spcAft>
-                <a:spcPts val="0"/>
-              </a:spcAft>
-            </a:pPr>
-            <a:r>
-              <a:rPr lang="en-US" sz="1100" dirty="0" smtClean="0">
+            <a:endParaRPr lang="en-US" sz="1100" dirty="0">
+              <a:latin typeface="Calibri" panose="020F0502020204030204" pitchFamily="34" charset="0"/>
+              <a:ea typeface="Calibri" panose="020F0502020204030204" pitchFamily="34" charset="0"/>
+              <a:cs typeface="Times New Roman" panose="02020603050405020304" pitchFamily="18" charset="0"/>
+            </a:endParaRPr>
+          </a:p>
+          <a:p>
+            <a:pPr>
+              <a:spcAft>
+                <a:spcPts val="0"/>
+              </a:spcAft>
+            </a:pPr>
+            <a:r>
+              <a:rPr lang="en-US" sz="1100" dirty="0">
                 <a:effectLst/>
                 <a:latin typeface="Calibri" panose="020F0502020204030204" pitchFamily="34" charset="0"/>
                 <a:ea typeface="Calibri" panose="020F0502020204030204" pitchFamily="34" charset="0"/>
@@ -5740,7 +5585,7 @@
               </a:spcAft>
             </a:pPr>
             <a:r>
-              <a:rPr lang="en-US" sz="1100" dirty="0" smtClean="0">
+              <a:rPr lang="en-US" sz="1100" dirty="0">
                 <a:latin typeface="Calibri" panose="020F0502020204030204" pitchFamily="34" charset="0"/>
                 <a:ea typeface="Calibri" panose="020F0502020204030204" pitchFamily="34" charset="0"/>
                 <a:cs typeface="Times New Roman" panose="02020603050405020304" pitchFamily="18" charset="0"/>
@@ -5755,7 +5600,7 @@
               </a:spcAft>
             </a:pPr>
             <a:r>
-              <a:rPr lang="en-US" sz="1100" dirty="0" smtClean="0">
+              <a:rPr lang="en-US" sz="1100" dirty="0">
                 <a:effectLst/>
                 <a:latin typeface="Calibri" panose="020F0502020204030204" pitchFamily="34" charset="0"/>
                 <a:ea typeface="Calibri" panose="020F0502020204030204" pitchFamily="34" charset="0"/>
@@ -5771,7 +5616,7 @@
               </a:spcAft>
             </a:pPr>
             <a:r>
-              <a:rPr lang="en-US" sz="1100" dirty="0" smtClean="0">
+              <a:rPr lang="en-US" sz="1100" dirty="0">
                 <a:latin typeface="Calibri" panose="020F0502020204030204" pitchFamily="34" charset="0"/>
                 <a:ea typeface="Calibri" panose="020F0502020204030204" pitchFamily="34" charset="0"/>
                 <a:cs typeface="Times New Roman" panose="02020603050405020304" pitchFamily="18" charset="0"/>
@@ -5786,7 +5631,7 @@
               </a:spcAft>
             </a:pPr>
             <a:r>
-              <a:rPr lang="en-US" sz="1100" dirty="0" smtClean="0">
+              <a:rPr lang="en-US" sz="1100" dirty="0">
                 <a:effectLst/>
                 <a:latin typeface="Calibri" panose="020F0502020204030204" pitchFamily="34" charset="0"/>
                 <a:ea typeface="Calibri" panose="020F0502020204030204" pitchFamily="34" charset="0"/>
@@ -5802,7 +5647,7 @@
               </a:spcAft>
             </a:pPr>
             <a:r>
-              <a:rPr lang="en-US" sz="1100" dirty="0" smtClean="0">
+              <a:rPr lang="en-US" sz="1100" dirty="0">
                 <a:latin typeface="Calibri" panose="020F0502020204030204" pitchFamily="34" charset="0"/>
                 <a:ea typeface="Calibri" panose="020F0502020204030204" pitchFamily="34" charset="0"/>
                 <a:cs typeface="Times New Roman" panose="02020603050405020304" pitchFamily="18" charset="0"/>
@@ -5817,7 +5662,7 @@
               </a:spcAft>
             </a:pPr>
             <a:r>
-              <a:rPr lang="en-US" sz="1100" dirty="0" smtClean="0">
+              <a:rPr lang="en-US" sz="1100" dirty="0">
                 <a:effectLst/>
                 <a:latin typeface="Calibri" panose="020F0502020204030204" pitchFamily="34" charset="0"/>
                 <a:ea typeface="Calibri" panose="020F0502020204030204" pitchFamily="34" charset="0"/>
@@ -5833,7 +5678,7 @@
               </a:spcAft>
             </a:pPr>
             <a:r>
-              <a:rPr lang="en-US" sz="1100" dirty="0" smtClean="0">
+              <a:rPr lang="en-US" sz="1100" dirty="0">
                 <a:effectLst/>
                 <a:latin typeface="Calibri" panose="020F0502020204030204" pitchFamily="34" charset="0"/>
                 <a:ea typeface="Calibri" panose="020F0502020204030204" pitchFamily="34" charset="0"/>
@@ -5849,7 +5694,7 @@
               </a:spcAft>
             </a:pPr>
             <a:r>
-              <a:rPr lang="en-US" sz="1100" dirty="0" smtClean="0">
+              <a:rPr lang="en-US" sz="1100" dirty="0">
                 <a:latin typeface="Calibri" panose="020F0502020204030204" pitchFamily="34" charset="0"/>
                 <a:ea typeface="Calibri" panose="020F0502020204030204" pitchFamily="34" charset="0"/>
                 <a:cs typeface="Times New Roman" panose="02020603050405020304" pitchFamily="18" charset="0"/>
@@ -5864,7 +5709,7 @@
               </a:spcAft>
             </a:pPr>
             <a:r>
-              <a:rPr lang="en-US" sz="1100" dirty="0" smtClean="0">
+              <a:rPr lang="en-US" sz="1100" dirty="0">
                 <a:effectLst/>
                 <a:latin typeface="Calibri" panose="020F0502020204030204" pitchFamily="34" charset="0"/>
                 <a:ea typeface="Calibri" panose="020F0502020204030204" pitchFamily="34" charset="0"/>
@@ -5880,7 +5725,7 @@
               </a:spcAft>
             </a:pPr>
             <a:r>
-              <a:rPr lang="en-US" sz="1100" dirty="0" smtClean="0">
+              <a:rPr lang="en-US" sz="1100" dirty="0">
                 <a:effectLst/>
                 <a:latin typeface="Calibri" panose="020F0502020204030204" pitchFamily="34" charset="0"/>
                 <a:ea typeface="Calibri" panose="020F0502020204030204" pitchFamily="34" charset="0"/>
@@ -5938,7 +5783,7 @@
           </a:lstStyle>
           <a:p>
             <a:r>
-              <a:rPr lang="pt-BR" b="1" dirty="0" smtClean="0">
+              <a:rPr lang="pt-BR" b="1" dirty="0">
                 <a:solidFill>
                   <a:schemeClr val="accent2"/>
                 </a:solidFill>
@@ -5948,120 +5793,119 @@
           </a:p>
           <a:p>
             <a:r>
-              <a:rPr lang="pt-BR" dirty="0" err="1" smtClean="0"/>
+              <a:rPr lang="pt-BR" dirty="0" err="1"/>
               <a:t>Teacher</a:t>
             </a:r>
-            <a:endParaRPr lang="pt-BR" dirty="0" smtClean="0"/>
-          </a:p>
-          <a:p>
-            <a:r>
-              <a:rPr lang="pt-BR" dirty="0" err="1" smtClean="0"/>
+            <a:endParaRPr lang="pt-BR" dirty="0"/>
+          </a:p>
+          <a:p>
+            <a:r>
+              <a:rPr lang="pt-BR" dirty="0" err="1"/>
               <a:t>Wine</a:t>
             </a:r>
-            <a:endParaRPr lang="pt-BR" dirty="0" smtClean="0"/>
-          </a:p>
-          <a:p>
-            <a:r>
-              <a:rPr lang="pt-BR" dirty="0" err="1" smtClean="0"/>
+            <a:endParaRPr lang="pt-BR" dirty="0"/>
+          </a:p>
+          <a:p>
+            <a:r>
+              <a:rPr lang="pt-BR" dirty="0" err="1"/>
               <a:t>Speed</a:t>
             </a:r>
-            <a:endParaRPr lang="pt-BR" dirty="0" smtClean="0"/>
-          </a:p>
-          <a:p>
-            <a:r>
-              <a:rPr lang="pt-BR" dirty="0" err="1" smtClean="0"/>
+            <a:endParaRPr lang="pt-BR" dirty="0"/>
+          </a:p>
+          <a:p>
+            <a:r>
+              <a:rPr lang="pt-BR" dirty="0" err="1"/>
               <a:t>Glad</a:t>
             </a:r>
-            <a:endParaRPr lang="pt-BR" dirty="0" smtClean="0"/>
-          </a:p>
-          <a:p>
-            <a:r>
-              <a:rPr lang="pt-BR" dirty="0" err="1" smtClean="0"/>
+            <a:endParaRPr lang="pt-BR" dirty="0"/>
+          </a:p>
+          <a:p>
+            <a:r>
+              <a:rPr lang="pt-BR" dirty="0" err="1"/>
               <a:t>Silence</a:t>
             </a:r>
-            <a:endParaRPr lang="pt-BR" dirty="0" smtClean="0"/>
-          </a:p>
-          <a:p>
-            <a:r>
-              <a:rPr lang="pt-BR" dirty="0" err="1" smtClean="0"/>
+            <a:endParaRPr lang="pt-BR" dirty="0"/>
+          </a:p>
+          <a:p>
+            <a:r>
+              <a:rPr lang="pt-BR" dirty="0" err="1"/>
               <a:t>Birds</a:t>
             </a:r>
-            <a:endParaRPr lang="pt-BR" dirty="0" smtClean="0"/>
-          </a:p>
-          <a:p>
-            <a:r>
-              <a:rPr lang="pt-BR" dirty="0" err="1" smtClean="0"/>
+            <a:endParaRPr lang="pt-BR" dirty="0"/>
+          </a:p>
+          <a:p>
+            <a:r>
+              <a:rPr lang="pt-BR" dirty="0" err="1"/>
               <a:t>Kitchen</a:t>
             </a:r>
-            <a:endParaRPr lang="pt-BR" dirty="0" smtClean="0"/>
-          </a:p>
-          <a:p>
-            <a:r>
-              <a:rPr lang="pt-BR" dirty="0" err="1" smtClean="0"/>
+            <a:endParaRPr lang="pt-BR" dirty="0"/>
+          </a:p>
+          <a:p>
+            <a:r>
+              <a:rPr lang="pt-BR" dirty="0" err="1"/>
               <a:t>Child</a:t>
             </a:r>
-            <a:endParaRPr lang="pt-BR" dirty="0" smtClean="0"/>
-          </a:p>
-          <a:p>
-            <a:r>
-              <a:rPr lang="pt-BR" dirty="0" smtClean="0"/>
+            <a:endParaRPr lang="pt-BR" dirty="0"/>
+          </a:p>
+          <a:p>
+            <a:r>
+              <a:rPr lang="pt-BR" dirty="0"/>
               <a:t>Books</a:t>
             </a:r>
           </a:p>
           <a:p>
             <a:r>
-              <a:rPr lang="pt-BR" dirty="0" err="1" smtClean="0"/>
+              <a:rPr lang="pt-BR" dirty="0" err="1"/>
               <a:t>Water</a:t>
             </a:r>
-            <a:endParaRPr lang="pt-BR" dirty="0" smtClean="0"/>
-          </a:p>
-          <a:p>
-            <a:r>
-              <a:rPr lang="pt-BR" dirty="0" err="1" smtClean="0"/>
+            <a:endParaRPr lang="pt-BR" dirty="0"/>
+          </a:p>
+          <a:p>
+            <a:r>
+              <a:rPr lang="pt-BR" dirty="0" err="1"/>
               <a:t>Shirts</a:t>
             </a:r>
-            <a:endParaRPr lang="pt-BR" dirty="0" smtClean="0"/>
-          </a:p>
-          <a:p>
-            <a:r>
-              <a:rPr lang="pt-BR" dirty="0" err="1" smtClean="0"/>
+            <a:endParaRPr lang="pt-BR" dirty="0"/>
+          </a:p>
+          <a:p>
+            <a:r>
+              <a:rPr lang="pt-BR" dirty="0" err="1"/>
               <a:t>Cigarret</a:t>
             </a:r>
-            <a:endParaRPr lang="pt-BR" dirty="0" smtClean="0"/>
-          </a:p>
-          <a:p>
-            <a:r>
-              <a:rPr lang="pt-BR" dirty="0" err="1" smtClean="0"/>
+            <a:endParaRPr lang="pt-BR" dirty="0"/>
+          </a:p>
+          <a:p>
+            <a:r>
+              <a:rPr lang="pt-BR" dirty="0" err="1"/>
               <a:t>Rain</a:t>
             </a:r>
-            <a:endParaRPr lang="pt-BR" dirty="0" smtClean="0"/>
-          </a:p>
-          <a:p>
-            <a:r>
-              <a:rPr lang="pt-BR" dirty="0" err="1" smtClean="0"/>
+            <a:endParaRPr lang="pt-BR" dirty="0"/>
+          </a:p>
+          <a:p>
+            <a:r>
+              <a:rPr lang="pt-BR" dirty="0" err="1"/>
               <a:t>Mother</a:t>
             </a:r>
-            <a:endParaRPr lang="pt-BR" dirty="0" smtClean="0"/>
-          </a:p>
-          <a:p>
-            <a:r>
-              <a:rPr lang="pt-BR" dirty="0" smtClean="0"/>
+            <a:endParaRPr lang="pt-BR" dirty="0"/>
+          </a:p>
+          <a:p>
+            <a:r>
+              <a:rPr lang="pt-BR" dirty="0"/>
               <a:t>Year</a:t>
             </a:r>
           </a:p>
           <a:p>
             <a:r>
-              <a:rPr lang="pt-BR" dirty="0" err="1" smtClean="0"/>
+              <a:rPr lang="pt-BR" dirty="0" err="1"/>
               <a:t>Exercices</a:t>
             </a:r>
-            <a:endParaRPr lang="pt-BR" dirty="0" smtClean="0"/>
-          </a:p>
-          <a:p>
-            <a:r>
-              <a:rPr lang="pt-BR" dirty="0" smtClean="0"/>
+            <a:endParaRPr lang="pt-BR" dirty="0"/>
+          </a:p>
+          <a:p>
+            <a:r>
+              <a:rPr lang="pt-BR" dirty="0"/>
               <a:t>classes</a:t>
             </a:r>
-            <a:endParaRPr lang="pt-BR" dirty="0"/>
           </a:p>
         </p:txBody>
       </p:sp>
@@ -6112,120 +5956,119 @@
           </a:lstStyle>
           <a:p>
             <a:r>
-              <a:rPr lang="pt-BR" dirty="0" err="1" smtClean="0"/>
+              <a:rPr lang="pt-BR" dirty="0" err="1"/>
               <a:t>Place</a:t>
             </a:r>
-            <a:endParaRPr lang="pt-BR" dirty="0" smtClean="0"/>
-          </a:p>
-          <a:p>
-            <a:r>
-              <a:rPr lang="pt-BR" dirty="0" smtClean="0"/>
+            <a:endParaRPr lang="pt-BR" dirty="0"/>
+          </a:p>
+          <a:p>
+            <a:r>
+              <a:rPr lang="pt-BR" dirty="0"/>
               <a:t>Money</a:t>
             </a:r>
           </a:p>
           <a:p>
             <a:r>
-              <a:rPr lang="pt-BR" dirty="0" err="1" smtClean="0"/>
+              <a:rPr lang="pt-BR" dirty="0" err="1"/>
               <a:t>Party</a:t>
             </a:r>
-            <a:endParaRPr lang="pt-BR" dirty="0" smtClean="0"/>
-          </a:p>
-          <a:p>
-            <a:r>
-              <a:rPr lang="pt-BR" dirty="0" err="1" smtClean="0"/>
+            <a:endParaRPr lang="pt-BR" dirty="0"/>
+          </a:p>
+          <a:p>
+            <a:r>
+              <a:rPr lang="pt-BR" dirty="0" err="1"/>
               <a:t>Surprise</a:t>
             </a:r>
-            <a:endParaRPr lang="pt-BR" dirty="0" smtClean="0"/>
-          </a:p>
-          <a:p>
-            <a:r>
-              <a:rPr lang="pt-BR" dirty="0" smtClean="0"/>
+            <a:endParaRPr lang="pt-BR" dirty="0"/>
+          </a:p>
+          <a:p>
+            <a:r>
+              <a:rPr lang="pt-BR" dirty="0"/>
               <a:t>Nice</a:t>
             </a:r>
           </a:p>
           <a:p>
             <a:r>
-              <a:rPr lang="pt-BR" u="sng" dirty="0" err="1" smtClean="0"/>
+              <a:rPr lang="pt-BR" u="sng" dirty="0" err="1"/>
               <a:t>Years</a:t>
             </a:r>
-            <a:endParaRPr lang="pt-BR" u="sng" dirty="0" smtClean="0"/>
-          </a:p>
-          <a:p>
-            <a:r>
-              <a:rPr lang="pt-BR" dirty="0" smtClean="0"/>
+            <a:endParaRPr lang="pt-BR" u="sng" dirty="0"/>
+          </a:p>
+          <a:p>
+            <a:r>
+              <a:rPr lang="pt-BR" dirty="0"/>
               <a:t>Course</a:t>
             </a:r>
-            <a:endParaRPr lang="pt-BR" dirty="0" smtClean="0"/>
-          </a:p>
-          <a:p>
-            <a:r>
-              <a:rPr lang="pt-BR" dirty="0" err="1" smtClean="0"/>
+          </a:p>
+          <a:p>
+            <a:r>
+              <a:rPr lang="pt-BR" dirty="0" err="1"/>
               <a:t>Movies</a:t>
             </a:r>
-            <a:endParaRPr lang="pt-BR" dirty="0" smtClean="0"/>
-          </a:p>
-          <a:p>
-            <a:r>
-              <a:rPr lang="pt-BR" dirty="0" smtClean="0"/>
+            <a:endParaRPr lang="pt-BR" dirty="0"/>
+          </a:p>
+          <a:p>
+            <a:r>
+              <a:rPr lang="pt-BR" dirty="0"/>
               <a:t>Pasta</a:t>
             </a:r>
           </a:p>
           <a:p>
             <a:r>
-              <a:rPr lang="pt-BR" dirty="0" err="1" smtClean="0"/>
+              <a:rPr lang="pt-BR" dirty="0" err="1"/>
               <a:t>Soup</a:t>
             </a:r>
-            <a:endParaRPr lang="pt-BR" dirty="0" smtClean="0"/>
-          </a:p>
-          <a:p>
-            <a:r>
-              <a:rPr lang="pt-BR" dirty="0" smtClean="0"/>
+            <a:endParaRPr lang="pt-BR" dirty="0"/>
+          </a:p>
+          <a:p>
+            <a:r>
+              <a:rPr lang="pt-BR" dirty="0"/>
               <a:t>Full</a:t>
             </a:r>
           </a:p>
           <a:p>
             <a:r>
-              <a:rPr lang="pt-BR" dirty="0" err="1" smtClean="0"/>
+              <a:rPr lang="pt-BR" dirty="0" err="1"/>
               <a:t>Please</a:t>
             </a:r>
-            <a:endParaRPr lang="pt-BR" dirty="0" smtClean="0"/>
-          </a:p>
-          <a:p>
-            <a:r>
-              <a:rPr lang="pt-BR" dirty="0" err="1" smtClean="0"/>
+            <a:endParaRPr lang="pt-BR" dirty="0"/>
+          </a:p>
+          <a:p>
+            <a:r>
+              <a:rPr lang="pt-BR" dirty="0" err="1"/>
               <a:t>List</a:t>
             </a:r>
-            <a:endParaRPr lang="pt-BR" dirty="0" smtClean="0"/>
-          </a:p>
-          <a:p>
-            <a:r>
-              <a:rPr lang="pt-BR" dirty="0" smtClean="0"/>
+            <a:endParaRPr lang="pt-BR" dirty="0"/>
+          </a:p>
+          <a:p>
+            <a:r>
+              <a:rPr lang="pt-BR" dirty="0"/>
               <a:t>Best</a:t>
             </a:r>
           </a:p>
           <a:p>
             <a:r>
-              <a:rPr lang="pt-BR" dirty="0" err="1" smtClean="0"/>
+              <a:rPr lang="pt-BR" dirty="0" err="1"/>
               <a:t>Vacation</a:t>
             </a:r>
-            <a:endParaRPr lang="pt-BR" dirty="0" smtClean="0"/>
-          </a:p>
-          <a:p>
-            <a:r>
-              <a:rPr lang="pt-BR" dirty="0" err="1" smtClean="0"/>
+            <a:endParaRPr lang="pt-BR" dirty="0"/>
+          </a:p>
+          <a:p>
+            <a:r>
+              <a:rPr lang="pt-BR" dirty="0" err="1"/>
               <a:t>Where</a:t>
             </a:r>
-            <a:endParaRPr lang="pt-BR" dirty="0" smtClean="0"/>
-          </a:p>
-          <a:p>
-            <a:r>
-              <a:rPr lang="pt-BR" dirty="0" smtClean="0"/>
+            <a:endParaRPr lang="pt-BR" dirty="0"/>
+          </a:p>
+          <a:p>
+            <a:r>
+              <a:rPr lang="pt-BR" dirty="0"/>
               <a:t>Shopping</a:t>
             </a:r>
           </a:p>
           <a:p>
             <a:r>
-              <a:rPr lang="pt-BR" dirty="0" err="1" smtClean="0"/>
+              <a:rPr lang="pt-BR" dirty="0" err="1"/>
               <a:t>clothes</a:t>
             </a:r>
             <a:endParaRPr lang="pt-BR" dirty="0"/>
@@ -6279,47 +6122,46 @@
           </a:lstStyle>
           <a:p>
             <a:r>
-              <a:rPr lang="pt-BR" dirty="0" smtClean="0"/>
+              <a:rPr lang="pt-BR" dirty="0"/>
               <a:t>Online</a:t>
             </a:r>
           </a:p>
           <a:p>
             <a:r>
-              <a:rPr lang="pt-BR" dirty="0" smtClean="0"/>
+              <a:rPr lang="pt-BR" dirty="0"/>
               <a:t>Person</a:t>
             </a:r>
           </a:p>
           <a:p>
             <a:r>
-              <a:rPr lang="pt-BR" dirty="0" err="1" smtClean="0"/>
+              <a:rPr lang="pt-BR" dirty="0" err="1"/>
               <a:t>Things</a:t>
             </a:r>
-            <a:endParaRPr lang="pt-BR" dirty="0" smtClean="0"/>
-          </a:p>
-          <a:p>
-            <a:r>
-              <a:rPr lang="pt-BR" dirty="0" err="1" smtClean="0"/>
+            <a:endParaRPr lang="pt-BR" dirty="0"/>
+          </a:p>
+          <a:p>
+            <a:r>
+              <a:rPr lang="pt-BR" dirty="0" err="1"/>
               <a:t>Before</a:t>
             </a:r>
-            <a:endParaRPr lang="pt-BR" dirty="0" smtClean="0"/>
-          </a:p>
-          <a:p>
-            <a:r>
-              <a:rPr lang="pt-BR" dirty="0" err="1" smtClean="0"/>
+            <a:endParaRPr lang="pt-BR" dirty="0"/>
+          </a:p>
+          <a:p>
+            <a:r>
+              <a:rPr lang="pt-BR" dirty="0" err="1"/>
               <a:t>Goals</a:t>
             </a:r>
-            <a:endParaRPr lang="pt-BR" dirty="0" smtClean="0"/>
-          </a:p>
-          <a:p>
-            <a:r>
-              <a:rPr lang="pt-BR" dirty="0" smtClean="0"/>
+            <a:endParaRPr lang="pt-BR" dirty="0"/>
+          </a:p>
+          <a:p>
+            <a:r>
+              <a:rPr lang="pt-BR" dirty="0"/>
               <a:t>Hobbies</a:t>
             </a:r>
-            <a:endParaRPr lang="pt-BR" dirty="0" smtClean="0"/>
-          </a:p>
-          <a:p>
-            <a:r>
-              <a:rPr lang="pt-BR" dirty="0" err="1" smtClean="0"/>
+          </a:p>
+          <a:p>
+            <a:r>
+              <a:rPr lang="pt-BR" dirty="0" err="1"/>
               <a:t>kid</a:t>
             </a:r>
             <a:endParaRPr lang="pt-BR" dirty="0"/>
@@ -6366,7 +6208,7 @@
               </a:spcAft>
             </a:pPr>
             <a:r>
-              <a:rPr lang="en-US" sz="1100" b="1" dirty="0" err="1" smtClean="0">
+              <a:rPr lang="en-US" sz="1100" b="1" dirty="0" err="1">
                 <a:solidFill>
                   <a:schemeClr val="tx2"/>
                 </a:solidFill>
@@ -6378,7 +6220,7 @@
               <a:t>Lição</a:t>
             </a:r>
             <a:r>
-              <a:rPr lang="en-US" sz="1100" b="1" dirty="0" smtClean="0">
+              <a:rPr lang="en-US" sz="1100" b="1" dirty="0">
                 <a:solidFill>
                   <a:schemeClr val="tx2"/>
                 </a:solidFill>
@@ -6396,7 +6238,7 @@
                 <a:spcPts val="0"/>
               </a:spcAft>
             </a:pPr>
-            <a:endParaRPr lang="en-US" sz="1100" b="1" dirty="0" smtClean="0">
+            <a:endParaRPr lang="en-US" sz="1100" b="1" dirty="0">
               <a:effectLst/>
               <a:latin typeface="Calibri" panose="020F0502020204030204" pitchFamily="34" charset="0"/>
               <a:ea typeface="Calibri" panose="020F0502020204030204" pitchFamily="34" charset="0"/>
@@ -6410,7 +6252,7 @@
               </a:spcAft>
             </a:pPr>
             <a:r>
-              <a:rPr lang="en-US" sz="1100" dirty="0" smtClean="0">
+              <a:rPr lang="en-US" sz="1100" dirty="0">
                 <a:latin typeface="Calibri" panose="020F0502020204030204" pitchFamily="34" charset="0"/>
                 <a:ea typeface="Calibri" panose="020F0502020204030204" pitchFamily="34" charset="0"/>
                 <a:cs typeface="Times New Roman" panose="02020603050405020304" pitchFamily="18" charset="0"/>
@@ -6425,7 +6267,7 @@
               </a:spcAft>
             </a:pPr>
             <a:r>
-              <a:rPr lang="en-US" sz="1100" dirty="0" smtClean="0">
+              <a:rPr lang="en-US" sz="1100" dirty="0">
                 <a:latin typeface="Calibri" panose="020F0502020204030204" pitchFamily="34" charset="0"/>
                 <a:ea typeface="Calibri" panose="020F0502020204030204" pitchFamily="34" charset="0"/>
                 <a:cs typeface="Times New Roman" panose="02020603050405020304" pitchFamily="18" charset="0"/>
@@ -6440,7 +6282,7 @@
               </a:spcAft>
             </a:pPr>
             <a:r>
-              <a:rPr lang="en-US" sz="1100" dirty="0" smtClean="0">
+              <a:rPr lang="en-US" sz="1100" dirty="0">
                 <a:latin typeface="Calibri" panose="020F0502020204030204" pitchFamily="34" charset="0"/>
                 <a:ea typeface="Calibri" panose="020F0502020204030204" pitchFamily="34" charset="0"/>
                 <a:cs typeface="Times New Roman" panose="02020603050405020304" pitchFamily="18" charset="0"/>
@@ -6448,27 +6290,27 @@
               <a:t>2 </a:t>
             </a:r>
             <a:r>
-              <a:rPr lang="en-US" sz="1100" dirty="0" err="1" smtClean="0">
+              <a:rPr lang="en-US" sz="1100" dirty="0" err="1">
                 <a:latin typeface="Calibri" panose="020F0502020204030204" pitchFamily="34" charset="0"/>
                 <a:ea typeface="Calibri" panose="020F0502020204030204" pitchFamily="34" charset="0"/>
                 <a:cs typeface="Times New Roman" panose="02020603050405020304" pitchFamily="18" charset="0"/>
               </a:rPr>
               <a:t>Exercícios</a:t>
             </a:r>
-            <a:endParaRPr lang="en-US" sz="1100" dirty="0" smtClean="0">
-              <a:latin typeface="Calibri" panose="020F0502020204030204" pitchFamily="34" charset="0"/>
-              <a:ea typeface="Calibri" panose="020F0502020204030204" pitchFamily="34" charset="0"/>
-              <a:cs typeface="Times New Roman" panose="02020603050405020304" pitchFamily="18" charset="0"/>
-            </a:endParaRPr>
-          </a:p>
-          <a:p>
-            <a:pPr>
-              <a:spcAft>
-                <a:spcPts val="0"/>
-              </a:spcAft>
-            </a:pPr>
-            <a:r>
-              <a:rPr lang="en-US" sz="1100" dirty="0" smtClean="0">
+            <a:endParaRPr lang="en-US" sz="1100" dirty="0">
+              <a:latin typeface="Calibri" panose="020F0502020204030204" pitchFamily="34" charset="0"/>
+              <a:ea typeface="Calibri" panose="020F0502020204030204" pitchFamily="34" charset="0"/>
+              <a:cs typeface="Times New Roman" panose="02020603050405020304" pitchFamily="18" charset="0"/>
+            </a:endParaRPr>
+          </a:p>
+          <a:p>
+            <a:pPr>
+              <a:spcAft>
+                <a:spcPts val="0"/>
+              </a:spcAft>
+            </a:pPr>
+            <a:r>
+              <a:rPr lang="en-US" sz="1100" dirty="0">
                 <a:latin typeface="Calibri" panose="020F0502020204030204" pitchFamily="34" charset="0"/>
                 <a:ea typeface="Calibri" panose="020F0502020204030204" pitchFamily="34" charset="0"/>
                 <a:cs typeface="Times New Roman" panose="02020603050405020304" pitchFamily="18" charset="0"/>
@@ -6483,7 +6325,7 @@
               </a:spcAft>
             </a:pPr>
             <a:r>
-              <a:rPr lang="en-US" sz="1100" dirty="0" smtClean="0">
+              <a:rPr lang="en-US" sz="1100" dirty="0">
                 <a:latin typeface="Calibri" panose="020F0502020204030204" pitchFamily="34" charset="0"/>
                 <a:ea typeface="Calibri" panose="020F0502020204030204" pitchFamily="34" charset="0"/>
                 <a:cs typeface="Times New Roman" panose="02020603050405020304" pitchFamily="18" charset="0"/>
@@ -6498,7 +6340,7 @@
               </a:spcAft>
             </a:pPr>
             <a:r>
-              <a:rPr lang="en-US" sz="1100" dirty="0" smtClean="0">
+              <a:rPr lang="en-US" sz="1100" dirty="0">
                 <a:latin typeface="Calibri" panose="020F0502020204030204" pitchFamily="34" charset="0"/>
                 <a:ea typeface="Calibri" panose="020F0502020204030204" pitchFamily="34" charset="0"/>
                 <a:cs typeface="Times New Roman" panose="02020603050405020304" pitchFamily="18" charset="0"/>
@@ -6513,7 +6355,7 @@
               </a:spcAft>
             </a:pPr>
             <a:r>
-              <a:rPr lang="en-US" sz="1100" dirty="0" smtClean="0">
+              <a:rPr lang="en-US" sz="1100" dirty="0">
                 <a:latin typeface="Calibri" panose="020F0502020204030204" pitchFamily="34" charset="0"/>
                 <a:ea typeface="Calibri" panose="020F0502020204030204" pitchFamily="34" charset="0"/>
                 <a:cs typeface="Times New Roman" panose="02020603050405020304" pitchFamily="18" charset="0"/>
@@ -6528,7 +6370,7 @@
               </a:spcAft>
             </a:pPr>
             <a:r>
-              <a:rPr lang="en-US" sz="1100" dirty="0" smtClean="0">
+              <a:rPr lang="en-US" sz="1100" dirty="0">
                 <a:latin typeface="Calibri" panose="020F0502020204030204" pitchFamily="34" charset="0"/>
                 <a:ea typeface="Calibri" panose="020F0502020204030204" pitchFamily="34" charset="0"/>
                 <a:cs typeface="Times New Roman" panose="02020603050405020304" pitchFamily="18" charset="0"/>
@@ -6543,7 +6385,7 @@
               </a:spcAft>
             </a:pPr>
             <a:r>
-              <a:rPr lang="en-US" sz="1100" dirty="0" smtClean="0">
+              <a:rPr lang="en-US" sz="1100" dirty="0">
                 <a:latin typeface="Calibri" panose="020F0502020204030204" pitchFamily="34" charset="0"/>
                 <a:ea typeface="Calibri" panose="020F0502020204030204" pitchFamily="34" charset="0"/>
                 <a:cs typeface="Times New Roman" panose="02020603050405020304" pitchFamily="18" charset="0"/>
@@ -6557,19 +6399,19 @@
                 <a:spcPts val="0"/>
               </a:spcAft>
             </a:pPr>
-            <a:endParaRPr lang="en-US" sz="1100" dirty="0" smtClean="0">
-              <a:latin typeface="Calibri" panose="020F0502020204030204" pitchFamily="34" charset="0"/>
-              <a:ea typeface="Calibri" panose="020F0502020204030204" pitchFamily="34" charset="0"/>
-              <a:cs typeface="Times New Roman" panose="02020603050405020304" pitchFamily="18" charset="0"/>
-            </a:endParaRPr>
-          </a:p>
-          <a:p>
-            <a:pPr>
-              <a:spcAft>
-                <a:spcPts val="0"/>
-              </a:spcAft>
-            </a:pPr>
-            <a:endParaRPr lang="en-US" sz="1100" b="1" dirty="0" smtClean="0">
+            <a:endParaRPr lang="en-US" sz="1100" dirty="0">
+              <a:latin typeface="Calibri" panose="020F0502020204030204" pitchFamily="34" charset="0"/>
+              <a:ea typeface="Calibri" panose="020F0502020204030204" pitchFamily="34" charset="0"/>
+              <a:cs typeface="Times New Roman" panose="02020603050405020304" pitchFamily="18" charset="0"/>
+            </a:endParaRPr>
+          </a:p>
+          <a:p>
+            <a:pPr>
+              <a:spcAft>
+                <a:spcPts val="0"/>
+              </a:spcAft>
+            </a:pPr>
+            <a:endParaRPr lang="en-US" sz="1100" b="1" dirty="0">
               <a:effectLst/>
               <a:latin typeface="Calibri" panose="020F0502020204030204" pitchFamily="34" charset="0"/>
               <a:ea typeface="Calibri" panose="020F0502020204030204" pitchFamily="34" charset="0"/>
@@ -6625,7 +6467,7 @@
           </a:lstStyle>
           <a:p>
             <a:r>
-              <a:rPr lang="pt-BR" b="1" dirty="0" smtClean="0">
+              <a:rPr lang="pt-BR" b="1" dirty="0">
                 <a:solidFill>
                   <a:schemeClr val="accent2"/>
                 </a:solidFill>
@@ -6635,120 +6477,120 @@
           </a:p>
           <a:p>
             <a:r>
-              <a:rPr lang="pt-BR" dirty="0" err="1" smtClean="0"/>
+              <a:rPr lang="pt-BR" dirty="0" err="1"/>
               <a:t>Beautiful</a:t>
             </a:r>
-            <a:endParaRPr lang="pt-BR" dirty="0" smtClean="0"/>
-          </a:p>
-          <a:p>
-            <a:r>
-              <a:rPr lang="pt-BR" dirty="0" err="1" smtClean="0"/>
+            <a:endParaRPr lang="pt-BR" dirty="0"/>
+          </a:p>
+          <a:p>
+            <a:r>
+              <a:rPr lang="pt-BR" dirty="0" err="1"/>
               <a:t>Better</a:t>
             </a:r>
-            <a:endParaRPr lang="pt-BR" dirty="0" smtClean="0"/>
-          </a:p>
-          <a:p>
-            <a:r>
-              <a:rPr lang="pt-BR" dirty="0" err="1" smtClean="0"/>
+            <a:endParaRPr lang="pt-BR" dirty="0"/>
+          </a:p>
+          <a:p>
+            <a:r>
+              <a:rPr lang="pt-BR" dirty="0" err="1"/>
               <a:t>Important</a:t>
             </a:r>
-            <a:endParaRPr lang="pt-BR" dirty="0" smtClean="0"/>
-          </a:p>
-          <a:p>
-            <a:r>
-              <a:rPr lang="pt-BR" dirty="0" err="1" smtClean="0"/>
+            <a:endParaRPr lang="pt-BR" dirty="0"/>
+          </a:p>
+          <a:p>
+            <a:r>
+              <a:rPr lang="pt-BR" dirty="0" err="1"/>
               <a:t>Obedient</a:t>
             </a:r>
-            <a:endParaRPr lang="pt-BR" dirty="0" smtClean="0"/>
-          </a:p>
-          <a:p>
-            <a:r>
-              <a:rPr lang="pt-BR" dirty="0" err="1" smtClean="0"/>
+            <a:endParaRPr lang="pt-BR" dirty="0"/>
+          </a:p>
+          <a:p>
+            <a:r>
+              <a:rPr lang="pt-BR" dirty="0" err="1"/>
               <a:t>Faithful</a:t>
             </a:r>
-            <a:endParaRPr lang="pt-BR" dirty="0" smtClean="0"/>
-          </a:p>
-          <a:p>
-            <a:r>
-              <a:rPr lang="pt-BR" dirty="0" err="1" smtClean="0"/>
+            <a:endParaRPr lang="pt-BR" dirty="0"/>
+          </a:p>
+          <a:p>
+            <a:r>
+              <a:rPr lang="pt-BR" dirty="0" err="1"/>
               <a:t>Small</a:t>
             </a:r>
-            <a:endParaRPr lang="pt-BR" dirty="0" smtClean="0"/>
-          </a:p>
-          <a:p>
-            <a:r>
-              <a:rPr lang="pt-BR" dirty="0" err="1" smtClean="0"/>
+            <a:endParaRPr lang="pt-BR" dirty="0"/>
+          </a:p>
+          <a:p>
+            <a:r>
+              <a:rPr lang="pt-BR" dirty="0" err="1"/>
               <a:t>Modern</a:t>
             </a:r>
-            <a:endParaRPr lang="pt-BR" dirty="0" smtClean="0"/>
-          </a:p>
-          <a:p>
-            <a:r>
-              <a:rPr lang="pt-BR" dirty="0" err="1" smtClean="0"/>
+            <a:endParaRPr lang="pt-BR" dirty="0"/>
+          </a:p>
+          <a:p>
+            <a:r>
+              <a:rPr lang="pt-BR" dirty="0" err="1"/>
               <a:t>Delicious</a:t>
             </a:r>
-            <a:endParaRPr lang="pt-BR" dirty="0" smtClean="0"/>
-          </a:p>
-          <a:p>
-            <a:r>
-              <a:rPr lang="pt-BR" dirty="0" err="1" smtClean="0"/>
+            <a:endParaRPr lang="pt-BR" dirty="0"/>
+          </a:p>
+          <a:p>
+            <a:r>
+              <a:rPr lang="pt-BR" dirty="0" err="1"/>
               <a:t>Fresh</a:t>
             </a:r>
-            <a:endParaRPr lang="pt-BR" dirty="0" smtClean="0"/>
-          </a:p>
-          <a:p>
-            <a:r>
-              <a:rPr lang="pt-BR" dirty="0" err="1" smtClean="0"/>
+            <a:endParaRPr lang="pt-BR" dirty="0"/>
+          </a:p>
+          <a:p>
+            <a:r>
+              <a:rPr lang="pt-BR" dirty="0" err="1"/>
               <a:t>Bitter</a:t>
             </a:r>
-            <a:endParaRPr lang="pt-BR" dirty="0" smtClean="0"/>
-          </a:p>
-          <a:p>
-            <a:r>
-              <a:rPr lang="pt-BR" dirty="0" err="1" smtClean="0"/>
+            <a:endParaRPr lang="pt-BR" dirty="0"/>
+          </a:p>
+          <a:p>
+            <a:r>
+              <a:rPr lang="pt-BR" dirty="0" err="1"/>
               <a:t>Everything</a:t>
             </a:r>
-            <a:endParaRPr lang="pt-BR" dirty="0" smtClean="0"/>
-          </a:p>
-          <a:p>
-            <a:r>
-              <a:rPr lang="pt-BR" dirty="0" err="1" smtClean="0"/>
+            <a:endParaRPr lang="pt-BR" dirty="0"/>
+          </a:p>
+          <a:p>
+            <a:r>
+              <a:rPr lang="pt-BR" dirty="0" err="1"/>
               <a:t>Horrible</a:t>
             </a:r>
-            <a:endParaRPr lang="pt-BR" dirty="0" smtClean="0"/>
-          </a:p>
-          <a:p>
-            <a:r>
-              <a:rPr lang="pt-BR" dirty="0" smtClean="0"/>
+            <a:endParaRPr lang="pt-BR" dirty="0"/>
+          </a:p>
+          <a:p>
+            <a:r>
+              <a:rPr lang="pt-BR" dirty="0"/>
               <a:t>Fat</a:t>
             </a:r>
           </a:p>
           <a:p>
             <a:r>
-              <a:rPr lang="pt-BR" dirty="0" err="1" smtClean="0"/>
+              <a:rPr lang="pt-BR" dirty="0" err="1"/>
               <a:t>Again</a:t>
             </a:r>
-            <a:endParaRPr lang="pt-BR" dirty="0" smtClean="0"/>
-          </a:p>
-          <a:p>
-            <a:r>
-              <a:rPr lang="pt-BR" dirty="0" smtClean="0"/>
+            <a:endParaRPr lang="pt-BR" dirty="0"/>
+          </a:p>
+          <a:p>
+            <a:r>
+              <a:rPr lang="pt-BR" dirty="0"/>
               <a:t>News</a:t>
             </a:r>
           </a:p>
           <a:p>
             <a:r>
-              <a:rPr lang="pt-BR" dirty="0" err="1" smtClean="0"/>
+              <a:rPr lang="pt-BR" dirty="0" err="1"/>
               <a:t>Tonight</a:t>
             </a:r>
-            <a:endParaRPr lang="pt-BR" dirty="0" smtClean="0"/>
-          </a:p>
-          <a:p>
-            <a:r>
-              <a:rPr lang="pt-BR" dirty="0" err="1" smtClean="0"/>
+            <a:endParaRPr lang="pt-BR" dirty="0"/>
+          </a:p>
+          <a:p>
+            <a:r>
+              <a:rPr lang="pt-BR" dirty="0" err="1"/>
               <a:t>strange</a:t>
             </a:r>
-            <a:endParaRPr lang="pt-BR" dirty="0" smtClean="0"/>
+            <a:endParaRPr lang="pt-BR" dirty="0"/>
           </a:p>
         </p:txBody>
       </p:sp>
@@ -6799,129 +6641,129 @@
           </a:lstStyle>
           <a:p>
             <a:r>
-              <a:rPr lang="pt-BR" dirty="0" err="1" smtClean="0"/>
+              <a:rPr lang="pt-BR" dirty="0" err="1"/>
               <a:t>Intelligent</a:t>
             </a:r>
-            <a:endParaRPr lang="pt-BR" dirty="0" smtClean="0"/>
-          </a:p>
-          <a:p>
-            <a:r>
-              <a:rPr lang="pt-BR" dirty="0" err="1" smtClean="0"/>
+            <a:endParaRPr lang="pt-BR" dirty="0"/>
+          </a:p>
+          <a:p>
+            <a:r>
+              <a:rPr lang="pt-BR" dirty="0" err="1"/>
               <a:t>Noise</a:t>
             </a:r>
-            <a:endParaRPr lang="pt-BR" dirty="0" smtClean="0"/>
-          </a:p>
-          <a:p>
-            <a:r>
-              <a:rPr lang="pt-BR" dirty="0" smtClean="0"/>
+            <a:endParaRPr lang="pt-BR" dirty="0"/>
+          </a:p>
+          <a:p>
+            <a:r>
+              <a:rPr lang="pt-BR" dirty="0"/>
               <a:t>Help</a:t>
             </a:r>
           </a:p>
           <a:p>
             <a:r>
-              <a:rPr lang="pt-BR" dirty="0" smtClean="0"/>
+              <a:rPr lang="pt-BR" dirty="0"/>
               <a:t>Meetings</a:t>
             </a:r>
           </a:p>
           <a:p>
             <a:r>
-              <a:rPr lang="pt-BR" dirty="0" err="1" smtClean="0"/>
+              <a:rPr lang="pt-BR" dirty="0" err="1"/>
               <a:t>Things</a:t>
             </a:r>
-            <a:endParaRPr lang="pt-BR" dirty="0" smtClean="0"/>
-          </a:p>
-          <a:p>
-            <a:r>
-              <a:rPr lang="pt-BR" dirty="0" smtClean="0"/>
+            <a:endParaRPr lang="pt-BR" dirty="0"/>
+          </a:p>
+          <a:p>
+            <a:r>
+              <a:rPr lang="pt-BR" dirty="0"/>
               <a:t>Heavy</a:t>
             </a:r>
           </a:p>
           <a:p>
             <a:r>
-              <a:rPr lang="pt-BR" dirty="0" smtClean="0"/>
+              <a:rPr lang="pt-BR" dirty="0"/>
               <a:t>Hope</a:t>
             </a:r>
           </a:p>
           <a:p>
             <a:r>
-              <a:rPr lang="pt-BR" dirty="0" err="1" smtClean="0"/>
+              <a:rPr lang="pt-BR" dirty="0" err="1"/>
               <a:t>Woman</a:t>
             </a:r>
-            <a:endParaRPr lang="pt-BR" dirty="0" smtClean="0"/>
-          </a:p>
-          <a:p>
-            <a:r>
-              <a:rPr lang="pt-BR" dirty="0" smtClean="0"/>
+            <a:endParaRPr lang="pt-BR" dirty="0"/>
+          </a:p>
+          <a:p>
+            <a:r>
+              <a:rPr lang="pt-BR" dirty="0"/>
               <a:t>Blue</a:t>
             </a:r>
           </a:p>
           <a:p>
             <a:r>
-              <a:rPr lang="pt-BR" dirty="0" smtClean="0"/>
+              <a:rPr lang="pt-BR" dirty="0"/>
               <a:t>Sky</a:t>
             </a:r>
           </a:p>
           <a:p>
             <a:r>
-              <a:rPr lang="pt-BR" dirty="0" err="1" smtClean="0"/>
+              <a:rPr lang="pt-BR" dirty="0" err="1"/>
               <a:t>House</a:t>
             </a:r>
-            <a:endParaRPr lang="pt-BR" dirty="0" smtClean="0"/>
-          </a:p>
-          <a:p>
-            <a:r>
-              <a:rPr lang="pt-BR" dirty="0" smtClean="0"/>
+            <a:endParaRPr lang="pt-BR" dirty="0"/>
+          </a:p>
+          <a:p>
+            <a:r>
+              <a:rPr lang="pt-BR" dirty="0"/>
               <a:t>Color</a:t>
             </a:r>
           </a:p>
           <a:p>
             <a:r>
-              <a:rPr lang="pt-BR" dirty="0" err="1" smtClean="0"/>
+              <a:rPr lang="pt-BR" dirty="0" err="1"/>
               <a:t>Wonderful</a:t>
             </a:r>
-            <a:endParaRPr lang="pt-BR" dirty="0" smtClean="0"/>
-          </a:p>
-          <a:p>
-            <a:r>
-              <a:rPr lang="pt-BR" dirty="0" err="1" smtClean="0"/>
+            <a:endParaRPr lang="pt-BR" dirty="0"/>
+          </a:p>
+          <a:p>
+            <a:r>
+              <a:rPr lang="pt-BR" dirty="0" err="1"/>
               <a:t>Expensie</a:t>
             </a:r>
-            <a:endParaRPr lang="pt-BR" dirty="0" smtClean="0"/>
-          </a:p>
-          <a:p>
-            <a:r>
-              <a:rPr lang="pt-BR" dirty="0" smtClean="0"/>
+            <a:endParaRPr lang="pt-BR" dirty="0"/>
+          </a:p>
+          <a:p>
+            <a:r>
+              <a:rPr lang="pt-BR" dirty="0"/>
               <a:t>Test</a:t>
             </a:r>
           </a:p>
           <a:p>
             <a:r>
-              <a:rPr lang="pt-BR" dirty="0" err="1" smtClean="0"/>
+              <a:rPr lang="pt-BR" dirty="0" err="1"/>
               <a:t>Document</a:t>
             </a:r>
-            <a:endParaRPr lang="pt-BR" dirty="0" smtClean="0"/>
-          </a:p>
-          <a:p>
-            <a:r>
-              <a:rPr lang="pt-BR" dirty="0" err="1" smtClean="0"/>
+            <a:endParaRPr lang="pt-BR" dirty="0"/>
+          </a:p>
+          <a:p>
+            <a:r>
+              <a:rPr lang="pt-BR" dirty="0" err="1"/>
               <a:t>Juice</a:t>
             </a:r>
-            <a:endParaRPr lang="pt-BR" dirty="0" smtClean="0"/>
-          </a:p>
-          <a:p>
-            <a:r>
-              <a:rPr lang="pt-BR" dirty="0" err="1" smtClean="0"/>
+            <a:endParaRPr lang="pt-BR" dirty="0"/>
+          </a:p>
+          <a:p>
+            <a:r>
+              <a:rPr lang="pt-BR" dirty="0" err="1"/>
               <a:t>Cell</a:t>
             </a:r>
             <a:r>
-              <a:rPr lang="pt-BR" dirty="0" smtClean="0"/>
+              <a:rPr lang="pt-BR" dirty="0"/>
               <a:t> </a:t>
             </a:r>
             <a:r>
-              <a:rPr lang="pt-BR" dirty="0" err="1" smtClean="0"/>
+              <a:rPr lang="pt-BR" dirty="0" err="1"/>
               <a:t>phone</a:t>
             </a:r>
-            <a:endParaRPr lang="pt-BR" dirty="0" smtClean="0"/>
+            <a:endParaRPr lang="pt-BR" dirty="0"/>
           </a:p>
         </p:txBody>
       </p:sp>
@@ -6972,89 +6814,89 @@
           </a:lstStyle>
           <a:p>
             <a:r>
-              <a:rPr lang="pt-BR" dirty="0" err="1" smtClean="0"/>
+              <a:rPr lang="pt-BR" dirty="0" err="1"/>
               <a:t>Dad</a:t>
             </a:r>
-            <a:endParaRPr lang="pt-BR" dirty="0" smtClean="0"/>
-          </a:p>
-          <a:p>
-            <a:r>
-              <a:rPr lang="pt-BR" dirty="0" err="1" smtClean="0"/>
+            <a:endParaRPr lang="pt-BR" dirty="0"/>
+          </a:p>
+          <a:p>
+            <a:r>
+              <a:rPr lang="pt-BR" dirty="0" err="1"/>
               <a:t>Someone</a:t>
             </a:r>
-            <a:endParaRPr lang="pt-BR" dirty="0" smtClean="0"/>
-          </a:p>
-          <a:p>
-            <a:r>
-              <a:rPr lang="pt-BR" dirty="0" err="1" smtClean="0"/>
+            <a:endParaRPr lang="pt-BR" dirty="0"/>
+          </a:p>
+          <a:p>
+            <a:r>
+              <a:rPr lang="pt-BR" dirty="0" err="1"/>
               <a:t>Cold</a:t>
             </a:r>
-            <a:endParaRPr lang="pt-BR" dirty="0" smtClean="0"/>
-          </a:p>
-          <a:p>
-            <a:r>
-              <a:rPr lang="pt-BR" dirty="0" smtClean="0"/>
+            <a:endParaRPr lang="pt-BR" dirty="0"/>
+          </a:p>
+          <a:p>
+            <a:r>
+              <a:rPr lang="pt-BR" dirty="0"/>
               <a:t>Hot</a:t>
             </a:r>
           </a:p>
           <a:p>
             <a:r>
-              <a:rPr lang="pt-BR" dirty="0" smtClean="0"/>
+              <a:rPr lang="pt-BR" dirty="0"/>
               <a:t>Bag</a:t>
             </a:r>
           </a:p>
           <a:p>
             <a:r>
-              <a:rPr lang="pt-BR" dirty="0" smtClean="0"/>
+              <a:rPr lang="pt-BR" dirty="0"/>
               <a:t>Stress</a:t>
             </a:r>
           </a:p>
           <a:p>
             <a:r>
-              <a:rPr lang="pt-BR" dirty="0" err="1" smtClean="0"/>
+              <a:rPr lang="pt-BR" dirty="0" err="1"/>
               <a:t>Happiness</a:t>
             </a:r>
-            <a:endParaRPr lang="pt-BR" dirty="0" smtClean="0"/>
-          </a:p>
-          <a:p>
-            <a:r>
-              <a:rPr lang="pt-BR" dirty="0" err="1" smtClean="0"/>
+            <a:endParaRPr lang="pt-BR" dirty="0"/>
+          </a:p>
+          <a:p>
+            <a:r>
+              <a:rPr lang="pt-BR" dirty="0" err="1"/>
               <a:t>Famous</a:t>
             </a:r>
-            <a:endParaRPr lang="pt-BR" dirty="0" smtClean="0"/>
-          </a:p>
-          <a:p>
-            <a:r>
-              <a:rPr lang="pt-BR" dirty="0" smtClean="0"/>
+            <a:endParaRPr lang="pt-BR" dirty="0"/>
+          </a:p>
+          <a:p>
+            <a:r>
+              <a:rPr lang="pt-BR" dirty="0"/>
               <a:t>People</a:t>
             </a:r>
           </a:p>
           <a:p>
             <a:r>
-              <a:rPr lang="pt-BR" dirty="0" err="1" smtClean="0"/>
+              <a:rPr lang="pt-BR" dirty="0" err="1"/>
               <a:t>Anything</a:t>
             </a:r>
-            <a:endParaRPr lang="pt-BR" dirty="0" smtClean="0"/>
-          </a:p>
-          <a:p>
-            <a:r>
-              <a:rPr lang="pt-BR" dirty="0" err="1" smtClean="0"/>
+            <a:endParaRPr lang="pt-BR" dirty="0"/>
+          </a:p>
+          <a:p>
+            <a:r>
+              <a:rPr lang="pt-BR" dirty="0" err="1"/>
               <a:t>Anybody</a:t>
             </a:r>
-            <a:endParaRPr lang="pt-BR" dirty="0" smtClean="0"/>
-          </a:p>
-          <a:p>
-            <a:r>
-              <a:rPr lang="pt-BR" dirty="0" smtClean="0"/>
+            <a:endParaRPr lang="pt-BR" dirty="0"/>
+          </a:p>
+          <a:p>
+            <a:r>
+              <a:rPr lang="pt-BR" dirty="0"/>
               <a:t>Pet</a:t>
             </a:r>
           </a:p>
           <a:p>
             <a:r>
-              <a:rPr lang="pt-BR" dirty="0" err="1" smtClean="0"/>
+              <a:rPr lang="pt-BR" dirty="0" err="1"/>
               <a:t>message</a:t>
             </a:r>
-            <a:endParaRPr lang="pt-BR" dirty="0" smtClean="0"/>
+            <a:endParaRPr lang="pt-BR" dirty="0"/>
           </a:p>
         </p:txBody>
       </p:sp>
@@ -7098,7 +6940,7 @@
               </a:spcAft>
             </a:pPr>
             <a:r>
-              <a:rPr lang="en-US" sz="1100" b="1" dirty="0" err="1" smtClean="0">
+              <a:rPr lang="en-US" sz="1100" b="1" dirty="0" err="1">
                 <a:solidFill>
                   <a:schemeClr val="tx2"/>
                 </a:solidFill>
@@ -7110,7 +6952,7 @@
               <a:t>Lição</a:t>
             </a:r>
             <a:r>
-              <a:rPr lang="en-US" sz="1100" b="1" dirty="0" smtClean="0">
+              <a:rPr lang="en-US" sz="1100" b="1" dirty="0">
                 <a:solidFill>
                   <a:schemeClr val="tx2"/>
                 </a:solidFill>
@@ -7129,7 +6971,7 @@
               </a:spcAft>
             </a:pPr>
             <a:r>
-              <a:rPr lang="en-US" sz="1100" dirty="0" smtClean="0">
+              <a:rPr lang="en-US" sz="1100" dirty="0">
                 <a:latin typeface="Calibri" panose="020F0502020204030204" pitchFamily="34" charset="0"/>
                 <a:ea typeface="Calibri" panose="020F0502020204030204" pitchFamily="34" charset="0"/>
                 <a:cs typeface="Times New Roman" panose="02020603050405020304" pitchFamily="18" charset="0"/>
@@ -7144,146 +6986,141 @@
               </a:spcAft>
             </a:pPr>
             <a:r>
-              <a:rPr lang="en-US" sz="1100" dirty="0" smtClean="0">
+              <a:rPr lang="en-US" sz="1100" dirty="0">
                 <a:latin typeface="Calibri" panose="020F0502020204030204" pitchFamily="34" charset="0"/>
                 <a:ea typeface="Calibri" panose="020F0502020204030204" pitchFamily="34" charset="0"/>
                 <a:cs typeface="Times New Roman" panose="02020603050405020304" pitchFamily="18" charset="0"/>
               </a:rPr>
               <a:t>To Wear</a:t>
             </a:r>
+          </a:p>
+          <a:p>
+            <a:pPr>
+              <a:spcAft>
+                <a:spcPts val="0"/>
+              </a:spcAft>
+            </a:pPr>
+            <a:r>
+              <a:rPr lang="en-US" sz="1100" dirty="0">
+                <a:latin typeface="Calibri" panose="020F0502020204030204" pitchFamily="34" charset="0"/>
+                <a:ea typeface="Calibri" panose="020F0502020204030204" pitchFamily="34" charset="0"/>
+                <a:cs typeface="Times New Roman" panose="02020603050405020304" pitchFamily="18" charset="0"/>
+              </a:rPr>
+              <a:t>To Fly</a:t>
+            </a:r>
+          </a:p>
+          <a:p>
+            <a:pPr>
+              <a:spcAft>
+                <a:spcPts val="0"/>
+              </a:spcAft>
+            </a:pPr>
+            <a:r>
+              <a:rPr lang="en-US" sz="1100" dirty="0">
+                <a:latin typeface="Calibri" panose="020F0502020204030204" pitchFamily="34" charset="0"/>
+                <a:ea typeface="Calibri" panose="020F0502020204030204" pitchFamily="34" charset="0"/>
+                <a:cs typeface="Times New Roman" panose="02020603050405020304" pitchFamily="18" charset="0"/>
+              </a:rPr>
+              <a:t>To Eat</a:t>
+            </a:r>
+          </a:p>
+          <a:p>
+            <a:pPr>
+              <a:spcAft>
+                <a:spcPts val="0"/>
+              </a:spcAft>
+            </a:pPr>
+            <a:r>
+              <a:rPr lang="en-US" sz="1100" dirty="0">
+                <a:latin typeface="Calibri" panose="020F0502020204030204" pitchFamily="34" charset="0"/>
+                <a:ea typeface="Calibri" panose="020F0502020204030204" pitchFamily="34" charset="0"/>
+                <a:cs typeface="Times New Roman" panose="02020603050405020304" pitchFamily="18" charset="0"/>
+              </a:rPr>
+              <a:t>To Catch</a:t>
+            </a:r>
+          </a:p>
+          <a:p>
+            <a:pPr>
+              <a:spcAft>
+                <a:spcPts val="0"/>
+              </a:spcAft>
+            </a:pPr>
+            <a:r>
+              <a:rPr lang="en-US" sz="1100" dirty="0">
+                <a:latin typeface="Calibri" panose="020F0502020204030204" pitchFamily="34" charset="0"/>
+                <a:ea typeface="Calibri" panose="020F0502020204030204" pitchFamily="34" charset="0"/>
+                <a:cs typeface="Times New Roman" panose="02020603050405020304" pitchFamily="18" charset="0"/>
+              </a:rPr>
+              <a:t>To Run</a:t>
+            </a:r>
+          </a:p>
+          <a:p>
+            <a:pPr>
+              <a:spcAft>
+                <a:spcPts val="0"/>
+              </a:spcAft>
+            </a:pPr>
+            <a:r>
+              <a:rPr lang="en-US" sz="1100" dirty="0">
+                <a:latin typeface="Calibri" panose="020F0502020204030204" pitchFamily="34" charset="0"/>
+                <a:ea typeface="Calibri" panose="020F0502020204030204" pitchFamily="34" charset="0"/>
+                <a:cs typeface="Times New Roman" panose="02020603050405020304" pitchFamily="18" charset="0"/>
+              </a:rPr>
+              <a:t>To Swim</a:t>
+            </a:r>
+          </a:p>
+          <a:p>
+            <a:pPr>
+              <a:spcAft>
+                <a:spcPts val="0"/>
+              </a:spcAft>
+            </a:pPr>
+            <a:r>
+              <a:rPr lang="en-US" sz="1100" dirty="0">
+                <a:latin typeface="Calibri" panose="020F0502020204030204" pitchFamily="34" charset="0"/>
+                <a:ea typeface="Calibri" panose="020F0502020204030204" pitchFamily="34" charset="0"/>
+                <a:cs typeface="Times New Roman" panose="02020603050405020304" pitchFamily="18" charset="0"/>
+              </a:rPr>
+              <a:t>To Do</a:t>
+            </a:r>
+          </a:p>
+          <a:p>
+            <a:pPr>
+              <a:spcAft>
+                <a:spcPts val="0"/>
+              </a:spcAft>
+            </a:pPr>
+            <a:r>
+              <a:rPr lang="en-US" sz="1100" dirty="0">
+                <a:latin typeface="Calibri" panose="020F0502020204030204" pitchFamily="34" charset="0"/>
+                <a:ea typeface="Calibri" panose="020F0502020204030204" pitchFamily="34" charset="0"/>
+                <a:cs typeface="Times New Roman" panose="02020603050405020304" pitchFamily="18" charset="0"/>
+              </a:rPr>
+              <a:t>To Spend</a:t>
+            </a:r>
+          </a:p>
+          <a:p>
+            <a:pPr>
+              <a:spcAft>
+                <a:spcPts val="0"/>
+              </a:spcAft>
+            </a:pPr>
+            <a:r>
+              <a:rPr lang="en-US" sz="1100" dirty="0">
+                <a:latin typeface="Calibri" panose="020F0502020204030204" pitchFamily="34" charset="0"/>
+                <a:ea typeface="Calibri" panose="020F0502020204030204" pitchFamily="34" charset="0"/>
+                <a:cs typeface="Times New Roman" panose="02020603050405020304" pitchFamily="18" charset="0"/>
+              </a:rPr>
+              <a:t>To Buy</a:t>
+            </a:r>
+          </a:p>
+          <a:p>
+            <a:pPr>
+              <a:spcAft>
+                <a:spcPts val="0"/>
+              </a:spcAft>
+            </a:pPr>
             <a:endParaRPr lang="en-US" sz="1100" dirty="0">
-              <a:latin typeface="Calibri" panose="020F0502020204030204" pitchFamily="34" charset="0"/>
-              <a:ea typeface="Calibri" panose="020F0502020204030204" pitchFamily="34" charset="0"/>
-              <a:cs typeface="Times New Roman" panose="02020603050405020304" pitchFamily="18" charset="0"/>
-            </a:endParaRPr>
-          </a:p>
-          <a:p>
-            <a:pPr>
-              <a:spcAft>
-                <a:spcPts val="0"/>
-              </a:spcAft>
-            </a:pPr>
-            <a:r>
-              <a:rPr lang="en-US" sz="1100" dirty="0" smtClean="0">
-                <a:latin typeface="Calibri" panose="020F0502020204030204" pitchFamily="34" charset="0"/>
-                <a:ea typeface="Calibri" panose="020F0502020204030204" pitchFamily="34" charset="0"/>
-                <a:cs typeface="Times New Roman" panose="02020603050405020304" pitchFamily="18" charset="0"/>
-              </a:rPr>
-              <a:t>To Fly</a:t>
-            </a:r>
-          </a:p>
-          <a:p>
-            <a:pPr>
-              <a:spcAft>
-                <a:spcPts val="0"/>
-              </a:spcAft>
-            </a:pPr>
-            <a:r>
-              <a:rPr lang="en-US" sz="1100" dirty="0" smtClean="0">
-                <a:latin typeface="Calibri" panose="020F0502020204030204" pitchFamily="34" charset="0"/>
-                <a:ea typeface="Calibri" panose="020F0502020204030204" pitchFamily="34" charset="0"/>
-                <a:cs typeface="Times New Roman" panose="02020603050405020304" pitchFamily="18" charset="0"/>
-              </a:rPr>
-              <a:t>To Eat</a:t>
-            </a:r>
-          </a:p>
-          <a:p>
-            <a:pPr>
-              <a:spcAft>
-                <a:spcPts val="0"/>
-              </a:spcAft>
-            </a:pPr>
-            <a:r>
-              <a:rPr lang="en-US" sz="1100" dirty="0" smtClean="0">
-                <a:latin typeface="Calibri" panose="020F0502020204030204" pitchFamily="34" charset="0"/>
-                <a:ea typeface="Calibri" panose="020F0502020204030204" pitchFamily="34" charset="0"/>
-                <a:cs typeface="Times New Roman" panose="02020603050405020304" pitchFamily="18" charset="0"/>
-              </a:rPr>
-              <a:t>To Catch</a:t>
-            </a:r>
-          </a:p>
-          <a:p>
-            <a:pPr>
-              <a:spcAft>
-                <a:spcPts val="0"/>
-              </a:spcAft>
-            </a:pPr>
-            <a:r>
-              <a:rPr lang="en-US" sz="1100" dirty="0" smtClean="0">
-                <a:latin typeface="Calibri" panose="020F0502020204030204" pitchFamily="34" charset="0"/>
-                <a:ea typeface="Calibri" panose="020F0502020204030204" pitchFamily="34" charset="0"/>
-                <a:cs typeface="Times New Roman" panose="02020603050405020304" pitchFamily="18" charset="0"/>
-              </a:rPr>
-              <a:t>To Run</a:t>
-            </a:r>
-          </a:p>
-          <a:p>
-            <a:pPr>
-              <a:spcAft>
-                <a:spcPts val="0"/>
-              </a:spcAft>
-            </a:pPr>
-            <a:r>
-              <a:rPr lang="en-US" sz="1100" dirty="0" smtClean="0">
-                <a:latin typeface="Calibri" panose="020F0502020204030204" pitchFamily="34" charset="0"/>
-                <a:ea typeface="Calibri" panose="020F0502020204030204" pitchFamily="34" charset="0"/>
-                <a:cs typeface="Times New Roman" panose="02020603050405020304" pitchFamily="18" charset="0"/>
-              </a:rPr>
-              <a:t>To Swim</a:t>
-            </a:r>
-          </a:p>
-          <a:p>
-            <a:pPr>
-              <a:spcAft>
-                <a:spcPts val="0"/>
-              </a:spcAft>
-            </a:pPr>
-            <a:r>
-              <a:rPr lang="en-US" sz="1100" dirty="0" smtClean="0">
-                <a:latin typeface="Calibri" panose="020F0502020204030204" pitchFamily="34" charset="0"/>
-                <a:ea typeface="Calibri" panose="020F0502020204030204" pitchFamily="34" charset="0"/>
-                <a:cs typeface="Times New Roman" panose="02020603050405020304" pitchFamily="18" charset="0"/>
-              </a:rPr>
-              <a:t>To Do</a:t>
-            </a:r>
-          </a:p>
-          <a:p>
-            <a:pPr>
-              <a:spcAft>
-                <a:spcPts val="0"/>
-              </a:spcAft>
-            </a:pPr>
-            <a:r>
-              <a:rPr lang="en-US" sz="1100" dirty="0" smtClean="0">
-                <a:latin typeface="Calibri" panose="020F0502020204030204" pitchFamily="34" charset="0"/>
-                <a:ea typeface="Calibri" panose="020F0502020204030204" pitchFamily="34" charset="0"/>
-                <a:cs typeface="Times New Roman" panose="02020603050405020304" pitchFamily="18" charset="0"/>
-              </a:rPr>
-              <a:t>To Spend</a:t>
-            </a:r>
-          </a:p>
-          <a:p>
-            <a:pPr>
-              <a:spcAft>
-                <a:spcPts val="0"/>
-              </a:spcAft>
-            </a:pPr>
-            <a:r>
-              <a:rPr lang="en-US" sz="1100" dirty="0" smtClean="0">
-                <a:latin typeface="Calibri" panose="020F0502020204030204" pitchFamily="34" charset="0"/>
-                <a:ea typeface="Calibri" panose="020F0502020204030204" pitchFamily="34" charset="0"/>
-                <a:cs typeface="Times New Roman" panose="02020603050405020304" pitchFamily="18" charset="0"/>
-              </a:rPr>
-              <a:t>To Buy</a:t>
-            </a:r>
-          </a:p>
-          <a:p>
-            <a:pPr>
-              <a:spcAft>
-                <a:spcPts val="0"/>
-              </a:spcAft>
-            </a:pPr>
-            <a:endParaRPr lang="en-US" sz="1100" dirty="0" smtClean="0">
               <a:latin typeface="Calibri" panose="020F0502020204030204" pitchFamily="34" charset="0"/>
               <a:ea typeface="Calibri" panose="020F0502020204030204" pitchFamily="34" charset="0"/>
               <a:cs typeface="Times New Roman" panose="02020603050405020304" pitchFamily="18" charset="0"/>
@@ -7338,7 +7175,7 @@
           </a:lstStyle>
           <a:p>
             <a:r>
-              <a:rPr lang="pt-BR" b="1" dirty="0" smtClean="0">
+              <a:rPr lang="pt-BR" b="1" dirty="0">
                 <a:solidFill>
                   <a:schemeClr val="accent2"/>
                 </a:solidFill>
@@ -7348,114 +7185,113 @@
           </a:p>
           <a:p>
             <a:r>
-              <a:rPr lang="pt-BR" dirty="0" smtClean="0"/>
+              <a:rPr lang="pt-BR" dirty="0"/>
               <a:t>Bus</a:t>
             </a:r>
           </a:p>
           <a:p>
             <a:r>
-              <a:rPr lang="pt-BR" dirty="0" err="1" smtClean="0"/>
+              <a:rPr lang="pt-BR" dirty="0" err="1"/>
               <a:t>Half</a:t>
             </a:r>
-            <a:endParaRPr lang="pt-BR" dirty="0" smtClean="0"/>
-          </a:p>
-          <a:p>
-            <a:r>
-              <a:rPr lang="pt-BR" dirty="0" err="1" smtClean="0"/>
+            <a:endParaRPr lang="pt-BR" dirty="0"/>
+          </a:p>
+          <a:p>
+            <a:r>
+              <a:rPr lang="pt-BR" dirty="0" err="1"/>
               <a:t>Wife</a:t>
             </a:r>
-            <a:endParaRPr lang="pt-BR" dirty="0" smtClean="0"/>
-          </a:p>
-          <a:p>
-            <a:r>
-              <a:rPr lang="pt-BR" dirty="0" smtClean="0"/>
+            <a:endParaRPr lang="pt-BR" dirty="0"/>
+          </a:p>
+          <a:p>
+            <a:r>
+              <a:rPr lang="pt-BR" dirty="0"/>
               <a:t>Life</a:t>
             </a:r>
           </a:p>
           <a:p>
             <a:r>
-              <a:rPr lang="pt-BR" dirty="0" smtClean="0"/>
+              <a:rPr lang="pt-BR" dirty="0"/>
               <a:t>Guy</a:t>
             </a:r>
+          </a:p>
+          <a:p>
+            <a:r>
+              <a:rPr lang="pt-BR" dirty="0"/>
+              <a:t>Country</a:t>
+            </a:r>
+          </a:p>
+          <a:p>
+            <a:r>
+              <a:rPr lang="pt-BR" dirty="0" err="1"/>
+              <a:t>Fish</a:t>
+            </a:r>
             <a:endParaRPr lang="pt-BR" dirty="0"/>
           </a:p>
           <a:p>
             <a:r>
-              <a:rPr lang="pt-BR" dirty="0" smtClean="0"/>
-              <a:t>Country</a:t>
-            </a:r>
-          </a:p>
-          <a:p>
-            <a:r>
-              <a:rPr lang="pt-BR" dirty="0" err="1" smtClean="0"/>
-              <a:t>Fish</a:t>
-            </a:r>
-            <a:endParaRPr lang="pt-BR" dirty="0" smtClean="0"/>
-          </a:p>
-          <a:p>
-            <a:r>
-              <a:rPr lang="pt-BR" dirty="0" err="1" smtClean="0"/>
+              <a:rPr lang="pt-BR" dirty="0" err="1"/>
               <a:t>Foot</a:t>
             </a:r>
-            <a:endParaRPr lang="pt-BR" dirty="0" smtClean="0"/>
-          </a:p>
-          <a:p>
-            <a:r>
-              <a:rPr lang="pt-BR" dirty="0" err="1" smtClean="0"/>
+            <a:endParaRPr lang="pt-BR" dirty="0"/>
+          </a:p>
+          <a:p>
+            <a:r>
+              <a:rPr lang="pt-BR" dirty="0" err="1"/>
               <a:t>Doors</a:t>
             </a:r>
-            <a:endParaRPr lang="pt-BR" dirty="0" smtClean="0"/>
-          </a:p>
-          <a:p>
-            <a:r>
-              <a:rPr lang="pt-BR" dirty="0" smtClean="0"/>
+            <a:endParaRPr lang="pt-BR" dirty="0"/>
+          </a:p>
+          <a:p>
+            <a:r>
+              <a:rPr lang="pt-BR" dirty="0"/>
               <a:t>Dance</a:t>
             </a:r>
           </a:p>
           <a:p>
             <a:r>
-              <a:rPr lang="pt-BR" dirty="0" err="1" smtClean="0"/>
+              <a:rPr lang="pt-BR" dirty="0" err="1"/>
               <a:t>Parents</a:t>
             </a:r>
-            <a:endParaRPr lang="pt-BR" dirty="0" smtClean="0"/>
-          </a:p>
-          <a:p>
-            <a:r>
-              <a:rPr lang="pt-BR" dirty="0" err="1" smtClean="0"/>
+            <a:endParaRPr lang="pt-BR" dirty="0"/>
+          </a:p>
+          <a:p>
+            <a:r>
+              <a:rPr lang="pt-BR" dirty="0" err="1"/>
               <a:t>Chair</a:t>
             </a:r>
-            <a:endParaRPr lang="pt-BR" dirty="0" smtClean="0"/>
-          </a:p>
-          <a:p>
-            <a:r>
-              <a:rPr lang="pt-BR" dirty="0" smtClean="0"/>
+            <a:endParaRPr lang="pt-BR" dirty="0"/>
+          </a:p>
+          <a:p>
+            <a:r>
+              <a:rPr lang="pt-BR" dirty="0"/>
               <a:t>Glass</a:t>
             </a:r>
           </a:p>
           <a:p>
             <a:r>
-              <a:rPr lang="pt-BR" dirty="0" smtClean="0"/>
+              <a:rPr lang="pt-BR" dirty="0"/>
               <a:t>Orange</a:t>
             </a:r>
           </a:p>
           <a:p>
             <a:r>
-              <a:rPr lang="pt-BR" dirty="0" smtClean="0"/>
+              <a:rPr lang="pt-BR" dirty="0"/>
               <a:t>Apple</a:t>
             </a:r>
           </a:p>
           <a:p>
             <a:r>
-              <a:rPr lang="pt-BR" dirty="0" smtClean="0"/>
+              <a:rPr lang="pt-BR" dirty="0"/>
               <a:t>Police</a:t>
             </a:r>
           </a:p>
           <a:p>
             <a:r>
-              <a:rPr lang="pt-BR" dirty="0" err="1" smtClean="0"/>
+              <a:rPr lang="pt-BR" dirty="0" err="1"/>
               <a:t>milk</a:t>
             </a:r>
-            <a:endParaRPr lang="pt-BR" dirty="0" smtClean="0"/>
+            <a:endParaRPr lang="pt-BR" dirty="0"/>
           </a:p>
         </p:txBody>
       </p:sp>
@@ -7506,81 +7342,80 @@
           </a:lstStyle>
           <a:p>
             <a:r>
-              <a:rPr lang="pt-BR" dirty="0" err="1" smtClean="0"/>
+              <a:rPr lang="pt-BR" dirty="0" err="1"/>
               <a:t>Well</a:t>
             </a:r>
-            <a:endParaRPr lang="pt-BR" dirty="0" smtClean="0"/>
-          </a:p>
-          <a:p>
-            <a:r>
-              <a:rPr lang="pt-BR" dirty="0" err="1" smtClean="0"/>
+            <a:endParaRPr lang="pt-BR" dirty="0"/>
+          </a:p>
+          <a:p>
+            <a:r>
+              <a:rPr lang="pt-BR" dirty="0" err="1"/>
               <a:t>Cats</a:t>
             </a:r>
-            <a:endParaRPr lang="pt-BR" dirty="0" smtClean="0"/>
-          </a:p>
-          <a:p>
-            <a:r>
-              <a:rPr lang="pt-BR" dirty="0" smtClean="0"/>
+            <a:endParaRPr lang="pt-BR" dirty="0"/>
+          </a:p>
+          <a:p>
+            <a:r>
+              <a:rPr lang="pt-BR" dirty="0"/>
               <a:t>Boys</a:t>
             </a:r>
           </a:p>
           <a:p>
             <a:r>
-              <a:rPr lang="pt-BR" smtClean="0"/>
+              <a:rPr lang="pt-BR" dirty="0"/>
               <a:t>Quiz</a:t>
             </a:r>
-            <a:endParaRPr lang="pt-BR" dirty="0" smtClean="0"/>
-          </a:p>
-          <a:p>
-            <a:r>
-              <a:rPr lang="pt-BR" dirty="0" err="1" smtClean="0"/>
+          </a:p>
+          <a:p>
+            <a:r>
+              <a:rPr lang="pt-BR" dirty="0" err="1"/>
               <a:t>Doctor</a:t>
             </a:r>
-            <a:endParaRPr lang="pt-BR" dirty="0" smtClean="0"/>
-          </a:p>
-          <a:p>
-            <a:r>
-              <a:rPr lang="pt-BR" dirty="0" err="1" smtClean="0"/>
+            <a:endParaRPr lang="pt-BR" dirty="0"/>
+          </a:p>
+          <a:p>
+            <a:r>
+              <a:rPr lang="pt-BR" dirty="0" err="1"/>
               <a:t>Bottle</a:t>
             </a:r>
-            <a:endParaRPr lang="pt-BR" dirty="0" smtClean="0"/>
-          </a:p>
-          <a:p>
-            <a:r>
-              <a:rPr lang="pt-BR" dirty="0" err="1" smtClean="0"/>
+            <a:endParaRPr lang="pt-BR" dirty="0"/>
+          </a:p>
+          <a:p>
+            <a:r>
+              <a:rPr lang="pt-BR" dirty="0" err="1"/>
               <a:t>Water</a:t>
             </a:r>
-            <a:endParaRPr lang="pt-BR" dirty="0" smtClean="0"/>
-          </a:p>
-          <a:p>
-            <a:r>
-              <a:rPr lang="pt-BR" dirty="0" smtClean="0"/>
+            <a:endParaRPr lang="pt-BR" dirty="0"/>
+          </a:p>
+          <a:p>
+            <a:r>
+              <a:rPr lang="pt-BR" dirty="0"/>
               <a:t>High </a:t>
             </a:r>
           </a:p>
           <a:p>
             <a:r>
-              <a:rPr lang="pt-BR" dirty="0" err="1" smtClean="0"/>
+              <a:rPr lang="pt-BR" dirty="0" err="1"/>
               <a:t>About</a:t>
             </a:r>
-            <a:endParaRPr lang="pt-BR" dirty="0" smtClean="0"/>
-          </a:p>
-          <a:p>
-            <a:r>
-              <a:rPr lang="pt-BR" dirty="0" smtClean="0"/>
+            <a:endParaRPr lang="pt-BR" dirty="0"/>
+          </a:p>
+          <a:p>
+            <a:r>
+              <a:rPr lang="pt-BR" dirty="0"/>
               <a:t>Website</a:t>
             </a:r>
           </a:p>
           <a:p>
             <a:r>
-              <a:rPr lang="pt-BR" dirty="0" err="1" smtClean="0"/>
+              <a:rPr lang="pt-BR" dirty="0" err="1"/>
               <a:t>Shoes</a:t>
             </a:r>
-            <a:endParaRPr lang="pt-BR" dirty="0" smtClean="0"/>
-          </a:p>
-          <a:p>
-            <a:r>
-              <a:rPr lang="pt-BR" dirty="0" smtClean="0"/>
+            <a:endParaRPr lang="pt-BR" dirty="0"/>
+          </a:p>
+          <a:p>
+            <a:r>
+              <a:rPr lang="pt-BR" dirty="0"/>
               <a:t>drinks</a:t>
             </a:r>
           </a:p>
@@ -7600,6 +7435,3246 @@
 </file>
 
 <file path=ppt/slides/slide2.xml><?xml version="1.0" encoding="utf-8"?>
+<p:sld xmlns:a="http://schemas.openxmlformats.org/drawingml/2006/main" xmlns:r="http://schemas.openxmlformats.org/officeDocument/2006/relationships" xmlns:p="http://schemas.openxmlformats.org/presentationml/2006/main">
+  <p:cSld>
+    <p:spTree>
+      <p:nvGrpSpPr>
+        <p:cNvPr id="1" name=""/>
+        <p:cNvGrpSpPr/>
+        <p:nvPr/>
+      </p:nvGrpSpPr>
+      <p:grpSpPr>
+        <a:xfrm>
+          <a:off x="0" y="0"/>
+          <a:ext cx="0" cy="0"/>
+          <a:chOff x="0" y="0"/>
+          <a:chExt cx="0" cy="0"/>
+        </a:xfrm>
+      </p:grpSpPr>
+      <p:sp>
+        <p:nvSpPr>
+          <p:cNvPr id="4" name="Caixa de Texto 2"/>
+          <p:cNvSpPr txBox="1">
+            <a:spLocks noChangeArrowheads="1"/>
+          </p:cNvSpPr>
+          <p:nvPr/>
+        </p:nvSpPr>
+        <p:spPr bwMode="auto">
+          <a:xfrm>
+            <a:off x="416658" y="420629"/>
+            <a:ext cx="1859817" cy="2970044"/>
+          </a:xfrm>
+          <a:prstGeom prst="rect">
+            <a:avLst/>
+          </a:prstGeom>
+          <a:solidFill>
+            <a:srgbClr val="FFFFFF"/>
+          </a:solidFill>
+          <a:ln w="9525">
+            <a:solidFill>
+              <a:srgbClr val="000000"/>
+            </a:solidFill>
+            <a:miter lim="800000"/>
+            <a:headEnd/>
+            <a:tailEnd/>
+          </a:ln>
+        </p:spPr>
+        <p:txBody>
+          <a:bodyPr rot="0" vert="horz" wrap="square" lIns="91440" tIns="45720" rIns="91440" bIns="45720" anchor="t" anchorCtr="0">
+            <a:spAutoFit/>
+          </a:bodyPr>
+          <a:lstStyle/>
+          <a:p>
+            <a:pPr>
+              <a:spcAft>
+                <a:spcPts val="0"/>
+              </a:spcAft>
+            </a:pPr>
+            <a:r>
+              <a:rPr lang="en-US" sz="1100" b="1" dirty="0" err="1">
+                <a:solidFill>
+                  <a:schemeClr val="tx2"/>
+                </a:solidFill>
+                <a:effectLst/>
+                <a:latin typeface="Calibri" panose="020F0502020204030204" pitchFamily="34" charset="0"/>
+                <a:ea typeface="Calibri" panose="020F0502020204030204" pitchFamily="34" charset="0"/>
+                <a:cs typeface="Times New Roman" panose="02020603050405020304" pitchFamily="18" charset="0"/>
+              </a:rPr>
+              <a:t>Lição</a:t>
+            </a:r>
+            <a:r>
+              <a:rPr lang="en-US" sz="1100" b="1" dirty="0">
+                <a:solidFill>
+                  <a:schemeClr val="tx2"/>
+                </a:solidFill>
+                <a:effectLst/>
+                <a:latin typeface="Calibri" panose="020F0502020204030204" pitchFamily="34" charset="0"/>
+                <a:ea typeface="Calibri" panose="020F0502020204030204" pitchFamily="34" charset="0"/>
+                <a:cs typeface="Times New Roman" panose="02020603050405020304" pitchFamily="18" charset="0"/>
+              </a:rPr>
+              <a:t> 01</a:t>
+            </a:r>
+          </a:p>
+          <a:p>
+            <a:pPr>
+              <a:spcAft>
+                <a:spcPts val="0"/>
+              </a:spcAft>
+            </a:pPr>
+            <a:endParaRPr lang="en-US" sz="1100" b="1" dirty="0">
+              <a:effectLst/>
+              <a:latin typeface="Calibri" panose="020F0502020204030204" pitchFamily="34" charset="0"/>
+              <a:ea typeface="Calibri" panose="020F0502020204030204" pitchFamily="34" charset="0"/>
+              <a:cs typeface="Times New Roman" panose="02020603050405020304" pitchFamily="18" charset="0"/>
+            </a:endParaRPr>
+          </a:p>
+          <a:p>
+            <a:pPr>
+              <a:spcAft>
+                <a:spcPts val="0"/>
+              </a:spcAft>
+            </a:pPr>
+            <a:r>
+              <a:rPr lang="en-US" sz="1100" dirty="0">
+                <a:effectLst/>
+                <a:latin typeface="Calibri" panose="020F0502020204030204" pitchFamily="34" charset="0"/>
+                <a:ea typeface="Calibri" panose="020F0502020204030204" pitchFamily="34" charset="0"/>
+                <a:cs typeface="Times New Roman" panose="02020603050405020304" pitchFamily="18" charset="0"/>
+              </a:rPr>
+              <a:t>To live, lives</a:t>
+            </a:r>
+          </a:p>
+          <a:p>
+            <a:pPr>
+              <a:spcAft>
+                <a:spcPts val="0"/>
+              </a:spcAft>
+            </a:pPr>
+            <a:r>
+              <a:rPr lang="en-US" sz="1100" dirty="0">
+                <a:latin typeface="Calibri" panose="020F0502020204030204" pitchFamily="34" charset="0"/>
+                <a:ea typeface="Calibri" panose="020F0502020204030204" pitchFamily="34" charset="0"/>
+                <a:cs typeface="Times New Roman" panose="02020603050405020304" pitchFamily="18" charset="0"/>
+              </a:rPr>
+              <a:t>To work, works, worked</a:t>
+            </a:r>
+            <a:endParaRPr lang="pt-BR" sz="1100" dirty="0">
+              <a:effectLst/>
+              <a:latin typeface="Calibri" panose="020F0502020204030204" pitchFamily="34" charset="0"/>
+              <a:ea typeface="Calibri" panose="020F0502020204030204" pitchFamily="34" charset="0"/>
+              <a:cs typeface="Times New Roman" panose="02020603050405020304" pitchFamily="18" charset="0"/>
+            </a:endParaRPr>
+          </a:p>
+          <a:p>
+            <a:pPr>
+              <a:spcAft>
+                <a:spcPts val="0"/>
+              </a:spcAft>
+            </a:pPr>
+            <a:r>
+              <a:rPr lang="en-US" sz="1100" dirty="0">
+                <a:effectLst/>
+                <a:latin typeface="Calibri" panose="020F0502020204030204" pitchFamily="34" charset="0"/>
+                <a:ea typeface="Calibri" panose="020F0502020204030204" pitchFamily="34" charset="0"/>
+                <a:cs typeface="Times New Roman" panose="02020603050405020304" pitchFamily="18" charset="0"/>
+              </a:rPr>
+              <a:t>To play, plays, played</a:t>
+            </a:r>
+            <a:endParaRPr lang="pt-BR" sz="1100" dirty="0">
+              <a:effectLst/>
+              <a:latin typeface="Calibri" panose="020F0502020204030204" pitchFamily="34" charset="0"/>
+              <a:ea typeface="Calibri" panose="020F0502020204030204" pitchFamily="34" charset="0"/>
+              <a:cs typeface="Times New Roman" panose="02020603050405020304" pitchFamily="18" charset="0"/>
+            </a:endParaRPr>
+          </a:p>
+          <a:p>
+            <a:pPr>
+              <a:spcAft>
+                <a:spcPts val="0"/>
+              </a:spcAft>
+            </a:pPr>
+            <a:r>
+              <a:rPr lang="en-US" sz="1100" dirty="0">
+                <a:effectLst/>
+                <a:latin typeface="Calibri" panose="020F0502020204030204" pitchFamily="34" charset="0"/>
+                <a:ea typeface="Calibri" panose="020F0502020204030204" pitchFamily="34" charset="0"/>
+                <a:cs typeface="Times New Roman" panose="02020603050405020304" pitchFamily="18" charset="0"/>
+              </a:rPr>
+              <a:t>To go, goes, went</a:t>
+            </a:r>
+            <a:endParaRPr lang="pt-BR" sz="1100" dirty="0">
+              <a:effectLst/>
+              <a:latin typeface="Calibri" panose="020F0502020204030204" pitchFamily="34" charset="0"/>
+              <a:ea typeface="Calibri" panose="020F0502020204030204" pitchFamily="34" charset="0"/>
+              <a:cs typeface="Times New Roman" panose="02020603050405020304" pitchFamily="18" charset="0"/>
+            </a:endParaRPr>
+          </a:p>
+          <a:p>
+            <a:pPr>
+              <a:spcAft>
+                <a:spcPts val="0"/>
+              </a:spcAft>
+            </a:pPr>
+            <a:r>
+              <a:rPr lang="en-US" sz="1100" dirty="0">
+                <a:effectLst/>
+                <a:latin typeface="Calibri" panose="020F0502020204030204" pitchFamily="34" charset="0"/>
+                <a:ea typeface="Calibri" panose="020F0502020204030204" pitchFamily="34" charset="0"/>
+                <a:cs typeface="Times New Roman" panose="02020603050405020304" pitchFamily="18" charset="0"/>
+              </a:rPr>
+              <a:t>To open, opens, opened</a:t>
+            </a:r>
+            <a:endParaRPr lang="pt-BR" sz="1100" dirty="0">
+              <a:effectLst/>
+              <a:latin typeface="Calibri" panose="020F0502020204030204" pitchFamily="34" charset="0"/>
+              <a:ea typeface="Calibri" panose="020F0502020204030204" pitchFamily="34" charset="0"/>
+              <a:cs typeface="Times New Roman" panose="02020603050405020304" pitchFamily="18" charset="0"/>
+            </a:endParaRPr>
+          </a:p>
+          <a:p>
+            <a:pPr>
+              <a:spcAft>
+                <a:spcPts val="0"/>
+              </a:spcAft>
+            </a:pPr>
+            <a:r>
+              <a:rPr lang="en-US" sz="1100" dirty="0">
+                <a:effectLst/>
+                <a:latin typeface="Calibri" panose="020F0502020204030204" pitchFamily="34" charset="0"/>
+                <a:ea typeface="Calibri" panose="020F0502020204030204" pitchFamily="34" charset="0"/>
+                <a:cs typeface="Times New Roman" panose="02020603050405020304" pitchFamily="18" charset="0"/>
+              </a:rPr>
+              <a:t>To leave, leaves, left</a:t>
+            </a:r>
+            <a:endParaRPr lang="pt-BR" sz="1100" dirty="0">
+              <a:effectLst/>
+              <a:latin typeface="Calibri" panose="020F0502020204030204" pitchFamily="34" charset="0"/>
+              <a:ea typeface="Calibri" panose="020F0502020204030204" pitchFamily="34" charset="0"/>
+              <a:cs typeface="Times New Roman" panose="02020603050405020304" pitchFamily="18" charset="0"/>
+            </a:endParaRPr>
+          </a:p>
+          <a:p>
+            <a:pPr>
+              <a:spcAft>
+                <a:spcPts val="0"/>
+              </a:spcAft>
+            </a:pPr>
+            <a:r>
+              <a:rPr lang="en-US" sz="1100" dirty="0">
+                <a:effectLst/>
+                <a:latin typeface="Calibri" panose="020F0502020204030204" pitchFamily="34" charset="0"/>
+                <a:ea typeface="Calibri" panose="020F0502020204030204" pitchFamily="34" charset="0"/>
+                <a:cs typeface="Times New Roman" panose="02020603050405020304" pitchFamily="18" charset="0"/>
+              </a:rPr>
+              <a:t>To study, studies, studied</a:t>
+            </a:r>
+            <a:endParaRPr lang="pt-BR" sz="1100" dirty="0">
+              <a:effectLst/>
+              <a:latin typeface="Calibri" panose="020F0502020204030204" pitchFamily="34" charset="0"/>
+              <a:ea typeface="Calibri" panose="020F0502020204030204" pitchFamily="34" charset="0"/>
+              <a:cs typeface="Times New Roman" panose="02020603050405020304" pitchFamily="18" charset="0"/>
+            </a:endParaRPr>
+          </a:p>
+          <a:p>
+            <a:pPr>
+              <a:spcAft>
+                <a:spcPts val="0"/>
+              </a:spcAft>
+            </a:pPr>
+            <a:r>
+              <a:rPr lang="en-US" sz="1100" dirty="0">
+                <a:effectLst/>
+                <a:latin typeface="Calibri" panose="020F0502020204030204" pitchFamily="34" charset="0"/>
+                <a:ea typeface="Calibri" panose="020F0502020204030204" pitchFamily="34" charset="0"/>
+                <a:cs typeface="Times New Roman" panose="02020603050405020304" pitchFamily="18" charset="0"/>
+              </a:rPr>
+              <a:t>To drink, drinks, drank</a:t>
+            </a:r>
+            <a:endParaRPr lang="pt-BR" sz="1100" dirty="0">
+              <a:effectLst/>
+              <a:latin typeface="Calibri" panose="020F0502020204030204" pitchFamily="34" charset="0"/>
+              <a:ea typeface="Calibri" panose="020F0502020204030204" pitchFamily="34" charset="0"/>
+              <a:cs typeface="Times New Roman" panose="02020603050405020304" pitchFamily="18" charset="0"/>
+            </a:endParaRPr>
+          </a:p>
+          <a:p>
+            <a:pPr>
+              <a:spcAft>
+                <a:spcPts val="0"/>
+              </a:spcAft>
+            </a:pPr>
+            <a:r>
+              <a:rPr lang="en-US" sz="1100" dirty="0">
+                <a:effectLst/>
+                <a:latin typeface="Calibri" panose="020F0502020204030204" pitchFamily="34" charset="0"/>
+                <a:ea typeface="Calibri" panose="020F0502020204030204" pitchFamily="34" charset="0"/>
+                <a:cs typeface="Times New Roman" panose="02020603050405020304" pitchFamily="18" charset="0"/>
+              </a:rPr>
+              <a:t>To watch, watches, watched</a:t>
+            </a:r>
+            <a:endParaRPr lang="pt-BR" sz="1100" dirty="0">
+              <a:effectLst/>
+              <a:latin typeface="Calibri" panose="020F0502020204030204" pitchFamily="34" charset="0"/>
+              <a:ea typeface="Calibri" panose="020F0502020204030204" pitchFamily="34" charset="0"/>
+              <a:cs typeface="Times New Roman" panose="02020603050405020304" pitchFamily="18" charset="0"/>
+            </a:endParaRPr>
+          </a:p>
+          <a:p>
+            <a:pPr>
+              <a:spcAft>
+                <a:spcPts val="0"/>
+              </a:spcAft>
+            </a:pPr>
+            <a:r>
+              <a:rPr lang="en-US" sz="1100" dirty="0">
+                <a:effectLst/>
+                <a:latin typeface="Calibri" panose="020F0502020204030204" pitchFamily="34" charset="0"/>
+                <a:ea typeface="Calibri" panose="020F0502020204030204" pitchFamily="34" charset="0"/>
+                <a:cs typeface="Times New Roman" panose="02020603050405020304" pitchFamily="18" charset="0"/>
+              </a:rPr>
+              <a:t>To have, has , had</a:t>
+            </a:r>
+            <a:endParaRPr lang="pt-BR" sz="1100" dirty="0">
+              <a:effectLst/>
+              <a:latin typeface="Calibri" panose="020F0502020204030204" pitchFamily="34" charset="0"/>
+              <a:ea typeface="Calibri" panose="020F0502020204030204" pitchFamily="34" charset="0"/>
+              <a:cs typeface="Times New Roman" panose="02020603050405020304" pitchFamily="18" charset="0"/>
+            </a:endParaRPr>
+          </a:p>
+          <a:p>
+            <a:pPr>
+              <a:spcAft>
+                <a:spcPts val="0"/>
+              </a:spcAft>
+            </a:pPr>
+            <a:r>
+              <a:rPr lang="en-US" sz="1100" dirty="0">
+                <a:effectLst/>
+                <a:latin typeface="Calibri" panose="020F0502020204030204" pitchFamily="34" charset="0"/>
+                <a:ea typeface="Calibri" panose="020F0502020204030204" pitchFamily="34" charset="0"/>
+                <a:cs typeface="Times New Roman" panose="02020603050405020304" pitchFamily="18" charset="0"/>
+              </a:rPr>
+              <a:t>To love, loves, loved</a:t>
+            </a:r>
+            <a:endParaRPr lang="pt-BR" sz="1100" dirty="0">
+              <a:effectLst/>
+              <a:latin typeface="Calibri" panose="020F0502020204030204" pitchFamily="34" charset="0"/>
+              <a:ea typeface="Calibri" panose="020F0502020204030204" pitchFamily="34" charset="0"/>
+              <a:cs typeface="Times New Roman" panose="02020603050405020304" pitchFamily="18" charset="0"/>
+            </a:endParaRPr>
+          </a:p>
+          <a:p>
+            <a:pPr>
+              <a:spcAft>
+                <a:spcPts val="0"/>
+              </a:spcAft>
+            </a:pPr>
+            <a:r>
+              <a:rPr lang="en-US" sz="1100" dirty="0">
+                <a:effectLst/>
+                <a:latin typeface="Calibri" panose="020F0502020204030204" pitchFamily="34" charset="0"/>
+                <a:ea typeface="Calibri" panose="020F0502020204030204" pitchFamily="34" charset="0"/>
+                <a:cs typeface="Times New Roman" panose="02020603050405020304" pitchFamily="18" charset="0"/>
+              </a:rPr>
+              <a:t>To write, writes, wrote</a:t>
+            </a:r>
+            <a:endParaRPr lang="pt-BR" sz="1100" dirty="0">
+              <a:effectLst/>
+              <a:latin typeface="Calibri" panose="020F0502020204030204" pitchFamily="34" charset="0"/>
+              <a:ea typeface="Calibri" panose="020F0502020204030204" pitchFamily="34" charset="0"/>
+              <a:cs typeface="Times New Roman" panose="02020603050405020304" pitchFamily="18" charset="0"/>
+            </a:endParaRPr>
+          </a:p>
+          <a:p>
+            <a:pPr>
+              <a:spcAft>
+                <a:spcPts val="0"/>
+              </a:spcAft>
+            </a:pPr>
+            <a:r>
+              <a:rPr lang="en-US" sz="1100" dirty="0">
+                <a:effectLst/>
+                <a:latin typeface="Calibri" panose="020F0502020204030204" pitchFamily="34" charset="0"/>
+                <a:ea typeface="Calibri" panose="020F0502020204030204" pitchFamily="34" charset="0"/>
+                <a:cs typeface="Times New Roman" panose="02020603050405020304" pitchFamily="18" charset="0"/>
+              </a:rPr>
+              <a:t>To think, thinks, thought</a:t>
+            </a:r>
+            <a:endParaRPr lang="pt-BR" sz="1100" dirty="0">
+              <a:effectLst/>
+              <a:latin typeface="Calibri" panose="020F0502020204030204" pitchFamily="34" charset="0"/>
+              <a:ea typeface="Calibri" panose="020F0502020204030204" pitchFamily="34" charset="0"/>
+              <a:cs typeface="Times New Roman" panose="02020603050405020304" pitchFamily="18" charset="0"/>
+            </a:endParaRPr>
+          </a:p>
+          <a:p>
+            <a:pPr>
+              <a:spcAft>
+                <a:spcPts val="0"/>
+              </a:spcAft>
+            </a:pPr>
+            <a:r>
+              <a:rPr lang="en-US" sz="1100" dirty="0">
+                <a:effectLst/>
+                <a:latin typeface="Calibri" panose="020F0502020204030204" pitchFamily="34" charset="0"/>
+                <a:ea typeface="Calibri" panose="020F0502020204030204" pitchFamily="34" charset="0"/>
+                <a:cs typeface="Times New Roman" panose="02020603050405020304" pitchFamily="18" charset="0"/>
+              </a:rPr>
+              <a:t>To sing, sings, sang</a:t>
+            </a:r>
+            <a:endParaRPr lang="pt-BR" sz="1100" dirty="0">
+              <a:effectLst/>
+              <a:latin typeface="Calibri" panose="020F0502020204030204" pitchFamily="34" charset="0"/>
+              <a:ea typeface="Calibri" panose="020F0502020204030204" pitchFamily="34" charset="0"/>
+              <a:cs typeface="Times New Roman" panose="02020603050405020304" pitchFamily="18" charset="0"/>
+            </a:endParaRPr>
+          </a:p>
+          <a:p>
+            <a:pPr>
+              <a:spcAft>
+                <a:spcPts val="0"/>
+              </a:spcAft>
+            </a:pPr>
+            <a:r>
+              <a:rPr lang="en-US" sz="1100" dirty="0">
+                <a:effectLst/>
+                <a:latin typeface="Calibri" panose="020F0502020204030204" pitchFamily="34" charset="0"/>
+                <a:ea typeface="Calibri" panose="020F0502020204030204" pitchFamily="34" charset="0"/>
+                <a:cs typeface="Times New Roman" panose="02020603050405020304" pitchFamily="18" charset="0"/>
+              </a:rPr>
+              <a:t>To read, reads</a:t>
+            </a:r>
+            <a:endParaRPr lang="pt-BR" sz="1100" dirty="0">
+              <a:effectLst/>
+              <a:latin typeface="Calibri" panose="020F0502020204030204" pitchFamily="34" charset="0"/>
+              <a:ea typeface="Calibri" panose="020F0502020204030204" pitchFamily="34" charset="0"/>
+              <a:cs typeface="Times New Roman" panose="02020603050405020304" pitchFamily="18" charset="0"/>
+            </a:endParaRPr>
+          </a:p>
+        </p:txBody>
+      </p:sp>
+      <p:sp>
+        <p:nvSpPr>
+          <p:cNvPr id="13" name="Caixa de Texto 2"/>
+          <p:cNvSpPr txBox="1">
+            <a:spLocks noChangeArrowheads="1"/>
+          </p:cNvSpPr>
+          <p:nvPr/>
+        </p:nvSpPr>
+        <p:spPr bwMode="auto">
+          <a:xfrm>
+            <a:off x="2367789" y="420629"/>
+            <a:ext cx="981410" cy="2123658"/>
+          </a:xfrm>
+          <a:prstGeom prst="rect">
+            <a:avLst/>
+          </a:prstGeom>
+          <a:solidFill>
+            <a:srgbClr val="FFFFFF"/>
+          </a:solidFill>
+          <a:ln w="9525">
+            <a:solidFill>
+              <a:srgbClr val="000000"/>
+            </a:solidFill>
+            <a:miter lim="800000"/>
+            <a:headEnd/>
+            <a:tailEnd/>
+          </a:ln>
+        </p:spPr>
+        <p:txBody>
+          <a:bodyPr rot="0" vert="horz" wrap="square" lIns="91440" tIns="45720" rIns="91440" bIns="45720" anchor="t" anchorCtr="0">
+            <a:spAutoFit/>
+          </a:bodyPr>
+          <a:lstStyle/>
+          <a:p>
+            <a:pPr>
+              <a:spcAft>
+                <a:spcPts val="0"/>
+              </a:spcAft>
+            </a:pPr>
+            <a:r>
+              <a:rPr lang="en-US" sz="1100" b="1" dirty="0" err="1">
+                <a:solidFill>
+                  <a:schemeClr val="tx2"/>
+                </a:solidFill>
+                <a:effectLst/>
+                <a:latin typeface="Calibri" panose="020F0502020204030204" pitchFamily="34" charset="0"/>
+                <a:ea typeface="Calibri" panose="020F0502020204030204" pitchFamily="34" charset="0"/>
+                <a:cs typeface="Times New Roman" panose="02020603050405020304" pitchFamily="18" charset="0"/>
+              </a:rPr>
+              <a:t>Lição</a:t>
+            </a:r>
+            <a:r>
+              <a:rPr lang="en-US" sz="1100" b="1" dirty="0">
+                <a:solidFill>
+                  <a:schemeClr val="tx2"/>
+                </a:solidFill>
+                <a:effectLst/>
+                <a:latin typeface="Calibri" panose="020F0502020204030204" pitchFamily="34" charset="0"/>
+                <a:ea typeface="Calibri" panose="020F0502020204030204" pitchFamily="34" charset="0"/>
+                <a:cs typeface="Times New Roman" panose="02020603050405020304" pitchFamily="18" charset="0"/>
+              </a:rPr>
+              <a:t> 02</a:t>
+            </a:r>
+          </a:p>
+          <a:p>
+            <a:pPr>
+              <a:spcAft>
+                <a:spcPts val="0"/>
+              </a:spcAft>
+            </a:pPr>
+            <a:endParaRPr lang="en-US" sz="1100" b="1" dirty="0">
+              <a:effectLst/>
+              <a:latin typeface="Calibri" panose="020F0502020204030204" pitchFamily="34" charset="0"/>
+              <a:ea typeface="Calibri" panose="020F0502020204030204" pitchFamily="34" charset="0"/>
+              <a:cs typeface="Times New Roman" panose="02020603050405020304" pitchFamily="18" charset="0"/>
+            </a:endParaRPr>
+          </a:p>
+          <a:p>
+            <a:pPr>
+              <a:spcAft>
+                <a:spcPts val="0"/>
+              </a:spcAft>
+            </a:pPr>
+            <a:r>
+              <a:rPr lang="pt-BR" sz="1100" dirty="0">
+                <a:effectLst/>
+                <a:latin typeface="Calibri" panose="020F0502020204030204" pitchFamily="34" charset="0"/>
+                <a:ea typeface="Calibri" panose="020F0502020204030204" pitchFamily="34" charset="0"/>
+                <a:cs typeface="Times New Roman" panose="02020603050405020304" pitchFamily="18" charset="0"/>
+              </a:rPr>
+              <a:t>02 exercícios</a:t>
+            </a:r>
+          </a:p>
+          <a:p>
+            <a:pPr>
+              <a:spcAft>
+                <a:spcPts val="0"/>
+              </a:spcAft>
+            </a:pPr>
+            <a:r>
+              <a:rPr lang="pt-BR" sz="1100" dirty="0" err="1">
+                <a:effectLst/>
+                <a:latin typeface="Calibri" panose="020F0502020204030204" pitchFamily="34" charset="0"/>
+                <a:ea typeface="Calibri" panose="020F0502020204030204" pitchFamily="34" charset="0"/>
+                <a:cs typeface="Times New Roman" panose="02020603050405020304" pitchFamily="18" charset="0"/>
+              </a:rPr>
+              <a:t>Jump</a:t>
+            </a:r>
+            <a:endParaRPr lang="pt-BR" sz="1100" dirty="0">
+              <a:effectLst/>
+              <a:latin typeface="Calibri" panose="020F0502020204030204" pitchFamily="34" charset="0"/>
+              <a:ea typeface="Calibri" panose="020F0502020204030204" pitchFamily="34" charset="0"/>
+              <a:cs typeface="Times New Roman" panose="02020603050405020304" pitchFamily="18" charset="0"/>
+            </a:endParaRPr>
+          </a:p>
+          <a:p>
+            <a:pPr>
+              <a:spcAft>
+                <a:spcPts val="0"/>
+              </a:spcAft>
+            </a:pPr>
+            <a:r>
+              <a:rPr lang="pt-BR" sz="1100" dirty="0" err="1">
+                <a:latin typeface="Calibri" panose="020F0502020204030204" pitchFamily="34" charset="0"/>
+                <a:ea typeface="Calibri" panose="020F0502020204030204" pitchFamily="34" charset="0"/>
+                <a:cs typeface="Times New Roman" panose="02020603050405020304" pitchFamily="18" charset="0"/>
+              </a:rPr>
+              <a:t>Keep</a:t>
+            </a:r>
+            <a:endParaRPr lang="pt-BR" sz="1100" dirty="0">
+              <a:latin typeface="Calibri" panose="020F0502020204030204" pitchFamily="34" charset="0"/>
+              <a:ea typeface="Calibri" panose="020F0502020204030204" pitchFamily="34" charset="0"/>
+              <a:cs typeface="Times New Roman" panose="02020603050405020304" pitchFamily="18" charset="0"/>
+            </a:endParaRPr>
+          </a:p>
+          <a:p>
+            <a:pPr>
+              <a:spcAft>
+                <a:spcPts val="0"/>
+              </a:spcAft>
+            </a:pPr>
+            <a:r>
+              <a:rPr lang="pt-BR" sz="1100" dirty="0">
+                <a:effectLst/>
+                <a:latin typeface="Calibri" panose="020F0502020204030204" pitchFamily="34" charset="0"/>
+                <a:ea typeface="Calibri" panose="020F0502020204030204" pitchFamily="34" charset="0"/>
+                <a:cs typeface="Times New Roman" panose="02020603050405020304" pitchFamily="18" charset="0"/>
+              </a:rPr>
+              <a:t>Kiss</a:t>
+            </a:r>
+          </a:p>
+          <a:p>
+            <a:pPr>
+              <a:spcAft>
+                <a:spcPts val="0"/>
+              </a:spcAft>
+            </a:pPr>
+            <a:r>
+              <a:rPr lang="pt-BR" sz="1100" dirty="0" err="1">
+                <a:latin typeface="Calibri" panose="020F0502020204030204" pitchFamily="34" charset="0"/>
+                <a:ea typeface="Calibri" panose="020F0502020204030204" pitchFamily="34" charset="0"/>
+                <a:cs typeface="Times New Roman" panose="02020603050405020304" pitchFamily="18" charset="0"/>
+              </a:rPr>
+              <a:t>Know</a:t>
+            </a:r>
+            <a:endParaRPr lang="pt-BR" sz="1100" dirty="0">
+              <a:latin typeface="Calibri" panose="020F0502020204030204" pitchFamily="34" charset="0"/>
+              <a:ea typeface="Calibri" panose="020F0502020204030204" pitchFamily="34" charset="0"/>
+              <a:cs typeface="Times New Roman" panose="02020603050405020304" pitchFamily="18" charset="0"/>
+            </a:endParaRPr>
+          </a:p>
+          <a:p>
+            <a:pPr>
+              <a:spcAft>
+                <a:spcPts val="0"/>
+              </a:spcAft>
+            </a:pPr>
+            <a:r>
+              <a:rPr lang="pt-BR" sz="1100" dirty="0" err="1">
+                <a:effectLst/>
+                <a:latin typeface="Calibri" panose="020F0502020204030204" pitchFamily="34" charset="0"/>
+                <a:ea typeface="Calibri" panose="020F0502020204030204" pitchFamily="34" charset="0"/>
+                <a:cs typeface="Times New Roman" panose="02020603050405020304" pitchFamily="18" charset="0"/>
+              </a:rPr>
+              <a:t>Learn</a:t>
+            </a:r>
+            <a:endParaRPr lang="pt-BR" sz="1100" dirty="0">
+              <a:effectLst/>
+              <a:latin typeface="Calibri" panose="020F0502020204030204" pitchFamily="34" charset="0"/>
+              <a:ea typeface="Calibri" panose="020F0502020204030204" pitchFamily="34" charset="0"/>
+              <a:cs typeface="Times New Roman" panose="02020603050405020304" pitchFamily="18" charset="0"/>
+            </a:endParaRPr>
+          </a:p>
+          <a:p>
+            <a:pPr>
+              <a:spcAft>
+                <a:spcPts val="0"/>
+              </a:spcAft>
+            </a:pPr>
+            <a:r>
+              <a:rPr lang="pt-BR" sz="1100" dirty="0" err="1">
+                <a:latin typeface="Calibri" panose="020F0502020204030204" pitchFamily="34" charset="0"/>
+                <a:ea typeface="Calibri" panose="020F0502020204030204" pitchFamily="34" charset="0"/>
+                <a:cs typeface="Times New Roman" panose="02020603050405020304" pitchFamily="18" charset="0"/>
+              </a:rPr>
+              <a:t>Leave</a:t>
+            </a:r>
+            <a:endParaRPr lang="pt-BR" sz="1100" dirty="0">
+              <a:latin typeface="Calibri" panose="020F0502020204030204" pitchFamily="34" charset="0"/>
+              <a:ea typeface="Calibri" panose="020F0502020204030204" pitchFamily="34" charset="0"/>
+              <a:cs typeface="Times New Roman" panose="02020603050405020304" pitchFamily="18" charset="0"/>
+            </a:endParaRPr>
+          </a:p>
+          <a:p>
+            <a:pPr>
+              <a:spcAft>
+                <a:spcPts val="0"/>
+              </a:spcAft>
+            </a:pPr>
+            <a:r>
+              <a:rPr lang="pt-BR" sz="1100" dirty="0" err="1">
+                <a:effectLst/>
+                <a:latin typeface="Calibri" panose="020F0502020204030204" pitchFamily="34" charset="0"/>
+                <a:ea typeface="Calibri" panose="020F0502020204030204" pitchFamily="34" charset="0"/>
+                <a:cs typeface="Times New Roman" panose="02020603050405020304" pitchFamily="18" charset="0"/>
+              </a:rPr>
+              <a:t>Lend</a:t>
+            </a:r>
+            <a:endParaRPr lang="pt-BR" sz="1100" dirty="0">
+              <a:effectLst/>
+              <a:latin typeface="Calibri" panose="020F0502020204030204" pitchFamily="34" charset="0"/>
+              <a:ea typeface="Calibri" panose="020F0502020204030204" pitchFamily="34" charset="0"/>
+              <a:cs typeface="Times New Roman" panose="02020603050405020304" pitchFamily="18" charset="0"/>
+            </a:endParaRPr>
+          </a:p>
+          <a:p>
+            <a:pPr>
+              <a:spcAft>
+                <a:spcPts val="0"/>
+              </a:spcAft>
+            </a:pPr>
+            <a:r>
+              <a:rPr lang="pt-BR" sz="1100" dirty="0" err="1">
+                <a:latin typeface="Calibri" panose="020F0502020204030204" pitchFamily="34" charset="0"/>
+                <a:ea typeface="Calibri" panose="020F0502020204030204" pitchFamily="34" charset="0"/>
+                <a:cs typeface="Times New Roman" panose="02020603050405020304" pitchFamily="18" charset="0"/>
+              </a:rPr>
+              <a:t>Like</a:t>
+            </a:r>
+            <a:endParaRPr lang="pt-BR" sz="1100" dirty="0">
+              <a:latin typeface="Calibri" panose="020F0502020204030204" pitchFamily="34" charset="0"/>
+              <a:ea typeface="Calibri" panose="020F0502020204030204" pitchFamily="34" charset="0"/>
+              <a:cs typeface="Times New Roman" panose="02020603050405020304" pitchFamily="18" charset="0"/>
+            </a:endParaRPr>
+          </a:p>
+          <a:p>
+            <a:pPr>
+              <a:spcAft>
+                <a:spcPts val="0"/>
+              </a:spcAft>
+            </a:pPr>
+            <a:r>
+              <a:rPr lang="pt-BR" sz="1100" dirty="0" err="1">
+                <a:effectLst/>
+                <a:latin typeface="Calibri" panose="020F0502020204030204" pitchFamily="34" charset="0"/>
+                <a:ea typeface="Calibri" panose="020F0502020204030204" pitchFamily="34" charset="0"/>
+                <a:cs typeface="Times New Roman" panose="02020603050405020304" pitchFamily="18" charset="0"/>
+              </a:rPr>
+              <a:t>listen</a:t>
+            </a:r>
+            <a:endParaRPr lang="en-US" sz="1100" dirty="0">
+              <a:effectLst/>
+              <a:latin typeface="Calibri" panose="020F0502020204030204" pitchFamily="34" charset="0"/>
+              <a:ea typeface="Calibri" panose="020F0502020204030204" pitchFamily="34" charset="0"/>
+              <a:cs typeface="Times New Roman" panose="02020603050405020304" pitchFamily="18" charset="0"/>
+            </a:endParaRPr>
+          </a:p>
+        </p:txBody>
+      </p:sp>
+      <p:sp>
+        <p:nvSpPr>
+          <p:cNvPr id="14" name="Caixa de Texto 2"/>
+          <p:cNvSpPr txBox="1">
+            <a:spLocks noChangeArrowheads="1"/>
+          </p:cNvSpPr>
+          <p:nvPr/>
+        </p:nvSpPr>
+        <p:spPr bwMode="auto">
+          <a:xfrm>
+            <a:off x="3605574" y="420628"/>
+            <a:ext cx="757466" cy="2292935"/>
+          </a:xfrm>
+          <a:prstGeom prst="rect">
+            <a:avLst/>
+          </a:prstGeom>
+          <a:solidFill>
+            <a:srgbClr val="FFFFFF"/>
+          </a:solidFill>
+          <a:ln w="9525">
+            <a:solidFill>
+              <a:srgbClr val="000000"/>
+            </a:solidFill>
+            <a:miter lim="800000"/>
+            <a:headEnd/>
+            <a:tailEnd/>
+          </a:ln>
+        </p:spPr>
+        <p:txBody>
+          <a:bodyPr rot="0" vert="horz" wrap="square" lIns="91440" tIns="45720" rIns="91440" bIns="45720" anchor="t" anchorCtr="0">
+            <a:spAutoFit/>
+          </a:bodyPr>
+          <a:lstStyle/>
+          <a:p>
+            <a:pPr>
+              <a:spcAft>
+                <a:spcPts val="0"/>
+              </a:spcAft>
+            </a:pPr>
+            <a:r>
+              <a:rPr lang="en-US" sz="1100" b="1" dirty="0" err="1">
+                <a:solidFill>
+                  <a:schemeClr val="tx2"/>
+                </a:solidFill>
+                <a:effectLst/>
+                <a:latin typeface="Calibri" panose="020F0502020204030204" pitchFamily="34" charset="0"/>
+                <a:ea typeface="Calibri" panose="020F0502020204030204" pitchFamily="34" charset="0"/>
+                <a:cs typeface="Times New Roman" panose="02020603050405020304" pitchFamily="18" charset="0"/>
+              </a:rPr>
+              <a:t>Lição</a:t>
+            </a:r>
+            <a:r>
+              <a:rPr lang="en-US" sz="1100" b="1" dirty="0">
+                <a:solidFill>
+                  <a:schemeClr val="tx2"/>
+                </a:solidFill>
+                <a:effectLst/>
+                <a:latin typeface="Calibri" panose="020F0502020204030204" pitchFamily="34" charset="0"/>
+                <a:ea typeface="Calibri" panose="020F0502020204030204" pitchFamily="34" charset="0"/>
+                <a:cs typeface="Times New Roman" panose="02020603050405020304" pitchFamily="18" charset="0"/>
+              </a:rPr>
+              <a:t> 03</a:t>
+            </a:r>
+          </a:p>
+          <a:p>
+            <a:pPr>
+              <a:spcAft>
+                <a:spcPts val="0"/>
+              </a:spcAft>
+            </a:pPr>
+            <a:endParaRPr lang="en-US" sz="1100" dirty="0">
+              <a:latin typeface="Calibri" panose="020F0502020204030204" pitchFamily="34" charset="0"/>
+              <a:ea typeface="Calibri" panose="020F0502020204030204" pitchFamily="34" charset="0"/>
+              <a:cs typeface="Times New Roman" panose="02020603050405020304" pitchFamily="18" charset="0"/>
+            </a:endParaRPr>
+          </a:p>
+          <a:p>
+            <a:pPr>
+              <a:spcAft>
+                <a:spcPts val="0"/>
+              </a:spcAft>
+            </a:pPr>
+            <a:r>
+              <a:rPr lang="en-US" sz="1100" dirty="0">
+                <a:effectLst/>
+                <a:latin typeface="Calibri" panose="020F0502020204030204" pitchFamily="34" charset="0"/>
+                <a:ea typeface="Calibri" panose="020F0502020204030204" pitchFamily="34" charset="0"/>
+                <a:cs typeface="Times New Roman" panose="02020603050405020304" pitchFamily="18" charset="0"/>
+              </a:rPr>
+              <a:t>Stopped</a:t>
+            </a:r>
+          </a:p>
+          <a:p>
+            <a:pPr>
+              <a:spcAft>
+                <a:spcPts val="0"/>
+              </a:spcAft>
+            </a:pPr>
+            <a:r>
+              <a:rPr lang="en-US" sz="1100" dirty="0">
+                <a:latin typeface="Calibri" panose="020F0502020204030204" pitchFamily="34" charset="0"/>
+                <a:ea typeface="Calibri" panose="020F0502020204030204" pitchFamily="34" charset="0"/>
+                <a:cs typeface="Times New Roman" panose="02020603050405020304" pitchFamily="18" charset="0"/>
+              </a:rPr>
+              <a:t>Finished</a:t>
+            </a:r>
+          </a:p>
+          <a:p>
+            <a:pPr>
+              <a:spcAft>
+                <a:spcPts val="0"/>
+              </a:spcAft>
+            </a:pPr>
+            <a:r>
+              <a:rPr lang="en-US" sz="1100" dirty="0">
+                <a:effectLst/>
+                <a:latin typeface="Calibri" panose="020F0502020204030204" pitchFamily="34" charset="0"/>
+                <a:ea typeface="Calibri" panose="020F0502020204030204" pitchFamily="34" charset="0"/>
+                <a:cs typeface="Times New Roman" panose="02020603050405020304" pitchFamily="18" charset="0"/>
+              </a:rPr>
+              <a:t>Washed</a:t>
+            </a:r>
+          </a:p>
+          <a:p>
+            <a:pPr>
+              <a:spcAft>
+                <a:spcPts val="0"/>
+              </a:spcAft>
+            </a:pPr>
+            <a:r>
+              <a:rPr lang="en-US" sz="1100" dirty="0">
+                <a:latin typeface="Calibri" panose="020F0502020204030204" pitchFamily="34" charset="0"/>
+                <a:ea typeface="Calibri" panose="020F0502020204030204" pitchFamily="34" charset="0"/>
+                <a:cs typeface="Times New Roman" panose="02020603050405020304" pitchFamily="18" charset="0"/>
+              </a:rPr>
+              <a:t>Woke up</a:t>
+            </a:r>
+          </a:p>
+          <a:p>
+            <a:pPr>
+              <a:spcAft>
+                <a:spcPts val="0"/>
+              </a:spcAft>
+            </a:pPr>
+            <a:r>
+              <a:rPr lang="en-US" sz="1100" dirty="0">
+                <a:effectLst/>
+                <a:latin typeface="Calibri" panose="020F0502020204030204" pitchFamily="34" charset="0"/>
+                <a:ea typeface="Calibri" panose="020F0502020204030204" pitchFamily="34" charset="0"/>
+                <a:cs typeface="Times New Roman" panose="02020603050405020304" pitchFamily="18" charset="0"/>
+              </a:rPr>
+              <a:t>Gave</a:t>
+            </a:r>
+          </a:p>
+          <a:p>
+            <a:pPr>
+              <a:spcAft>
+                <a:spcPts val="0"/>
+              </a:spcAft>
+            </a:pPr>
+            <a:r>
+              <a:rPr lang="en-US" sz="1100" dirty="0">
+                <a:latin typeface="Calibri" panose="020F0502020204030204" pitchFamily="34" charset="0"/>
+                <a:ea typeface="Calibri" panose="020F0502020204030204" pitchFamily="34" charset="0"/>
+                <a:cs typeface="Times New Roman" panose="02020603050405020304" pitchFamily="18" charset="0"/>
+              </a:rPr>
+              <a:t>Used</a:t>
+            </a:r>
+          </a:p>
+          <a:p>
+            <a:pPr>
+              <a:spcAft>
+                <a:spcPts val="0"/>
+              </a:spcAft>
+            </a:pPr>
+            <a:r>
+              <a:rPr lang="en-US" sz="1100" dirty="0">
+                <a:effectLst/>
+                <a:latin typeface="Calibri" panose="020F0502020204030204" pitchFamily="34" charset="0"/>
+                <a:ea typeface="Calibri" panose="020F0502020204030204" pitchFamily="34" charset="0"/>
+                <a:cs typeface="Times New Roman" panose="02020603050405020304" pitchFamily="18" charset="0"/>
+              </a:rPr>
+              <a:t>Needed</a:t>
+            </a:r>
+          </a:p>
+          <a:p>
+            <a:pPr>
+              <a:spcAft>
+                <a:spcPts val="0"/>
+              </a:spcAft>
+            </a:pPr>
+            <a:r>
+              <a:rPr lang="en-US" sz="1100" dirty="0">
+                <a:effectLst/>
+                <a:latin typeface="Calibri" panose="020F0502020204030204" pitchFamily="34" charset="0"/>
+                <a:ea typeface="Calibri" panose="020F0502020204030204" pitchFamily="34" charset="0"/>
+                <a:cs typeface="Times New Roman" panose="02020603050405020304" pitchFamily="18" charset="0"/>
+              </a:rPr>
+              <a:t>Lost</a:t>
+            </a:r>
+          </a:p>
+          <a:p>
+            <a:pPr>
+              <a:spcAft>
+                <a:spcPts val="0"/>
+              </a:spcAft>
+            </a:pPr>
+            <a:r>
+              <a:rPr lang="en-US" sz="1100" dirty="0">
+                <a:latin typeface="Calibri" panose="020F0502020204030204" pitchFamily="34" charset="0"/>
+                <a:ea typeface="Calibri" panose="020F0502020204030204" pitchFamily="34" charset="0"/>
+                <a:cs typeface="Times New Roman" panose="02020603050405020304" pitchFamily="18" charset="0"/>
+              </a:rPr>
+              <a:t>Wore</a:t>
+            </a:r>
+          </a:p>
+          <a:p>
+            <a:pPr>
+              <a:spcAft>
+                <a:spcPts val="0"/>
+              </a:spcAft>
+            </a:pPr>
+            <a:r>
+              <a:rPr lang="en-US" sz="1100" dirty="0">
+                <a:effectLst/>
+                <a:latin typeface="Calibri" panose="020F0502020204030204" pitchFamily="34" charset="0"/>
+                <a:ea typeface="Calibri" panose="020F0502020204030204" pitchFamily="34" charset="0"/>
+                <a:cs typeface="Times New Roman" panose="02020603050405020304" pitchFamily="18" charset="0"/>
+              </a:rPr>
+              <a:t>Took</a:t>
+            </a:r>
+          </a:p>
+          <a:p>
+            <a:pPr>
+              <a:spcAft>
+                <a:spcPts val="0"/>
+              </a:spcAft>
+            </a:pPr>
+            <a:r>
+              <a:rPr lang="en-US" sz="1100" dirty="0">
+                <a:effectLst/>
+                <a:latin typeface="Calibri" panose="020F0502020204030204" pitchFamily="34" charset="0"/>
+                <a:ea typeface="Calibri" panose="020F0502020204030204" pitchFamily="34" charset="0"/>
+                <a:cs typeface="Times New Roman" panose="02020603050405020304" pitchFamily="18" charset="0"/>
+              </a:rPr>
+              <a:t>traveled</a:t>
+            </a:r>
+          </a:p>
+        </p:txBody>
+      </p:sp>
+      <p:sp>
+        <p:nvSpPr>
+          <p:cNvPr id="19" name="Caixa de Texto 2"/>
+          <p:cNvSpPr txBox="1">
+            <a:spLocks noChangeArrowheads="1"/>
+          </p:cNvSpPr>
+          <p:nvPr/>
+        </p:nvSpPr>
+        <p:spPr bwMode="auto">
+          <a:xfrm>
+            <a:off x="4820691" y="420628"/>
+            <a:ext cx="965018" cy="2292935"/>
+          </a:xfrm>
+          <a:prstGeom prst="rect">
+            <a:avLst/>
+          </a:prstGeom>
+          <a:solidFill>
+            <a:srgbClr val="FFFFFF"/>
+          </a:solidFill>
+          <a:ln w="9525">
+            <a:solidFill>
+              <a:srgbClr val="000000"/>
+            </a:solidFill>
+            <a:miter lim="800000"/>
+            <a:headEnd/>
+            <a:tailEnd/>
+          </a:ln>
+        </p:spPr>
+        <p:txBody>
+          <a:bodyPr rot="0" vert="horz" wrap="square" lIns="91440" tIns="45720" rIns="91440" bIns="45720" anchor="t" anchorCtr="0">
+            <a:spAutoFit/>
+          </a:bodyPr>
+          <a:lstStyle/>
+          <a:p>
+            <a:pPr>
+              <a:spcAft>
+                <a:spcPts val="0"/>
+              </a:spcAft>
+            </a:pPr>
+            <a:r>
+              <a:rPr lang="en-US" sz="1100" b="1" dirty="0" err="1">
+                <a:solidFill>
+                  <a:schemeClr val="tx2"/>
+                </a:solidFill>
+                <a:effectLst/>
+                <a:latin typeface="Calibri" panose="020F0502020204030204" pitchFamily="34" charset="0"/>
+                <a:ea typeface="Calibri" panose="020F0502020204030204" pitchFamily="34" charset="0"/>
+                <a:cs typeface="Times New Roman" panose="02020603050405020304" pitchFamily="18" charset="0"/>
+              </a:rPr>
+              <a:t>Lição</a:t>
+            </a:r>
+            <a:r>
+              <a:rPr lang="en-US" sz="1100" b="1" dirty="0">
+                <a:solidFill>
+                  <a:schemeClr val="tx2"/>
+                </a:solidFill>
+                <a:effectLst/>
+                <a:latin typeface="Calibri" panose="020F0502020204030204" pitchFamily="34" charset="0"/>
+                <a:ea typeface="Calibri" panose="020F0502020204030204" pitchFamily="34" charset="0"/>
+                <a:cs typeface="Times New Roman" panose="02020603050405020304" pitchFamily="18" charset="0"/>
+              </a:rPr>
+              <a:t> 04</a:t>
+            </a:r>
+          </a:p>
+          <a:p>
+            <a:pPr>
+              <a:spcAft>
+                <a:spcPts val="0"/>
+              </a:spcAft>
+            </a:pPr>
+            <a:endParaRPr lang="en-US" sz="1100" b="1" dirty="0">
+              <a:effectLst/>
+              <a:latin typeface="Calibri" panose="020F0502020204030204" pitchFamily="34" charset="0"/>
+              <a:ea typeface="Calibri" panose="020F0502020204030204" pitchFamily="34" charset="0"/>
+              <a:cs typeface="Times New Roman" panose="02020603050405020304" pitchFamily="18" charset="0"/>
+            </a:endParaRPr>
+          </a:p>
+          <a:p>
+            <a:pPr>
+              <a:spcAft>
+                <a:spcPts val="0"/>
+              </a:spcAft>
+            </a:pPr>
+            <a:r>
+              <a:rPr lang="en-US" sz="1100" dirty="0">
+                <a:latin typeface="Calibri" panose="020F0502020204030204" pitchFamily="34" charset="0"/>
+                <a:ea typeface="Calibri" panose="020F0502020204030204" pitchFamily="34" charset="0"/>
+                <a:cs typeface="Times New Roman" panose="02020603050405020304" pitchFamily="18" charset="0"/>
+              </a:rPr>
+              <a:t>To drive</a:t>
+            </a:r>
+          </a:p>
+          <a:p>
+            <a:pPr>
+              <a:spcAft>
+                <a:spcPts val="0"/>
+              </a:spcAft>
+            </a:pPr>
+            <a:r>
+              <a:rPr lang="en-US" sz="1100" dirty="0">
+                <a:latin typeface="Calibri" panose="020F0502020204030204" pitchFamily="34" charset="0"/>
+                <a:ea typeface="Calibri" panose="020F0502020204030204" pitchFamily="34" charset="0"/>
+                <a:cs typeface="Times New Roman" panose="02020603050405020304" pitchFamily="18" charset="0"/>
+              </a:rPr>
+              <a:t>To lead</a:t>
+            </a:r>
+          </a:p>
+          <a:p>
+            <a:pPr>
+              <a:spcAft>
+                <a:spcPts val="0"/>
+              </a:spcAft>
+            </a:pPr>
+            <a:r>
+              <a:rPr lang="en-US" sz="1100" dirty="0">
+                <a:latin typeface="Calibri" panose="020F0502020204030204" pitchFamily="34" charset="0"/>
+                <a:ea typeface="Calibri" panose="020F0502020204030204" pitchFamily="34" charset="0"/>
+                <a:cs typeface="Times New Roman" panose="02020603050405020304" pitchFamily="18" charset="0"/>
+              </a:rPr>
+              <a:t>2 </a:t>
+            </a:r>
+            <a:r>
+              <a:rPr lang="en-US" sz="1100" dirty="0" err="1">
+                <a:latin typeface="Calibri" panose="020F0502020204030204" pitchFamily="34" charset="0"/>
+                <a:ea typeface="Calibri" panose="020F0502020204030204" pitchFamily="34" charset="0"/>
+                <a:cs typeface="Times New Roman" panose="02020603050405020304" pitchFamily="18" charset="0"/>
+              </a:rPr>
+              <a:t>Exercícios</a:t>
+            </a:r>
+            <a:endParaRPr lang="en-US" sz="1100" dirty="0">
+              <a:latin typeface="Calibri" panose="020F0502020204030204" pitchFamily="34" charset="0"/>
+              <a:ea typeface="Calibri" panose="020F0502020204030204" pitchFamily="34" charset="0"/>
+              <a:cs typeface="Times New Roman" panose="02020603050405020304" pitchFamily="18" charset="0"/>
+            </a:endParaRPr>
+          </a:p>
+          <a:p>
+            <a:pPr>
+              <a:spcAft>
+                <a:spcPts val="0"/>
+              </a:spcAft>
+            </a:pPr>
+            <a:r>
+              <a:rPr lang="en-US" sz="1100" dirty="0">
+                <a:latin typeface="Calibri" panose="020F0502020204030204" pitchFamily="34" charset="0"/>
+                <a:ea typeface="Calibri" panose="020F0502020204030204" pitchFamily="34" charset="0"/>
+                <a:cs typeface="Times New Roman" panose="02020603050405020304" pitchFamily="18" charset="0"/>
+              </a:rPr>
+              <a:t>Forget</a:t>
+            </a:r>
+          </a:p>
+          <a:p>
+            <a:pPr>
+              <a:spcAft>
+                <a:spcPts val="0"/>
+              </a:spcAft>
+            </a:pPr>
+            <a:r>
+              <a:rPr lang="en-US" sz="1100" dirty="0">
+                <a:latin typeface="Calibri" panose="020F0502020204030204" pitchFamily="34" charset="0"/>
+                <a:ea typeface="Calibri" panose="020F0502020204030204" pitchFamily="34" charset="0"/>
+                <a:cs typeface="Times New Roman" panose="02020603050405020304" pitchFamily="18" charset="0"/>
+              </a:rPr>
+              <a:t>To Get up</a:t>
+            </a:r>
+          </a:p>
+          <a:p>
+            <a:pPr>
+              <a:spcAft>
+                <a:spcPts val="0"/>
+              </a:spcAft>
+            </a:pPr>
+            <a:r>
+              <a:rPr lang="en-US" sz="1100" dirty="0">
+                <a:latin typeface="Calibri" panose="020F0502020204030204" pitchFamily="34" charset="0"/>
+                <a:ea typeface="Calibri" panose="020F0502020204030204" pitchFamily="34" charset="0"/>
+                <a:cs typeface="Times New Roman" panose="02020603050405020304" pitchFamily="18" charset="0"/>
+              </a:rPr>
+              <a:t>To Grow</a:t>
+            </a:r>
+          </a:p>
+          <a:p>
+            <a:pPr>
+              <a:spcAft>
+                <a:spcPts val="0"/>
+              </a:spcAft>
+            </a:pPr>
+            <a:r>
+              <a:rPr lang="en-US" sz="1100" dirty="0">
+                <a:latin typeface="Calibri" panose="020F0502020204030204" pitchFamily="34" charset="0"/>
+                <a:ea typeface="Calibri" panose="020F0502020204030204" pitchFamily="34" charset="0"/>
+                <a:cs typeface="Times New Roman" panose="02020603050405020304" pitchFamily="18" charset="0"/>
+              </a:rPr>
+              <a:t>To Hear</a:t>
+            </a:r>
+          </a:p>
+          <a:p>
+            <a:pPr>
+              <a:spcAft>
+                <a:spcPts val="0"/>
+              </a:spcAft>
+            </a:pPr>
+            <a:r>
+              <a:rPr lang="en-US" sz="1100" dirty="0">
+                <a:latin typeface="Calibri" panose="020F0502020204030204" pitchFamily="34" charset="0"/>
+                <a:ea typeface="Calibri" panose="020F0502020204030204" pitchFamily="34" charset="0"/>
+                <a:cs typeface="Times New Roman" panose="02020603050405020304" pitchFamily="18" charset="0"/>
+              </a:rPr>
+              <a:t>To Help</a:t>
+            </a:r>
+          </a:p>
+          <a:p>
+            <a:pPr>
+              <a:spcAft>
+                <a:spcPts val="0"/>
+              </a:spcAft>
+            </a:pPr>
+            <a:r>
+              <a:rPr lang="en-US" sz="1100" dirty="0">
+                <a:latin typeface="Calibri" panose="020F0502020204030204" pitchFamily="34" charset="0"/>
+                <a:ea typeface="Calibri" panose="020F0502020204030204" pitchFamily="34" charset="0"/>
+                <a:cs typeface="Times New Roman" panose="02020603050405020304" pitchFamily="18" charset="0"/>
+              </a:rPr>
+              <a:t>To hope</a:t>
+            </a:r>
+          </a:p>
+          <a:p>
+            <a:pPr>
+              <a:spcAft>
+                <a:spcPts val="0"/>
+              </a:spcAft>
+            </a:pPr>
+            <a:endParaRPr lang="en-US" sz="1100" dirty="0">
+              <a:latin typeface="Calibri" panose="020F0502020204030204" pitchFamily="34" charset="0"/>
+              <a:ea typeface="Calibri" panose="020F0502020204030204" pitchFamily="34" charset="0"/>
+              <a:cs typeface="Times New Roman" panose="02020603050405020304" pitchFamily="18" charset="0"/>
+            </a:endParaRPr>
+          </a:p>
+          <a:p>
+            <a:pPr>
+              <a:spcAft>
+                <a:spcPts val="0"/>
+              </a:spcAft>
+            </a:pPr>
+            <a:endParaRPr lang="en-US" sz="1100" b="1" dirty="0">
+              <a:effectLst/>
+              <a:latin typeface="Calibri" panose="020F0502020204030204" pitchFamily="34" charset="0"/>
+              <a:ea typeface="Calibri" panose="020F0502020204030204" pitchFamily="34" charset="0"/>
+              <a:cs typeface="Times New Roman" panose="02020603050405020304" pitchFamily="18" charset="0"/>
+            </a:endParaRPr>
+          </a:p>
+        </p:txBody>
+      </p:sp>
+      <p:sp>
+        <p:nvSpPr>
+          <p:cNvPr id="23" name="Caixa de Texto 2"/>
+          <p:cNvSpPr txBox="1">
+            <a:spLocks noChangeArrowheads="1"/>
+          </p:cNvSpPr>
+          <p:nvPr/>
+        </p:nvSpPr>
+        <p:spPr bwMode="auto">
+          <a:xfrm>
+            <a:off x="6221710" y="420628"/>
+            <a:ext cx="794343" cy="2123658"/>
+          </a:xfrm>
+          <a:prstGeom prst="rect">
+            <a:avLst/>
+          </a:prstGeom>
+          <a:solidFill>
+            <a:srgbClr val="FFFFFF"/>
+          </a:solidFill>
+          <a:ln w="9525">
+            <a:solidFill>
+              <a:srgbClr val="000000"/>
+            </a:solidFill>
+            <a:miter lim="800000"/>
+            <a:headEnd/>
+            <a:tailEnd/>
+          </a:ln>
+        </p:spPr>
+        <p:txBody>
+          <a:bodyPr rot="0" vert="horz" wrap="square" lIns="91440" tIns="45720" rIns="91440" bIns="45720" anchor="t" anchorCtr="0">
+            <a:spAutoFit/>
+          </a:bodyPr>
+          <a:lstStyle/>
+          <a:p>
+            <a:pPr>
+              <a:spcAft>
+                <a:spcPts val="0"/>
+              </a:spcAft>
+            </a:pPr>
+            <a:r>
+              <a:rPr lang="en-US" sz="1100" b="1" dirty="0" err="1">
+                <a:solidFill>
+                  <a:schemeClr val="tx2"/>
+                </a:solidFill>
+                <a:effectLst/>
+                <a:latin typeface="Calibri" panose="020F0502020204030204" pitchFamily="34" charset="0"/>
+                <a:ea typeface="Calibri" panose="020F0502020204030204" pitchFamily="34" charset="0"/>
+                <a:cs typeface="Times New Roman" panose="02020603050405020304" pitchFamily="18" charset="0"/>
+              </a:rPr>
+              <a:t>Lição</a:t>
+            </a:r>
+            <a:r>
+              <a:rPr lang="en-US" sz="1100" b="1" dirty="0">
+                <a:solidFill>
+                  <a:schemeClr val="tx2"/>
+                </a:solidFill>
+                <a:effectLst/>
+                <a:latin typeface="Calibri" panose="020F0502020204030204" pitchFamily="34" charset="0"/>
+                <a:ea typeface="Calibri" panose="020F0502020204030204" pitchFamily="34" charset="0"/>
+                <a:cs typeface="Times New Roman" panose="02020603050405020304" pitchFamily="18" charset="0"/>
+              </a:rPr>
+              <a:t> 05</a:t>
+            </a:r>
+          </a:p>
+          <a:p>
+            <a:pPr>
+              <a:spcAft>
+                <a:spcPts val="0"/>
+              </a:spcAft>
+            </a:pPr>
+            <a:r>
+              <a:rPr lang="en-US" sz="1100" dirty="0">
+                <a:latin typeface="Calibri" panose="020F0502020204030204" pitchFamily="34" charset="0"/>
+                <a:ea typeface="Calibri" panose="020F0502020204030204" pitchFamily="34" charset="0"/>
+                <a:cs typeface="Times New Roman" panose="02020603050405020304" pitchFamily="18" charset="0"/>
+              </a:rPr>
+              <a:t>To loose</a:t>
+            </a:r>
+          </a:p>
+          <a:p>
+            <a:pPr>
+              <a:spcAft>
+                <a:spcPts val="0"/>
+              </a:spcAft>
+            </a:pPr>
+            <a:r>
+              <a:rPr lang="en-US" sz="1100" dirty="0">
+                <a:latin typeface="Calibri" panose="020F0502020204030204" pitchFamily="34" charset="0"/>
+                <a:ea typeface="Calibri" panose="020F0502020204030204" pitchFamily="34" charset="0"/>
+                <a:cs typeface="Times New Roman" panose="02020603050405020304" pitchFamily="18" charset="0"/>
+              </a:rPr>
+              <a:t>To Wear</a:t>
+            </a:r>
+          </a:p>
+          <a:p>
+            <a:pPr>
+              <a:spcAft>
+                <a:spcPts val="0"/>
+              </a:spcAft>
+            </a:pPr>
+            <a:r>
+              <a:rPr lang="en-US" sz="1100" dirty="0">
+                <a:latin typeface="Calibri" panose="020F0502020204030204" pitchFamily="34" charset="0"/>
+                <a:ea typeface="Calibri" panose="020F0502020204030204" pitchFamily="34" charset="0"/>
+                <a:cs typeface="Times New Roman" panose="02020603050405020304" pitchFamily="18" charset="0"/>
+              </a:rPr>
+              <a:t>To Fly</a:t>
+            </a:r>
+          </a:p>
+          <a:p>
+            <a:pPr>
+              <a:spcAft>
+                <a:spcPts val="0"/>
+              </a:spcAft>
+            </a:pPr>
+            <a:r>
+              <a:rPr lang="en-US" sz="1100" dirty="0">
+                <a:latin typeface="Calibri" panose="020F0502020204030204" pitchFamily="34" charset="0"/>
+                <a:ea typeface="Calibri" panose="020F0502020204030204" pitchFamily="34" charset="0"/>
+                <a:cs typeface="Times New Roman" panose="02020603050405020304" pitchFamily="18" charset="0"/>
+              </a:rPr>
+              <a:t>To Eat</a:t>
+            </a:r>
+          </a:p>
+          <a:p>
+            <a:pPr>
+              <a:spcAft>
+                <a:spcPts val="0"/>
+              </a:spcAft>
+            </a:pPr>
+            <a:r>
+              <a:rPr lang="en-US" sz="1100" dirty="0">
+                <a:latin typeface="Calibri" panose="020F0502020204030204" pitchFamily="34" charset="0"/>
+                <a:ea typeface="Calibri" panose="020F0502020204030204" pitchFamily="34" charset="0"/>
+                <a:cs typeface="Times New Roman" panose="02020603050405020304" pitchFamily="18" charset="0"/>
+              </a:rPr>
+              <a:t>To Catch</a:t>
+            </a:r>
+          </a:p>
+          <a:p>
+            <a:pPr>
+              <a:spcAft>
+                <a:spcPts val="0"/>
+              </a:spcAft>
+            </a:pPr>
+            <a:r>
+              <a:rPr lang="en-US" sz="1100" dirty="0">
+                <a:latin typeface="Calibri" panose="020F0502020204030204" pitchFamily="34" charset="0"/>
+                <a:ea typeface="Calibri" panose="020F0502020204030204" pitchFamily="34" charset="0"/>
+                <a:cs typeface="Times New Roman" panose="02020603050405020304" pitchFamily="18" charset="0"/>
+              </a:rPr>
+              <a:t>To Run</a:t>
+            </a:r>
+          </a:p>
+          <a:p>
+            <a:pPr>
+              <a:spcAft>
+                <a:spcPts val="0"/>
+              </a:spcAft>
+            </a:pPr>
+            <a:r>
+              <a:rPr lang="en-US" sz="1100" dirty="0">
+                <a:latin typeface="Calibri" panose="020F0502020204030204" pitchFamily="34" charset="0"/>
+                <a:ea typeface="Calibri" panose="020F0502020204030204" pitchFamily="34" charset="0"/>
+                <a:cs typeface="Times New Roman" panose="02020603050405020304" pitchFamily="18" charset="0"/>
+              </a:rPr>
+              <a:t>To Swim</a:t>
+            </a:r>
+          </a:p>
+          <a:p>
+            <a:pPr>
+              <a:spcAft>
+                <a:spcPts val="0"/>
+              </a:spcAft>
+            </a:pPr>
+            <a:r>
+              <a:rPr lang="en-US" sz="1100" dirty="0">
+                <a:latin typeface="Calibri" panose="020F0502020204030204" pitchFamily="34" charset="0"/>
+                <a:ea typeface="Calibri" panose="020F0502020204030204" pitchFamily="34" charset="0"/>
+                <a:cs typeface="Times New Roman" panose="02020603050405020304" pitchFamily="18" charset="0"/>
+              </a:rPr>
+              <a:t>To Do</a:t>
+            </a:r>
+          </a:p>
+          <a:p>
+            <a:pPr>
+              <a:spcAft>
+                <a:spcPts val="0"/>
+              </a:spcAft>
+            </a:pPr>
+            <a:r>
+              <a:rPr lang="en-US" sz="1100" dirty="0">
+                <a:latin typeface="Calibri" panose="020F0502020204030204" pitchFamily="34" charset="0"/>
+                <a:ea typeface="Calibri" panose="020F0502020204030204" pitchFamily="34" charset="0"/>
+                <a:cs typeface="Times New Roman" panose="02020603050405020304" pitchFamily="18" charset="0"/>
+              </a:rPr>
+              <a:t>To Spend</a:t>
+            </a:r>
+          </a:p>
+          <a:p>
+            <a:pPr>
+              <a:spcAft>
+                <a:spcPts val="0"/>
+              </a:spcAft>
+            </a:pPr>
+            <a:r>
+              <a:rPr lang="en-US" sz="1100" dirty="0">
+                <a:latin typeface="Calibri" panose="020F0502020204030204" pitchFamily="34" charset="0"/>
+                <a:ea typeface="Calibri" panose="020F0502020204030204" pitchFamily="34" charset="0"/>
+                <a:cs typeface="Times New Roman" panose="02020603050405020304" pitchFamily="18" charset="0"/>
+              </a:rPr>
+              <a:t>To Buy</a:t>
+            </a:r>
+          </a:p>
+          <a:p>
+            <a:pPr>
+              <a:spcAft>
+                <a:spcPts val="0"/>
+              </a:spcAft>
+            </a:pPr>
+            <a:endParaRPr lang="en-US" sz="1100" dirty="0">
+              <a:latin typeface="Calibri" panose="020F0502020204030204" pitchFamily="34" charset="0"/>
+              <a:ea typeface="Calibri" panose="020F0502020204030204" pitchFamily="34" charset="0"/>
+              <a:cs typeface="Times New Roman" panose="02020603050405020304" pitchFamily="18" charset="0"/>
+            </a:endParaRPr>
+          </a:p>
+        </p:txBody>
+      </p:sp>
+      <p:sp>
+        <p:nvSpPr>
+          <p:cNvPr id="26" name="Caixa de Texto 2">
+            <a:extLst>
+              <a:ext uri="{FF2B5EF4-FFF2-40B4-BE49-F238E27FC236}">
+                <a16:creationId xmlns:a16="http://schemas.microsoft.com/office/drawing/2014/main" id="{3AE3CE4D-2686-44AE-9D66-99D144EF5885}"/>
+              </a:ext>
+            </a:extLst>
+          </p:cNvPr>
+          <p:cNvSpPr txBox="1">
+            <a:spLocks noChangeArrowheads="1"/>
+          </p:cNvSpPr>
+          <p:nvPr/>
+        </p:nvSpPr>
+        <p:spPr bwMode="auto">
+          <a:xfrm>
+            <a:off x="7239855" y="420628"/>
+            <a:ext cx="965017" cy="2123658"/>
+          </a:xfrm>
+          <a:prstGeom prst="rect">
+            <a:avLst/>
+          </a:prstGeom>
+          <a:solidFill>
+            <a:srgbClr val="FFFFFF"/>
+          </a:solidFill>
+          <a:ln w="9525">
+            <a:solidFill>
+              <a:srgbClr val="000000"/>
+            </a:solidFill>
+            <a:miter lim="800000"/>
+            <a:headEnd/>
+            <a:tailEnd/>
+          </a:ln>
+        </p:spPr>
+        <p:txBody>
+          <a:bodyPr rot="0" vert="horz" wrap="square" lIns="91440" tIns="45720" rIns="91440" bIns="45720" anchor="t" anchorCtr="0">
+            <a:spAutoFit/>
+          </a:bodyPr>
+          <a:lstStyle/>
+          <a:p>
+            <a:pPr>
+              <a:spcAft>
+                <a:spcPts val="0"/>
+              </a:spcAft>
+            </a:pPr>
+            <a:r>
+              <a:rPr lang="en-US" sz="1100" b="1" dirty="0" err="1">
+                <a:solidFill>
+                  <a:schemeClr val="tx2"/>
+                </a:solidFill>
+                <a:effectLst/>
+                <a:latin typeface="Calibri" panose="020F0502020204030204" pitchFamily="34" charset="0"/>
+                <a:ea typeface="Calibri" panose="020F0502020204030204" pitchFamily="34" charset="0"/>
+                <a:cs typeface="Times New Roman" panose="02020603050405020304" pitchFamily="18" charset="0"/>
+              </a:rPr>
+              <a:t>Lição</a:t>
+            </a:r>
+            <a:r>
+              <a:rPr lang="en-US" sz="1100" b="1" dirty="0">
+                <a:solidFill>
+                  <a:schemeClr val="tx2"/>
+                </a:solidFill>
+                <a:effectLst/>
+                <a:latin typeface="Calibri" panose="020F0502020204030204" pitchFamily="34" charset="0"/>
+                <a:ea typeface="Calibri" panose="020F0502020204030204" pitchFamily="34" charset="0"/>
+                <a:cs typeface="Times New Roman" panose="02020603050405020304" pitchFamily="18" charset="0"/>
+              </a:rPr>
+              <a:t> 06</a:t>
+            </a:r>
+          </a:p>
+          <a:p>
+            <a:pPr marL="228600" indent="-228600">
+              <a:spcAft>
+                <a:spcPts val="0"/>
+              </a:spcAft>
+              <a:buFont typeface="+mj-lt"/>
+              <a:buAutoNum type="arabicPeriod"/>
+            </a:pPr>
+            <a:r>
+              <a:rPr lang="en-US" sz="1100" dirty="0">
+                <a:latin typeface="Calibri" panose="020F0502020204030204" pitchFamily="34" charset="0"/>
+                <a:ea typeface="Calibri" panose="020F0502020204030204" pitchFamily="34" charset="0"/>
+                <a:cs typeface="Times New Roman" panose="02020603050405020304" pitchFamily="18" charset="0"/>
+              </a:rPr>
+              <a:t>Allow </a:t>
+            </a:r>
+          </a:p>
+          <a:p>
+            <a:pPr marL="228600" indent="-228600">
+              <a:spcAft>
+                <a:spcPts val="0"/>
+              </a:spcAft>
+              <a:buFont typeface="+mj-lt"/>
+              <a:buAutoNum type="arabicPeriod"/>
+            </a:pPr>
+            <a:r>
+              <a:rPr lang="en-US" sz="1100" dirty="0">
+                <a:latin typeface="Calibri" panose="020F0502020204030204" pitchFamily="34" charset="0"/>
+                <a:ea typeface="Calibri" panose="020F0502020204030204" pitchFamily="34" charset="0"/>
+                <a:cs typeface="Times New Roman" panose="02020603050405020304" pitchFamily="18" charset="0"/>
+              </a:rPr>
+              <a:t>Add</a:t>
+            </a:r>
+          </a:p>
+          <a:p>
+            <a:pPr marL="228600" indent="-228600">
+              <a:spcAft>
+                <a:spcPts val="0"/>
+              </a:spcAft>
+              <a:buFont typeface="+mj-lt"/>
+              <a:buAutoNum type="arabicPeriod"/>
+            </a:pPr>
+            <a:r>
+              <a:rPr lang="en-US" sz="1100" dirty="0">
+                <a:latin typeface="Calibri" panose="020F0502020204030204" pitchFamily="34" charset="0"/>
+                <a:ea typeface="Calibri" panose="020F0502020204030204" pitchFamily="34" charset="0"/>
+                <a:cs typeface="Times New Roman" panose="02020603050405020304" pitchFamily="18" charset="0"/>
+              </a:rPr>
+              <a:t>Appear</a:t>
+            </a:r>
+          </a:p>
+          <a:p>
+            <a:pPr marL="228600" indent="-228600">
+              <a:spcAft>
+                <a:spcPts val="0"/>
+              </a:spcAft>
+              <a:buFont typeface="+mj-lt"/>
+              <a:buAutoNum type="arabicPeriod"/>
+            </a:pPr>
+            <a:r>
+              <a:rPr lang="en-US" sz="1100" dirty="0">
+                <a:latin typeface="Calibri" panose="020F0502020204030204" pitchFamily="34" charset="0"/>
+                <a:ea typeface="Calibri" panose="020F0502020204030204" pitchFamily="34" charset="0"/>
+                <a:cs typeface="Times New Roman" panose="02020603050405020304" pitchFamily="18" charset="0"/>
+              </a:rPr>
+              <a:t>Ask</a:t>
+            </a:r>
+          </a:p>
+          <a:p>
+            <a:pPr marL="228600" indent="-228600">
+              <a:spcAft>
+                <a:spcPts val="0"/>
+              </a:spcAft>
+              <a:buFont typeface="+mj-lt"/>
+              <a:buAutoNum type="arabicPeriod"/>
+            </a:pPr>
+            <a:r>
+              <a:rPr lang="en-US" sz="1100" dirty="0">
+                <a:latin typeface="Calibri" panose="020F0502020204030204" pitchFamily="34" charset="0"/>
+                <a:ea typeface="Calibri" panose="020F0502020204030204" pitchFamily="34" charset="0"/>
+                <a:cs typeface="Times New Roman" panose="02020603050405020304" pitchFamily="18" charset="0"/>
+              </a:rPr>
+              <a:t>Be</a:t>
+            </a:r>
+          </a:p>
+          <a:p>
+            <a:pPr marL="228600" indent="-228600">
+              <a:spcAft>
+                <a:spcPts val="0"/>
+              </a:spcAft>
+              <a:buFont typeface="+mj-lt"/>
+              <a:buAutoNum type="arabicPeriod"/>
+            </a:pPr>
+            <a:r>
+              <a:rPr lang="en-US" sz="1100" dirty="0">
+                <a:latin typeface="Calibri" panose="020F0502020204030204" pitchFamily="34" charset="0"/>
+                <a:ea typeface="Calibri" panose="020F0502020204030204" pitchFamily="34" charset="0"/>
+                <a:cs typeface="Times New Roman" panose="02020603050405020304" pitchFamily="18" charset="0"/>
+              </a:rPr>
+              <a:t>Become</a:t>
+            </a:r>
+          </a:p>
+          <a:p>
+            <a:pPr marL="228600" indent="-228600">
+              <a:spcAft>
+                <a:spcPts val="0"/>
+              </a:spcAft>
+              <a:buFont typeface="+mj-lt"/>
+              <a:buAutoNum type="arabicPeriod"/>
+            </a:pPr>
+            <a:r>
+              <a:rPr lang="en-US" sz="1100" dirty="0">
+                <a:latin typeface="Calibri" panose="020F0502020204030204" pitchFamily="34" charset="0"/>
+                <a:ea typeface="Calibri" panose="020F0502020204030204" pitchFamily="34" charset="0"/>
+                <a:cs typeface="Times New Roman" panose="02020603050405020304" pitchFamily="18" charset="0"/>
+              </a:rPr>
+              <a:t>Begin</a:t>
+            </a:r>
+          </a:p>
+          <a:p>
+            <a:pPr marL="228600" indent="-228600">
+              <a:spcAft>
+                <a:spcPts val="0"/>
+              </a:spcAft>
+              <a:buFont typeface="+mj-lt"/>
+              <a:buAutoNum type="arabicPeriod"/>
+            </a:pPr>
+            <a:r>
+              <a:rPr lang="en-US" sz="1100" dirty="0">
+                <a:latin typeface="Calibri" panose="020F0502020204030204" pitchFamily="34" charset="0"/>
+                <a:ea typeface="Calibri" panose="020F0502020204030204" pitchFamily="34" charset="0"/>
+                <a:cs typeface="Times New Roman" panose="02020603050405020304" pitchFamily="18" charset="0"/>
+              </a:rPr>
+              <a:t>Believe</a:t>
+            </a:r>
+          </a:p>
+          <a:p>
+            <a:pPr marL="228600" indent="-228600">
+              <a:spcAft>
+                <a:spcPts val="0"/>
+              </a:spcAft>
+              <a:buFont typeface="+mj-lt"/>
+              <a:buAutoNum type="arabicPeriod"/>
+            </a:pPr>
+            <a:r>
+              <a:rPr lang="en-US" sz="1100" dirty="0">
+                <a:latin typeface="Calibri" panose="020F0502020204030204" pitchFamily="34" charset="0"/>
+                <a:ea typeface="Calibri" panose="020F0502020204030204" pitchFamily="34" charset="0"/>
+                <a:cs typeface="Times New Roman" panose="02020603050405020304" pitchFamily="18" charset="0"/>
+              </a:rPr>
+              <a:t>Bring</a:t>
+            </a:r>
+          </a:p>
+          <a:p>
+            <a:pPr marL="228600" indent="-228600">
+              <a:spcAft>
+                <a:spcPts val="0"/>
+              </a:spcAft>
+              <a:buFont typeface="+mj-lt"/>
+              <a:buAutoNum type="arabicPeriod"/>
+            </a:pPr>
+            <a:r>
+              <a:rPr lang="en-US" sz="1100" dirty="0">
+                <a:latin typeface="Calibri" panose="020F0502020204030204" pitchFamily="34" charset="0"/>
+                <a:ea typeface="Calibri" panose="020F0502020204030204" pitchFamily="34" charset="0"/>
+                <a:cs typeface="Times New Roman" panose="02020603050405020304" pitchFamily="18" charset="0"/>
+              </a:rPr>
+              <a:t>Build</a:t>
+            </a:r>
+          </a:p>
+          <a:p>
+            <a:pPr>
+              <a:spcAft>
+                <a:spcPts val="0"/>
+              </a:spcAft>
+            </a:pPr>
+            <a:endParaRPr lang="en-US" sz="1100" dirty="0">
+              <a:latin typeface="Calibri" panose="020F0502020204030204" pitchFamily="34" charset="0"/>
+              <a:ea typeface="Calibri" panose="020F0502020204030204" pitchFamily="34" charset="0"/>
+              <a:cs typeface="Times New Roman" panose="02020603050405020304" pitchFamily="18" charset="0"/>
+            </a:endParaRPr>
+          </a:p>
+        </p:txBody>
+      </p:sp>
+      <p:sp>
+        <p:nvSpPr>
+          <p:cNvPr id="27" name="Caixa de Texto 2">
+            <a:extLst>
+              <a:ext uri="{FF2B5EF4-FFF2-40B4-BE49-F238E27FC236}">
+                <a16:creationId xmlns:a16="http://schemas.microsoft.com/office/drawing/2014/main" id="{80BBB972-59EE-4574-B101-0E541CE4CDB0}"/>
+              </a:ext>
+            </a:extLst>
+          </p:cNvPr>
+          <p:cNvSpPr txBox="1">
+            <a:spLocks noChangeArrowheads="1"/>
+          </p:cNvSpPr>
+          <p:nvPr/>
+        </p:nvSpPr>
+        <p:spPr bwMode="auto">
+          <a:xfrm>
+            <a:off x="473426" y="3735586"/>
+            <a:ext cx="886490" cy="2292935"/>
+          </a:xfrm>
+          <a:prstGeom prst="rect">
+            <a:avLst/>
+          </a:prstGeom>
+          <a:solidFill>
+            <a:srgbClr val="FFFFFF"/>
+          </a:solidFill>
+          <a:ln w="9525">
+            <a:solidFill>
+              <a:srgbClr val="000000"/>
+            </a:solidFill>
+            <a:miter lim="800000"/>
+            <a:headEnd/>
+            <a:tailEnd/>
+          </a:ln>
+        </p:spPr>
+        <p:txBody>
+          <a:bodyPr rot="0" vert="horz" wrap="square" lIns="91440" tIns="45720" rIns="91440" bIns="45720" anchor="t" anchorCtr="0">
+            <a:spAutoFit/>
+          </a:bodyPr>
+          <a:lstStyle/>
+          <a:p>
+            <a:pPr>
+              <a:spcAft>
+                <a:spcPts val="0"/>
+              </a:spcAft>
+            </a:pPr>
+            <a:r>
+              <a:rPr lang="en-US" sz="1100" b="1" dirty="0" err="1">
+                <a:solidFill>
+                  <a:schemeClr val="tx2"/>
+                </a:solidFill>
+                <a:effectLst/>
+                <a:latin typeface="Calibri" panose="020F0502020204030204" pitchFamily="34" charset="0"/>
+                <a:ea typeface="Calibri" panose="020F0502020204030204" pitchFamily="34" charset="0"/>
+                <a:cs typeface="Times New Roman" panose="02020603050405020304" pitchFamily="18" charset="0"/>
+              </a:rPr>
+              <a:t>Lição</a:t>
+            </a:r>
+            <a:r>
+              <a:rPr lang="en-US" sz="1100" b="1" dirty="0">
+                <a:solidFill>
+                  <a:schemeClr val="tx2"/>
+                </a:solidFill>
+                <a:effectLst/>
+                <a:latin typeface="Calibri" panose="020F0502020204030204" pitchFamily="34" charset="0"/>
+                <a:ea typeface="Calibri" panose="020F0502020204030204" pitchFamily="34" charset="0"/>
+                <a:cs typeface="Times New Roman" panose="02020603050405020304" pitchFamily="18" charset="0"/>
+              </a:rPr>
+              <a:t> 07</a:t>
+            </a:r>
+          </a:p>
+          <a:p>
+            <a:pPr>
+              <a:spcAft>
+                <a:spcPts val="0"/>
+              </a:spcAft>
+            </a:pPr>
+            <a:endParaRPr lang="en-US" sz="1100" b="1" dirty="0">
+              <a:solidFill>
+                <a:schemeClr val="tx2"/>
+              </a:solidFill>
+              <a:latin typeface="Calibri" panose="020F0502020204030204" pitchFamily="34" charset="0"/>
+              <a:ea typeface="Calibri" panose="020F0502020204030204" pitchFamily="34" charset="0"/>
+              <a:cs typeface="Times New Roman" panose="02020603050405020304" pitchFamily="18" charset="0"/>
+            </a:endParaRPr>
+          </a:p>
+          <a:p>
+            <a:pPr marL="228600" indent="-228600">
+              <a:spcAft>
+                <a:spcPts val="0"/>
+              </a:spcAft>
+              <a:buFont typeface="+mj-lt"/>
+              <a:buAutoNum type="arabicPeriod"/>
+            </a:pPr>
+            <a:r>
+              <a:rPr lang="en-US" sz="1100" b="1" dirty="0">
+                <a:solidFill>
+                  <a:schemeClr val="tx2"/>
+                </a:solidFill>
+                <a:latin typeface="Calibri" panose="020F0502020204030204" pitchFamily="34" charset="0"/>
+                <a:ea typeface="Calibri" panose="020F0502020204030204" pitchFamily="34" charset="0"/>
+                <a:cs typeface="Times New Roman" panose="02020603050405020304" pitchFamily="18" charset="0"/>
+              </a:rPr>
+              <a:t>Let</a:t>
+            </a:r>
+          </a:p>
+          <a:p>
+            <a:pPr marL="228600" indent="-228600">
+              <a:spcAft>
+                <a:spcPts val="0"/>
+              </a:spcAft>
+              <a:buFont typeface="+mj-lt"/>
+              <a:buAutoNum type="arabicPeriod"/>
+            </a:pPr>
+            <a:r>
+              <a:rPr lang="en-US" sz="1100" dirty="0">
+                <a:latin typeface="Calibri" panose="020F0502020204030204" pitchFamily="34" charset="0"/>
+                <a:ea typeface="Calibri" panose="020F0502020204030204" pitchFamily="34" charset="0"/>
+                <a:cs typeface="Times New Roman" panose="02020603050405020304" pitchFamily="18" charset="0"/>
+              </a:rPr>
+              <a:t>Like</a:t>
+            </a:r>
+          </a:p>
+          <a:p>
+            <a:pPr marL="228600" indent="-228600">
+              <a:spcAft>
+                <a:spcPts val="0"/>
+              </a:spcAft>
+              <a:buFont typeface="+mj-lt"/>
+              <a:buAutoNum type="arabicPeriod"/>
+            </a:pPr>
+            <a:r>
+              <a:rPr lang="en-US" sz="1100" dirty="0">
+                <a:latin typeface="Calibri" panose="020F0502020204030204" pitchFamily="34" charset="0"/>
+                <a:ea typeface="Calibri" panose="020F0502020204030204" pitchFamily="34" charset="0"/>
+                <a:cs typeface="Times New Roman" panose="02020603050405020304" pitchFamily="18" charset="0"/>
+              </a:rPr>
+              <a:t>Look</a:t>
+            </a:r>
+          </a:p>
+          <a:p>
+            <a:pPr marL="228600" indent="-228600">
+              <a:spcAft>
+                <a:spcPts val="0"/>
+              </a:spcAft>
+              <a:buFont typeface="+mj-lt"/>
+              <a:buAutoNum type="arabicPeriod"/>
+            </a:pPr>
+            <a:r>
+              <a:rPr lang="en-US" sz="1100" dirty="0">
+                <a:latin typeface="Calibri" panose="020F0502020204030204" pitchFamily="34" charset="0"/>
+                <a:ea typeface="Calibri" panose="020F0502020204030204" pitchFamily="34" charset="0"/>
+                <a:cs typeface="Times New Roman" panose="02020603050405020304" pitchFamily="18" charset="0"/>
+              </a:rPr>
+              <a:t>Lose</a:t>
+            </a:r>
+          </a:p>
+          <a:p>
+            <a:pPr marL="228600" indent="-228600">
+              <a:spcAft>
+                <a:spcPts val="0"/>
+              </a:spcAft>
+              <a:buFont typeface="+mj-lt"/>
+              <a:buAutoNum type="arabicPeriod"/>
+            </a:pPr>
+            <a:r>
+              <a:rPr lang="en-US" sz="1100" dirty="0">
+                <a:latin typeface="Calibri" panose="020F0502020204030204" pitchFamily="34" charset="0"/>
+                <a:ea typeface="Calibri" panose="020F0502020204030204" pitchFamily="34" charset="0"/>
+                <a:cs typeface="Times New Roman" panose="02020603050405020304" pitchFamily="18" charset="0"/>
+              </a:rPr>
+              <a:t>make</a:t>
+            </a:r>
+          </a:p>
+          <a:p>
+            <a:pPr marL="228600" indent="-228600">
+              <a:spcAft>
+                <a:spcPts val="0"/>
+              </a:spcAft>
+              <a:buFont typeface="+mj-lt"/>
+              <a:buAutoNum type="arabicPeriod"/>
+            </a:pPr>
+            <a:r>
+              <a:rPr lang="en-US" sz="1100" dirty="0">
+                <a:latin typeface="Calibri" panose="020F0502020204030204" pitchFamily="34" charset="0"/>
+                <a:ea typeface="Calibri" panose="020F0502020204030204" pitchFamily="34" charset="0"/>
+                <a:cs typeface="Times New Roman" panose="02020603050405020304" pitchFamily="18" charset="0"/>
+              </a:rPr>
+              <a:t>Mean</a:t>
+            </a:r>
+          </a:p>
+          <a:p>
+            <a:pPr marL="228600" indent="-228600">
+              <a:spcAft>
+                <a:spcPts val="0"/>
+              </a:spcAft>
+              <a:buFont typeface="+mj-lt"/>
+              <a:buAutoNum type="arabicPeriod"/>
+            </a:pPr>
+            <a:r>
+              <a:rPr lang="en-US" sz="1100" dirty="0">
+                <a:latin typeface="Calibri" panose="020F0502020204030204" pitchFamily="34" charset="0"/>
+                <a:ea typeface="Calibri" panose="020F0502020204030204" pitchFamily="34" charset="0"/>
+                <a:cs typeface="Times New Roman" panose="02020603050405020304" pitchFamily="18" charset="0"/>
+              </a:rPr>
+              <a:t>Meet</a:t>
+            </a:r>
+          </a:p>
+          <a:p>
+            <a:pPr marL="228600" indent="-228600">
+              <a:spcAft>
+                <a:spcPts val="0"/>
+              </a:spcAft>
+              <a:buFont typeface="+mj-lt"/>
+              <a:buAutoNum type="arabicPeriod"/>
+            </a:pPr>
+            <a:r>
+              <a:rPr lang="en-US" sz="1100" dirty="0">
+                <a:latin typeface="Calibri" panose="020F0502020204030204" pitchFamily="34" charset="0"/>
+                <a:ea typeface="Calibri" panose="020F0502020204030204" pitchFamily="34" charset="0"/>
+                <a:cs typeface="Times New Roman" panose="02020603050405020304" pitchFamily="18" charset="0"/>
+              </a:rPr>
+              <a:t>Move</a:t>
+            </a:r>
+          </a:p>
+          <a:p>
+            <a:pPr marL="228600" indent="-228600">
+              <a:spcAft>
+                <a:spcPts val="0"/>
+              </a:spcAft>
+              <a:buFont typeface="+mj-lt"/>
+              <a:buAutoNum type="arabicPeriod"/>
+            </a:pPr>
+            <a:r>
+              <a:rPr lang="en-US" sz="1100" dirty="0">
+                <a:latin typeface="Calibri" panose="020F0502020204030204" pitchFamily="34" charset="0"/>
+                <a:ea typeface="Calibri" panose="020F0502020204030204" pitchFamily="34" charset="0"/>
+                <a:cs typeface="Times New Roman" panose="02020603050405020304" pitchFamily="18" charset="0"/>
+              </a:rPr>
+              <a:t>May</a:t>
+            </a:r>
+          </a:p>
+          <a:p>
+            <a:pPr marL="228600" indent="-228600">
+              <a:spcAft>
+                <a:spcPts val="0"/>
+              </a:spcAft>
+              <a:buFont typeface="+mj-lt"/>
+              <a:buAutoNum type="arabicPeriod"/>
+            </a:pPr>
+            <a:r>
+              <a:rPr lang="en-US" sz="1100" dirty="0">
+                <a:latin typeface="Calibri" panose="020F0502020204030204" pitchFamily="34" charset="0"/>
+                <a:ea typeface="Calibri" panose="020F0502020204030204" pitchFamily="34" charset="0"/>
+                <a:cs typeface="Times New Roman" panose="02020603050405020304" pitchFamily="18" charset="0"/>
+              </a:rPr>
+              <a:t>Might</a:t>
+            </a:r>
+          </a:p>
+          <a:p>
+            <a:pPr marL="228600" indent="-228600">
+              <a:spcAft>
+                <a:spcPts val="0"/>
+              </a:spcAft>
+              <a:buFont typeface="+mj-lt"/>
+              <a:buAutoNum type="arabicPeriod"/>
+            </a:pPr>
+            <a:r>
+              <a:rPr lang="en-US" sz="1100" dirty="0">
+                <a:latin typeface="Calibri" panose="020F0502020204030204" pitchFamily="34" charset="0"/>
+                <a:ea typeface="Calibri" panose="020F0502020204030204" pitchFamily="34" charset="0"/>
+                <a:cs typeface="Times New Roman" panose="02020603050405020304" pitchFamily="18" charset="0"/>
+              </a:rPr>
+              <a:t>Stay</a:t>
+            </a:r>
+          </a:p>
+        </p:txBody>
+      </p:sp>
+      <p:sp>
+        <p:nvSpPr>
+          <p:cNvPr id="28" name="Caixa de Texto 2">
+            <a:extLst>
+              <a:ext uri="{FF2B5EF4-FFF2-40B4-BE49-F238E27FC236}">
+                <a16:creationId xmlns:a16="http://schemas.microsoft.com/office/drawing/2014/main" id="{FB10287C-9477-4331-AA8F-C5CEE924A0EB}"/>
+              </a:ext>
+            </a:extLst>
+          </p:cNvPr>
+          <p:cNvSpPr txBox="1">
+            <a:spLocks noChangeArrowheads="1"/>
+          </p:cNvSpPr>
+          <p:nvPr/>
+        </p:nvSpPr>
+        <p:spPr bwMode="auto">
+          <a:xfrm>
+            <a:off x="8204871" y="3735586"/>
+            <a:ext cx="1521197" cy="2631490"/>
+          </a:xfrm>
+          <a:prstGeom prst="rect">
+            <a:avLst/>
+          </a:prstGeom>
+          <a:solidFill>
+            <a:srgbClr val="FFFFFF"/>
+          </a:solidFill>
+          <a:ln w="9525">
+            <a:solidFill>
+              <a:srgbClr val="000000"/>
+            </a:solidFill>
+            <a:miter lim="800000"/>
+            <a:headEnd/>
+            <a:tailEnd/>
+          </a:ln>
+        </p:spPr>
+        <p:txBody>
+          <a:bodyPr rot="0" vert="horz" wrap="square" lIns="91440" tIns="45720" rIns="91440" bIns="45720" anchor="t" anchorCtr="0">
+            <a:spAutoFit/>
+          </a:bodyPr>
+          <a:lstStyle/>
+          <a:p>
+            <a:pPr>
+              <a:spcAft>
+                <a:spcPts val="0"/>
+              </a:spcAft>
+            </a:pPr>
+            <a:r>
+              <a:rPr lang="en-US" sz="1100" b="1" dirty="0" err="1">
+                <a:solidFill>
+                  <a:schemeClr val="tx2"/>
+                </a:solidFill>
+                <a:effectLst/>
+                <a:latin typeface="Calibri" panose="020F0502020204030204" pitchFamily="34" charset="0"/>
+                <a:ea typeface="Calibri" panose="020F0502020204030204" pitchFamily="34" charset="0"/>
+                <a:cs typeface="Times New Roman" panose="02020603050405020304" pitchFamily="18" charset="0"/>
+              </a:rPr>
+              <a:t>Lição</a:t>
+            </a:r>
+            <a:r>
+              <a:rPr lang="en-US" sz="1100" b="1" dirty="0">
+                <a:solidFill>
+                  <a:schemeClr val="tx2"/>
+                </a:solidFill>
+                <a:effectLst/>
+                <a:latin typeface="Calibri" panose="020F0502020204030204" pitchFamily="34" charset="0"/>
+                <a:ea typeface="Calibri" panose="020F0502020204030204" pitchFamily="34" charset="0"/>
+                <a:cs typeface="Times New Roman" panose="02020603050405020304" pitchFamily="18" charset="0"/>
+              </a:rPr>
+              <a:t> </a:t>
+            </a:r>
+            <a:r>
+              <a:rPr lang="en-US" sz="1100" b="1" dirty="0">
+                <a:solidFill>
+                  <a:schemeClr val="tx2"/>
+                </a:solidFill>
+                <a:latin typeface="Calibri" panose="020F0502020204030204" pitchFamily="34" charset="0"/>
+                <a:ea typeface="Calibri" panose="020F0502020204030204" pitchFamily="34" charset="0"/>
+                <a:cs typeface="Times New Roman" panose="02020603050405020304" pitchFamily="18" charset="0"/>
+              </a:rPr>
+              <a:t>12</a:t>
+            </a:r>
+            <a:endParaRPr lang="en-US" sz="1100" b="1" dirty="0">
+              <a:solidFill>
+                <a:schemeClr val="tx2"/>
+              </a:solidFill>
+              <a:effectLst/>
+              <a:latin typeface="Calibri" panose="020F0502020204030204" pitchFamily="34" charset="0"/>
+              <a:ea typeface="Calibri" panose="020F0502020204030204" pitchFamily="34" charset="0"/>
+              <a:cs typeface="Times New Roman" panose="02020603050405020304" pitchFamily="18" charset="0"/>
+            </a:endParaRPr>
+          </a:p>
+          <a:p>
+            <a:pPr>
+              <a:spcAft>
+                <a:spcPts val="0"/>
+              </a:spcAft>
+            </a:pPr>
+            <a:endParaRPr lang="en-US" sz="1100" dirty="0">
+              <a:latin typeface="Calibri" panose="020F0502020204030204" pitchFamily="34" charset="0"/>
+              <a:ea typeface="Calibri" panose="020F0502020204030204" pitchFamily="34" charset="0"/>
+              <a:cs typeface="Times New Roman" panose="02020603050405020304" pitchFamily="18" charset="0"/>
+            </a:endParaRPr>
+          </a:p>
+          <a:p>
+            <a:pPr marL="228600" indent="-228600">
+              <a:spcAft>
+                <a:spcPts val="0"/>
+              </a:spcAft>
+              <a:buFont typeface="+mj-lt"/>
+              <a:buAutoNum type="arabicPeriod"/>
+            </a:pPr>
+            <a:r>
+              <a:rPr lang="en-US" sz="1100" dirty="0">
+                <a:latin typeface="Calibri" panose="020F0502020204030204" pitchFamily="34" charset="0"/>
+                <a:ea typeface="Calibri" panose="020F0502020204030204" pitchFamily="34" charset="0"/>
+                <a:cs typeface="Times New Roman" panose="02020603050405020304" pitchFamily="18" charset="0"/>
+              </a:rPr>
+              <a:t>Take</a:t>
+            </a:r>
+          </a:p>
+          <a:p>
+            <a:pPr marL="228600" indent="-228600">
+              <a:spcAft>
+                <a:spcPts val="0"/>
+              </a:spcAft>
+              <a:buFont typeface="+mj-lt"/>
+              <a:buAutoNum type="arabicPeriod"/>
+            </a:pPr>
+            <a:r>
+              <a:rPr lang="en-US" sz="1100" dirty="0">
+                <a:latin typeface="Calibri" panose="020F0502020204030204" pitchFamily="34" charset="0"/>
+                <a:ea typeface="Calibri" panose="020F0502020204030204" pitchFamily="34" charset="0"/>
+                <a:cs typeface="Times New Roman" panose="02020603050405020304" pitchFamily="18" charset="0"/>
+              </a:rPr>
+              <a:t>Talk</a:t>
+            </a:r>
+          </a:p>
+          <a:p>
+            <a:pPr marL="228600" indent="-228600">
+              <a:spcAft>
+                <a:spcPts val="0"/>
+              </a:spcAft>
+              <a:buFont typeface="+mj-lt"/>
+              <a:buAutoNum type="arabicPeriod"/>
+            </a:pPr>
+            <a:r>
+              <a:rPr lang="en-US" sz="1100" dirty="0">
+                <a:latin typeface="Calibri" panose="020F0502020204030204" pitchFamily="34" charset="0"/>
+                <a:ea typeface="Calibri" panose="020F0502020204030204" pitchFamily="34" charset="0"/>
+                <a:cs typeface="Times New Roman" panose="02020603050405020304" pitchFamily="18" charset="0"/>
+              </a:rPr>
+              <a:t>Tell</a:t>
+            </a:r>
+          </a:p>
+          <a:p>
+            <a:pPr marL="228600" indent="-228600">
+              <a:spcAft>
+                <a:spcPts val="0"/>
+              </a:spcAft>
+              <a:buFont typeface="+mj-lt"/>
+              <a:buAutoNum type="arabicPeriod"/>
+            </a:pPr>
+            <a:r>
+              <a:rPr lang="en-US" sz="1100" dirty="0">
+                <a:latin typeface="Calibri" panose="020F0502020204030204" pitchFamily="34" charset="0"/>
+                <a:ea typeface="Calibri" panose="020F0502020204030204" pitchFamily="34" charset="0"/>
+                <a:cs typeface="Times New Roman" panose="02020603050405020304" pitchFamily="18" charset="0"/>
+              </a:rPr>
+              <a:t>Try</a:t>
+            </a:r>
+          </a:p>
+          <a:p>
+            <a:pPr marL="228600" indent="-228600">
+              <a:spcAft>
+                <a:spcPts val="0"/>
+              </a:spcAft>
+              <a:buFont typeface="+mj-lt"/>
+              <a:buAutoNum type="arabicPeriod"/>
+            </a:pPr>
+            <a:r>
+              <a:rPr lang="en-US" sz="1100" dirty="0">
+                <a:latin typeface="Calibri" panose="020F0502020204030204" pitchFamily="34" charset="0"/>
+                <a:ea typeface="Calibri" panose="020F0502020204030204" pitchFamily="34" charset="0"/>
+                <a:cs typeface="Times New Roman" panose="02020603050405020304" pitchFamily="18" charset="0"/>
+              </a:rPr>
+              <a:t>Turn</a:t>
+            </a:r>
+          </a:p>
+          <a:p>
+            <a:pPr marL="228600" indent="-228600">
+              <a:spcAft>
+                <a:spcPts val="0"/>
+              </a:spcAft>
+              <a:buFont typeface="+mj-lt"/>
+              <a:buAutoNum type="arabicPeriod"/>
+            </a:pPr>
+            <a:r>
+              <a:rPr lang="en-US" sz="1100" dirty="0">
+                <a:latin typeface="Calibri" panose="020F0502020204030204" pitchFamily="34" charset="0"/>
+                <a:ea typeface="Calibri" panose="020F0502020204030204" pitchFamily="34" charset="0"/>
+                <a:cs typeface="Times New Roman" panose="02020603050405020304" pitchFamily="18" charset="0"/>
+              </a:rPr>
+              <a:t>Understand</a:t>
+            </a:r>
+          </a:p>
+          <a:p>
+            <a:pPr marL="228600" indent="-228600">
+              <a:spcAft>
+                <a:spcPts val="0"/>
+              </a:spcAft>
+              <a:buFont typeface="+mj-lt"/>
+              <a:buAutoNum type="arabicPeriod"/>
+            </a:pPr>
+            <a:r>
+              <a:rPr lang="en-US" sz="1100" dirty="0">
+                <a:latin typeface="Calibri" panose="020F0502020204030204" pitchFamily="34" charset="0"/>
+                <a:ea typeface="Calibri" panose="020F0502020204030204" pitchFamily="34" charset="0"/>
+                <a:cs typeface="Times New Roman" panose="02020603050405020304" pitchFamily="18" charset="0"/>
+              </a:rPr>
+              <a:t>Wait</a:t>
+            </a:r>
+          </a:p>
+          <a:p>
+            <a:pPr marL="228600" indent="-228600">
+              <a:spcAft>
+                <a:spcPts val="0"/>
+              </a:spcAft>
+              <a:buFont typeface="+mj-lt"/>
+              <a:buAutoNum type="arabicPeriod"/>
+            </a:pPr>
+            <a:r>
+              <a:rPr lang="en-US" sz="1100" dirty="0">
+                <a:latin typeface="Calibri" panose="020F0502020204030204" pitchFamily="34" charset="0"/>
+                <a:ea typeface="Calibri" panose="020F0502020204030204" pitchFamily="34" charset="0"/>
+                <a:cs typeface="Times New Roman" panose="02020603050405020304" pitchFamily="18" charset="0"/>
+              </a:rPr>
+              <a:t>Walk</a:t>
+            </a:r>
+          </a:p>
+          <a:p>
+            <a:pPr marL="228600" indent="-228600">
+              <a:spcAft>
+                <a:spcPts val="0"/>
+              </a:spcAft>
+              <a:buFont typeface="+mj-lt"/>
+              <a:buAutoNum type="arabicPeriod"/>
+            </a:pPr>
+            <a:r>
+              <a:rPr lang="en-US" sz="1100" dirty="0">
+                <a:latin typeface="Calibri" panose="020F0502020204030204" pitchFamily="34" charset="0"/>
+                <a:ea typeface="Calibri" panose="020F0502020204030204" pitchFamily="34" charset="0"/>
+                <a:cs typeface="Times New Roman" panose="02020603050405020304" pitchFamily="18" charset="0"/>
+              </a:rPr>
+              <a:t>Want</a:t>
+            </a:r>
+          </a:p>
+          <a:p>
+            <a:pPr marL="228600" indent="-228600">
+              <a:spcAft>
+                <a:spcPts val="0"/>
+              </a:spcAft>
+              <a:buFont typeface="+mj-lt"/>
+              <a:buAutoNum type="arabicPeriod"/>
+            </a:pPr>
+            <a:r>
+              <a:rPr lang="en-US" sz="1100" dirty="0">
+                <a:latin typeface="Calibri" panose="020F0502020204030204" pitchFamily="34" charset="0"/>
+                <a:ea typeface="Calibri" panose="020F0502020204030204" pitchFamily="34" charset="0"/>
+                <a:cs typeface="Times New Roman" panose="02020603050405020304" pitchFamily="18" charset="0"/>
+              </a:rPr>
+              <a:t>Watch</a:t>
+            </a:r>
+          </a:p>
+          <a:p>
+            <a:pPr marL="228600" indent="-228600">
+              <a:spcAft>
+                <a:spcPts val="0"/>
+              </a:spcAft>
+              <a:buFont typeface="+mj-lt"/>
+              <a:buAutoNum type="arabicPeriod"/>
+            </a:pPr>
+            <a:r>
+              <a:rPr lang="en-US" sz="1100" dirty="0">
+                <a:latin typeface="Calibri" panose="020F0502020204030204" pitchFamily="34" charset="0"/>
+                <a:ea typeface="Calibri" panose="020F0502020204030204" pitchFamily="34" charset="0"/>
+                <a:cs typeface="Times New Roman" panose="02020603050405020304" pitchFamily="18" charset="0"/>
+              </a:rPr>
+              <a:t>Will</a:t>
+            </a:r>
+          </a:p>
+          <a:p>
+            <a:pPr marL="228600" indent="-228600">
+              <a:spcAft>
+                <a:spcPts val="0"/>
+              </a:spcAft>
+              <a:buFont typeface="+mj-lt"/>
+              <a:buAutoNum type="arabicPeriod"/>
+            </a:pPr>
+            <a:r>
+              <a:rPr lang="en-US" sz="1100" dirty="0">
+                <a:latin typeface="Calibri" panose="020F0502020204030204" pitchFamily="34" charset="0"/>
+                <a:ea typeface="Calibri" panose="020F0502020204030204" pitchFamily="34" charset="0"/>
+                <a:cs typeface="Times New Roman" panose="02020603050405020304" pitchFamily="18" charset="0"/>
+              </a:rPr>
+              <a:t>Win</a:t>
+            </a:r>
+          </a:p>
+          <a:p>
+            <a:pPr marL="228600" indent="-228600">
+              <a:spcAft>
+                <a:spcPts val="0"/>
+              </a:spcAft>
+              <a:buFont typeface="+mj-lt"/>
+              <a:buAutoNum type="arabicPeriod"/>
+            </a:pPr>
+            <a:r>
+              <a:rPr lang="en-US" sz="1100" dirty="0">
+                <a:latin typeface="Calibri" panose="020F0502020204030204" pitchFamily="34" charset="0"/>
+                <a:ea typeface="Calibri" panose="020F0502020204030204" pitchFamily="34" charset="0"/>
+                <a:cs typeface="Times New Roman" panose="02020603050405020304" pitchFamily="18" charset="0"/>
+              </a:rPr>
+              <a:t>Would</a:t>
+            </a:r>
+          </a:p>
+        </p:txBody>
+      </p:sp>
+      <p:sp>
+        <p:nvSpPr>
+          <p:cNvPr id="3" name="CaixaDeTexto 2">
+            <a:extLst>
+              <a:ext uri="{FF2B5EF4-FFF2-40B4-BE49-F238E27FC236}">
+                <a16:creationId xmlns:a16="http://schemas.microsoft.com/office/drawing/2014/main" id="{C9F76AA8-E809-4A1B-86C5-640F0CFA9430}"/>
+              </a:ext>
+            </a:extLst>
+          </p:cNvPr>
+          <p:cNvSpPr txBox="1"/>
+          <p:nvPr/>
+        </p:nvSpPr>
+        <p:spPr>
+          <a:xfrm>
+            <a:off x="1981455" y="3735586"/>
+            <a:ext cx="1269386" cy="3416320"/>
+          </a:xfrm>
+          <a:prstGeom prst="rect">
+            <a:avLst/>
+          </a:prstGeom>
+          <a:noFill/>
+        </p:spPr>
+        <p:txBody>
+          <a:bodyPr wrap="none" rtlCol="0">
+            <a:spAutoFit/>
+          </a:bodyPr>
+          <a:lstStyle/>
+          <a:p>
+            <a:pPr>
+              <a:spcAft>
+                <a:spcPts val="0"/>
+              </a:spcAft>
+            </a:pPr>
+            <a:r>
+              <a:rPr lang="en-US" sz="1800" b="1" dirty="0" err="1">
+                <a:solidFill>
+                  <a:schemeClr val="tx2"/>
+                </a:solidFill>
+                <a:effectLst/>
+                <a:latin typeface="Calibri" panose="020F0502020204030204" pitchFamily="34" charset="0"/>
+                <a:ea typeface="Calibri" panose="020F0502020204030204" pitchFamily="34" charset="0"/>
+                <a:cs typeface="Times New Roman" panose="02020603050405020304" pitchFamily="18" charset="0"/>
+              </a:rPr>
+              <a:t>Lição</a:t>
+            </a:r>
+            <a:r>
+              <a:rPr lang="en-US" sz="1800" b="1" dirty="0">
+                <a:solidFill>
+                  <a:schemeClr val="tx2"/>
+                </a:solidFill>
+                <a:effectLst/>
+                <a:latin typeface="Calibri" panose="020F0502020204030204" pitchFamily="34" charset="0"/>
+                <a:ea typeface="Calibri" panose="020F0502020204030204" pitchFamily="34" charset="0"/>
+                <a:cs typeface="Times New Roman" panose="02020603050405020304" pitchFamily="18" charset="0"/>
+              </a:rPr>
+              <a:t> 08</a:t>
+            </a:r>
+            <a:endParaRPr lang="en-US" sz="1800" dirty="0">
+              <a:latin typeface="Calibri" panose="020F0502020204030204" pitchFamily="34" charset="0"/>
+              <a:ea typeface="Calibri" panose="020F0502020204030204" pitchFamily="34" charset="0"/>
+              <a:cs typeface="Times New Roman" panose="02020603050405020304" pitchFamily="18" charset="0"/>
+            </a:endParaRPr>
+          </a:p>
+          <a:p>
+            <a:pPr marL="228600" indent="-228600">
+              <a:spcAft>
+                <a:spcPts val="0"/>
+              </a:spcAft>
+              <a:buFont typeface="+mj-lt"/>
+              <a:buAutoNum type="arabicPeriod"/>
+            </a:pPr>
+            <a:r>
+              <a:rPr lang="en-US" sz="1800" dirty="0">
+                <a:latin typeface="Calibri" panose="020F0502020204030204" pitchFamily="34" charset="0"/>
+                <a:ea typeface="Calibri" panose="020F0502020204030204" pitchFamily="34" charset="0"/>
+                <a:cs typeface="Times New Roman" panose="02020603050405020304" pitchFamily="18" charset="0"/>
+              </a:rPr>
+              <a:t>Call</a:t>
+            </a:r>
+          </a:p>
+          <a:p>
+            <a:pPr marL="228600" indent="-228600">
+              <a:spcAft>
+                <a:spcPts val="0"/>
+              </a:spcAft>
+              <a:buFont typeface="+mj-lt"/>
+              <a:buAutoNum type="arabicPeriod"/>
+            </a:pPr>
+            <a:r>
+              <a:rPr lang="en-US" sz="1800" dirty="0">
+                <a:latin typeface="Calibri" panose="020F0502020204030204" pitchFamily="34" charset="0"/>
+                <a:ea typeface="Calibri" panose="020F0502020204030204" pitchFamily="34" charset="0"/>
+                <a:cs typeface="Times New Roman" panose="02020603050405020304" pitchFamily="18" charset="0"/>
+              </a:rPr>
+              <a:t>Can</a:t>
+            </a:r>
+          </a:p>
+          <a:p>
+            <a:pPr marL="228600" indent="-228600">
+              <a:spcAft>
+                <a:spcPts val="0"/>
+              </a:spcAft>
+              <a:buFont typeface="+mj-lt"/>
+              <a:buAutoNum type="arabicPeriod"/>
+            </a:pPr>
+            <a:r>
+              <a:rPr lang="en-US" sz="1800" dirty="0">
+                <a:latin typeface="Calibri" panose="020F0502020204030204" pitchFamily="34" charset="0"/>
+                <a:ea typeface="Calibri" panose="020F0502020204030204" pitchFamily="34" charset="0"/>
+                <a:cs typeface="Times New Roman" panose="02020603050405020304" pitchFamily="18" charset="0"/>
+              </a:rPr>
+              <a:t>Change </a:t>
+            </a:r>
+          </a:p>
+          <a:p>
+            <a:pPr marL="228600" indent="-228600">
+              <a:spcAft>
+                <a:spcPts val="0"/>
+              </a:spcAft>
+              <a:buFont typeface="+mj-lt"/>
+              <a:buAutoNum type="arabicPeriod"/>
+            </a:pPr>
+            <a:r>
+              <a:rPr lang="en-US" sz="1800" dirty="0">
+                <a:latin typeface="Calibri" panose="020F0502020204030204" pitchFamily="34" charset="0"/>
+                <a:ea typeface="Calibri" panose="020F0502020204030204" pitchFamily="34" charset="0"/>
+                <a:cs typeface="Times New Roman" panose="02020603050405020304" pitchFamily="18" charset="0"/>
+              </a:rPr>
+              <a:t>Consider</a:t>
+            </a:r>
+          </a:p>
+          <a:p>
+            <a:pPr marL="228600" indent="-228600">
+              <a:spcAft>
+                <a:spcPts val="0"/>
+              </a:spcAft>
+              <a:buFont typeface="+mj-lt"/>
+              <a:buAutoNum type="arabicPeriod"/>
+            </a:pPr>
+            <a:r>
+              <a:rPr lang="en-US" sz="1800" dirty="0">
+                <a:latin typeface="Calibri" panose="020F0502020204030204" pitchFamily="34" charset="0"/>
+                <a:ea typeface="Calibri" panose="020F0502020204030204" pitchFamily="34" charset="0"/>
+                <a:cs typeface="Times New Roman" panose="02020603050405020304" pitchFamily="18" charset="0"/>
+              </a:rPr>
+              <a:t>Continue</a:t>
+            </a:r>
+          </a:p>
+          <a:p>
+            <a:pPr marL="228600" indent="-228600">
+              <a:spcAft>
+                <a:spcPts val="0"/>
+              </a:spcAft>
+              <a:buFont typeface="+mj-lt"/>
+              <a:buAutoNum type="arabicPeriod"/>
+            </a:pPr>
+            <a:r>
+              <a:rPr lang="en-US" sz="1800" dirty="0">
+                <a:latin typeface="Calibri" panose="020F0502020204030204" pitchFamily="34" charset="0"/>
+                <a:ea typeface="Calibri" panose="020F0502020204030204" pitchFamily="34" charset="0"/>
+                <a:cs typeface="Times New Roman" panose="02020603050405020304" pitchFamily="18" charset="0"/>
+              </a:rPr>
+              <a:t>Could</a:t>
+            </a:r>
+          </a:p>
+          <a:p>
+            <a:pPr marL="228600" indent="-228600">
+              <a:spcAft>
+                <a:spcPts val="0"/>
+              </a:spcAft>
+              <a:buFont typeface="+mj-lt"/>
+              <a:buAutoNum type="arabicPeriod"/>
+            </a:pPr>
+            <a:r>
+              <a:rPr lang="en-US" sz="1800" dirty="0">
+                <a:latin typeface="Calibri" panose="020F0502020204030204" pitchFamily="34" charset="0"/>
+                <a:ea typeface="Calibri" panose="020F0502020204030204" pitchFamily="34" charset="0"/>
+                <a:cs typeface="Times New Roman" panose="02020603050405020304" pitchFamily="18" charset="0"/>
+              </a:rPr>
+              <a:t>Come</a:t>
+            </a:r>
+          </a:p>
+          <a:p>
+            <a:pPr marL="228600" indent="-228600">
+              <a:spcAft>
+                <a:spcPts val="0"/>
+              </a:spcAft>
+              <a:buFont typeface="+mj-lt"/>
+              <a:buAutoNum type="arabicPeriod"/>
+            </a:pPr>
+            <a:r>
+              <a:rPr lang="en-US" sz="1800" dirty="0">
+                <a:latin typeface="Calibri" panose="020F0502020204030204" pitchFamily="34" charset="0"/>
+                <a:ea typeface="Calibri" panose="020F0502020204030204" pitchFamily="34" charset="0"/>
+                <a:cs typeface="Times New Roman" panose="02020603050405020304" pitchFamily="18" charset="0"/>
+              </a:rPr>
+              <a:t>Create </a:t>
+            </a:r>
+          </a:p>
+          <a:p>
+            <a:pPr marL="228600" indent="-228600">
+              <a:spcAft>
+                <a:spcPts val="0"/>
+              </a:spcAft>
+              <a:buFont typeface="+mj-lt"/>
+              <a:buAutoNum type="arabicPeriod"/>
+            </a:pPr>
+            <a:r>
+              <a:rPr lang="en-US" sz="1800" dirty="0">
+                <a:latin typeface="Calibri" panose="020F0502020204030204" pitchFamily="34" charset="0"/>
+                <a:ea typeface="Calibri" panose="020F0502020204030204" pitchFamily="34" charset="0"/>
+                <a:cs typeface="Times New Roman" panose="02020603050405020304" pitchFamily="18" charset="0"/>
+              </a:rPr>
+              <a:t>Cut</a:t>
+            </a:r>
+          </a:p>
+          <a:p>
+            <a:pPr marL="228600" indent="-228600">
+              <a:spcAft>
+                <a:spcPts val="0"/>
+              </a:spcAft>
+              <a:buFont typeface="+mj-lt"/>
+              <a:buAutoNum type="arabicPeriod"/>
+            </a:pPr>
+            <a:r>
+              <a:rPr lang="en-US" sz="1800" dirty="0">
+                <a:latin typeface="Calibri" panose="020F0502020204030204" pitchFamily="34" charset="0"/>
+                <a:ea typeface="Calibri" panose="020F0502020204030204" pitchFamily="34" charset="0"/>
+                <a:cs typeface="Times New Roman" panose="02020603050405020304" pitchFamily="18" charset="0"/>
+              </a:rPr>
+              <a:t>Die</a:t>
+            </a:r>
+          </a:p>
+          <a:p>
+            <a:endParaRPr lang="pt-BR" dirty="0"/>
+          </a:p>
+        </p:txBody>
+      </p:sp>
+      <p:sp>
+        <p:nvSpPr>
+          <p:cNvPr id="29" name="CaixaDeTexto 28">
+            <a:extLst>
+              <a:ext uri="{FF2B5EF4-FFF2-40B4-BE49-F238E27FC236}">
+                <a16:creationId xmlns:a16="http://schemas.microsoft.com/office/drawing/2014/main" id="{03BCBBC2-F019-4A0A-9D24-7A93C7FD658B}"/>
+              </a:ext>
+            </a:extLst>
+          </p:cNvPr>
+          <p:cNvSpPr txBox="1"/>
+          <p:nvPr/>
+        </p:nvSpPr>
+        <p:spPr>
+          <a:xfrm>
+            <a:off x="3554093" y="3804682"/>
+            <a:ext cx="1575505" cy="3139321"/>
+          </a:xfrm>
+          <a:prstGeom prst="rect">
+            <a:avLst/>
+          </a:prstGeom>
+          <a:noFill/>
+        </p:spPr>
+        <p:txBody>
+          <a:bodyPr wrap="square">
+            <a:spAutoFit/>
+          </a:bodyPr>
+          <a:lstStyle/>
+          <a:p>
+            <a:pPr>
+              <a:spcAft>
+                <a:spcPts val="0"/>
+              </a:spcAft>
+            </a:pPr>
+            <a:r>
+              <a:rPr lang="en-US" sz="1800" b="1" dirty="0" err="1">
+                <a:solidFill>
+                  <a:schemeClr val="tx2"/>
+                </a:solidFill>
+                <a:effectLst/>
+                <a:latin typeface="Calibri" panose="020F0502020204030204" pitchFamily="34" charset="0"/>
+                <a:ea typeface="Calibri" panose="020F0502020204030204" pitchFamily="34" charset="0"/>
+                <a:cs typeface="Times New Roman" panose="02020603050405020304" pitchFamily="18" charset="0"/>
+              </a:rPr>
+              <a:t>Lição</a:t>
+            </a:r>
+            <a:r>
+              <a:rPr lang="en-US" sz="1800" b="1" dirty="0">
+                <a:solidFill>
+                  <a:schemeClr val="tx2"/>
+                </a:solidFill>
+                <a:effectLst/>
+                <a:latin typeface="Calibri" panose="020F0502020204030204" pitchFamily="34" charset="0"/>
+                <a:ea typeface="Calibri" panose="020F0502020204030204" pitchFamily="34" charset="0"/>
+                <a:cs typeface="Times New Roman" panose="02020603050405020304" pitchFamily="18" charset="0"/>
+              </a:rPr>
+              <a:t> 09</a:t>
+            </a:r>
+            <a:endParaRPr lang="en-US" sz="1800" dirty="0">
+              <a:latin typeface="Calibri" panose="020F0502020204030204" pitchFamily="34" charset="0"/>
+              <a:ea typeface="Calibri" panose="020F0502020204030204" pitchFamily="34" charset="0"/>
+              <a:cs typeface="Times New Roman" panose="02020603050405020304" pitchFamily="18" charset="0"/>
+            </a:endParaRPr>
+          </a:p>
+          <a:p>
+            <a:pPr marL="228600" indent="-228600">
+              <a:spcAft>
+                <a:spcPts val="0"/>
+              </a:spcAft>
+              <a:buFont typeface="+mj-lt"/>
+              <a:buAutoNum type="arabicPeriod"/>
+            </a:pPr>
+            <a:r>
+              <a:rPr lang="en-US" sz="1800" dirty="0">
+                <a:latin typeface="Calibri" panose="020F0502020204030204" pitchFamily="34" charset="0"/>
+                <a:ea typeface="Calibri" panose="020F0502020204030204" pitchFamily="34" charset="0"/>
+                <a:cs typeface="Times New Roman" panose="02020603050405020304" pitchFamily="18" charset="0"/>
+              </a:rPr>
+              <a:t>Expect</a:t>
+            </a:r>
+          </a:p>
+          <a:p>
+            <a:pPr marL="228600" indent="-228600">
+              <a:spcAft>
+                <a:spcPts val="0"/>
+              </a:spcAft>
+              <a:buFont typeface="+mj-lt"/>
+              <a:buAutoNum type="arabicPeriod"/>
+            </a:pPr>
+            <a:r>
+              <a:rPr lang="en-US" sz="1800" dirty="0">
+                <a:latin typeface="Calibri" panose="020F0502020204030204" pitchFamily="34" charset="0"/>
+                <a:ea typeface="Calibri" panose="020F0502020204030204" pitchFamily="34" charset="0"/>
+                <a:cs typeface="Times New Roman" panose="02020603050405020304" pitchFamily="18" charset="0"/>
+              </a:rPr>
+              <a:t>Fall</a:t>
+            </a:r>
+          </a:p>
+          <a:p>
+            <a:pPr marL="228600" indent="-228600">
+              <a:spcAft>
+                <a:spcPts val="0"/>
+              </a:spcAft>
+              <a:buFont typeface="+mj-lt"/>
+              <a:buAutoNum type="arabicPeriod"/>
+            </a:pPr>
+            <a:r>
+              <a:rPr lang="en-US" sz="1800" dirty="0">
+                <a:latin typeface="Calibri" panose="020F0502020204030204" pitchFamily="34" charset="0"/>
+                <a:ea typeface="Calibri" panose="020F0502020204030204" pitchFamily="34" charset="0"/>
+                <a:cs typeface="Times New Roman" panose="02020603050405020304" pitchFamily="18" charset="0"/>
+              </a:rPr>
+              <a:t>Feel</a:t>
+            </a:r>
+          </a:p>
+          <a:p>
+            <a:pPr marL="228600" indent="-228600">
+              <a:spcAft>
+                <a:spcPts val="0"/>
+              </a:spcAft>
+              <a:buFont typeface="+mj-lt"/>
+              <a:buAutoNum type="arabicPeriod"/>
+            </a:pPr>
+            <a:r>
+              <a:rPr lang="en-US" sz="1800" dirty="0">
+                <a:latin typeface="Calibri" panose="020F0502020204030204" pitchFamily="34" charset="0"/>
+                <a:ea typeface="Calibri" panose="020F0502020204030204" pitchFamily="34" charset="0"/>
+                <a:cs typeface="Times New Roman" panose="02020603050405020304" pitchFamily="18" charset="0"/>
+              </a:rPr>
+              <a:t>Find</a:t>
+            </a:r>
+          </a:p>
+          <a:p>
+            <a:pPr marL="228600" indent="-228600">
+              <a:spcAft>
+                <a:spcPts val="0"/>
+              </a:spcAft>
+              <a:buFont typeface="+mj-lt"/>
+              <a:buAutoNum type="arabicPeriod"/>
+            </a:pPr>
+            <a:r>
+              <a:rPr lang="en-US" sz="1800" dirty="0">
+                <a:latin typeface="Calibri" panose="020F0502020204030204" pitchFamily="34" charset="0"/>
+                <a:ea typeface="Calibri" panose="020F0502020204030204" pitchFamily="34" charset="0"/>
+                <a:cs typeface="Times New Roman" panose="02020603050405020304" pitchFamily="18" charset="0"/>
+              </a:rPr>
+              <a:t>Fold</a:t>
+            </a:r>
+          </a:p>
+          <a:p>
+            <a:pPr marL="228600" indent="-228600">
+              <a:spcAft>
+                <a:spcPts val="0"/>
+              </a:spcAft>
+              <a:buFont typeface="+mj-lt"/>
+              <a:buAutoNum type="arabicPeriod"/>
+            </a:pPr>
+            <a:r>
+              <a:rPr lang="en-US" sz="1800" dirty="0">
+                <a:latin typeface="Calibri" panose="020F0502020204030204" pitchFamily="34" charset="0"/>
+                <a:ea typeface="Calibri" panose="020F0502020204030204" pitchFamily="34" charset="0"/>
+                <a:cs typeface="Times New Roman" panose="02020603050405020304" pitchFamily="18" charset="0"/>
+              </a:rPr>
+              <a:t>Follow</a:t>
+            </a:r>
+          </a:p>
+          <a:p>
+            <a:pPr marL="228600" indent="-228600">
+              <a:spcAft>
+                <a:spcPts val="0"/>
+              </a:spcAft>
+              <a:buFont typeface="+mj-lt"/>
+              <a:buAutoNum type="arabicPeriod"/>
+            </a:pPr>
+            <a:r>
+              <a:rPr lang="en-US" sz="1800" dirty="0">
+                <a:latin typeface="Calibri" panose="020F0502020204030204" pitchFamily="34" charset="0"/>
+                <a:ea typeface="Calibri" panose="020F0502020204030204" pitchFamily="34" charset="0"/>
+                <a:cs typeface="Times New Roman" panose="02020603050405020304" pitchFamily="18" charset="0"/>
+              </a:rPr>
+              <a:t>Happen</a:t>
+            </a:r>
+          </a:p>
+          <a:p>
+            <a:pPr marL="228600" indent="-228600">
+              <a:spcAft>
+                <a:spcPts val="0"/>
+              </a:spcAft>
+              <a:buFont typeface="+mj-lt"/>
+              <a:buAutoNum type="arabicPeriod"/>
+            </a:pPr>
+            <a:r>
+              <a:rPr lang="en-US" sz="1800" dirty="0">
+                <a:latin typeface="Calibri" panose="020F0502020204030204" pitchFamily="34" charset="0"/>
+                <a:ea typeface="Calibri" panose="020F0502020204030204" pitchFamily="34" charset="0"/>
+                <a:cs typeface="Times New Roman" panose="02020603050405020304" pitchFamily="18" charset="0"/>
+              </a:rPr>
+              <a:t>Hold</a:t>
+            </a:r>
+          </a:p>
+          <a:p>
+            <a:pPr marL="228600" indent="-228600">
+              <a:spcAft>
+                <a:spcPts val="0"/>
+              </a:spcAft>
+              <a:buFont typeface="+mj-lt"/>
+              <a:buAutoNum type="arabicPeriod"/>
+            </a:pPr>
+            <a:r>
+              <a:rPr lang="en-US" sz="1800" dirty="0">
+                <a:latin typeface="Calibri" panose="020F0502020204030204" pitchFamily="34" charset="0"/>
+                <a:ea typeface="Calibri" panose="020F0502020204030204" pitchFamily="34" charset="0"/>
+                <a:cs typeface="Times New Roman" panose="02020603050405020304" pitchFamily="18" charset="0"/>
+              </a:rPr>
+              <a:t>Include</a:t>
+            </a:r>
+          </a:p>
+          <a:p>
+            <a:pPr marL="228600" indent="-228600">
+              <a:spcAft>
+                <a:spcPts val="0"/>
+              </a:spcAft>
+              <a:buFont typeface="+mj-lt"/>
+              <a:buAutoNum type="arabicPeriod"/>
+            </a:pPr>
+            <a:r>
+              <a:rPr lang="en-US" sz="1800" dirty="0">
+                <a:latin typeface="Calibri" panose="020F0502020204030204" pitchFamily="34" charset="0"/>
+                <a:ea typeface="Calibri" panose="020F0502020204030204" pitchFamily="34" charset="0"/>
+                <a:cs typeface="Times New Roman" panose="02020603050405020304" pitchFamily="18" charset="0"/>
+              </a:rPr>
+              <a:t>Kill</a:t>
+            </a:r>
+          </a:p>
+        </p:txBody>
+      </p:sp>
+      <p:sp>
+        <p:nvSpPr>
+          <p:cNvPr id="30" name="CaixaDeTexto 29">
+            <a:extLst>
+              <a:ext uri="{FF2B5EF4-FFF2-40B4-BE49-F238E27FC236}">
+                <a16:creationId xmlns:a16="http://schemas.microsoft.com/office/drawing/2014/main" id="{F0D524AD-5DC5-4044-9910-A08AEF28C2FA}"/>
+              </a:ext>
+            </a:extLst>
+          </p:cNvPr>
+          <p:cNvSpPr txBox="1"/>
+          <p:nvPr/>
+        </p:nvSpPr>
+        <p:spPr>
+          <a:xfrm>
+            <a:off x="5064576" y="3804681"/>
+            <a:ext cx="1684865" cy="3139321"/>
+          </a:xfrm>
+          <a:prstGeom prst="rect">
+            <a:avLst/>
+          </a:prstGeom>
+          <a:noFill/>
+        </p:spPr>
+        <p:txBody>
+          <a:bodyPr wrap="square">
+            <a:spAutoFit/>
+          </a:bodyPr>
+          <a:lstStyle/>
+          <a:p>
+            <a:pPr>
+              <a:spcAft>
+                <a:spcPts val="0"/>
+              </a:spcAft>
+            </a:pPr>
+            <a:r>
+              <a:rPr lang="en-US" sz="1800" b="1" dirty="0" err="1">
+                <a:solidFill>
+                  <a:schemeClr val="tx2"/>
+                </a:solidFill>
+                <a:effectLst/>
+                <a:latin typeface="Calibri" panose="020F0502020204030204" pitchFamily="34" charset="0"/>
+                <a:ea typeface="Calibri" panose="020F0502020204030204" pitchFamily="34" charset="0"/>
+                <a:cs typeface="Times New Roman" panose="02020603050405020304" pitchFamily="18" charset="0"/>
+              </a:rPr>
+              <a:t>Lição</a:t>
+            </a:r>
+            <a:r>
+              <a:rPr lang="en-US" sz="1800" b="1" dirty="0">
+                <a:solidFill>
+                  <a:schemeClr val="tx2"/>
+                </a:solidFill>
+                <a:effectLst/>
+                <a:latin typeface="Calibri" panose="020F0502020204030204" pitchFamily="34" charset="0"/>
+                <a:ea typeface="Calibri" panose="020F0502020204030204" pitchFamily="34" charset="0"/>
+                <a:cs typeface="Times New Roman" panose="02020603050405020304" pitchFamily="18" charset="0"/>
+              </a:rPr>
+              <a:t> 10</a:t>
+            </a:r>
+            <a:endParaRPr lang="en-US" sz="1800" dirty="0">
+              <a:latin typeface="Calibri" panose="020F0502020204030204" pitchFamily="34" charset="0"/>
+              <a:ea typeface="Calibri" panose="020F0502020204030204" pitchFamily="34" charset="0"/>
+              <a:cs typeface="Times New Roman" panose="02020603050405020304" pitchFamily="18" charset="0"/>
+            </a:endParaRPr>
+          </a:p>
+          <a:p>
+            <a:pPr marL="228600" indent="-228600">
+              <a:spcAft>
+                <a:spcPts val="0"/>
+              </a:spcAft>
+              <a:buFont typeface="+mj-lt"/>
+              <a:buAutoNum type="arabicPeriod"/>
+            </a:pPr>
+            <a:r>
+              <a:rPr lang="en-US" sz="1800" dirty="0">
+                <a:latin typeface="Calibri" panose="020F0502020204030204" pitchFamily="34" charset="0"/>
+                <a:ea typeface="Calibri" panose="020F0502020204030204" pitchFamily="34" charset="0"/>
+                <a:cs typeface="Times New Roman" panose="02020603050405020304" pitchFamily="18" charset="0"/>
+              </a:rPr>
+              <a:t>Must</a:t>
+            </a:r>
+          </a:p>
+          <a:p>
+            <a:pPr marL="228600" indent="-228600">
+              <a:spcAft>
+                <a:spcPts val="0"/>
+              </a:spcAft>
+              <a:buFont typeface="+mj-lt"/>
+              <a:buAutoNum type="arabicPeriod"/>
+            </a:pPr>
+            <a:r>
+              <a:rPr lang="en-US" sz="1800" dirty="0">
+                <a:latin typeface="Calibri" panose="020F0502020204030204" pitchFamily="34" charset="0"/>
+                <a:ea typeface="Calibri" panose="020F0502020204030204" pitchFamily="34" charset="0"/>
+                <a:cs typeface="Times New Roman" panose="02020603050405020304" pitchFamily="18" charset="0"/>
+              </a:rPr>
+              <a:t>Offer</a:t>
+            </a:r>
+          </a:p>
+          <a:p>
+            <a:pPr marL="228600" indent="-228600">
+              <a:spcAft>
+                <a:spcPts val="0"/>
+              </a:spcAft>
+              <a:buFont typeface="+mj-lt"/>
+              <a:buAutoNum type="arabicPeriod"/>
+            </a:pPr>
+            <a:r>
+              <a:rPr lang="en-US" sz="1800" dirty="0">
+                <a:latin typeface="Calibri" panose="020F0502020204030204" pitchFamily="34" charset="0"/>
+                <a:ea typeface="Calibri" panose="020F0502020204030204" pitchFamily="34" charset="0"/>
+                <a:cs typeface="Times New Roman" panose="02020603050405020304" pitchFamily="18" charset="0"/>
+              </a:rPr>
+              <a:t>Pay</a:t>
+            </a:r>
+          </a:p>
+          <a:p>
+            <a:pPr marL="228600" indent="-228600">
+              <a:spcAft>
+                <a:spcPts val="0"/>
+              </a:spcAft>
+              <a:buFont typeface="+mj-lt"/>
+              <a:buAutoNum type="arabicPeriod"/>
+            </a:pPr>
+            <a:r>
+              <a:rPr lang="en-US" sz="1800" dirty="0">
+                <a:latin typeface="Calibri" panose="020F0502020204030204" pitchFamily="34" charset="0"/>
+                <a:ea typeface="Calibri" panose="020F0502020204030204" pitchFamily="34" charset="0"/>
+                <a:cs typeface="Times New Roman" panose="02020603050405020304" pitchFamily="18" charset="0"/>
+              </a:rPr>
+              <a:t>Provide</a:t>
+            </a:r>
+          </a:p>
+          <a:p>
+            <a:pPr marL="228600" indent="-228600">
+              <a:spcAft>
+                <a:spcPts val="0"/>
+              </a:spcAft>
+              <a:buFont typeface="+mj-lt"/>
+              <a:buAutoNum type="arabicPeriod"/>
+            </a:pPr>
+            <a:r>
+              <a:rPr lang="en-US" sz="1800" dirty="0">
+                <a:latin typeface="Calibri" panose="020F0502020204030204" pitchFamily="34" charset="0"/>
+                <a:ea typeface="Calibri" panose="020F0502020204030204" pitchFamily="34" charset="0"/>
+                <a:cs typeface="Times New Roman" panose="02020603050405020304" pitchFamily="18" charset="0"/>
+              </a:rPr>
+              <a:t>Put</a:t>
+            </a:r>
+          </a:p>
+          <a:p>
+            <a:pPr marL="228600" indent="-228600">
+              <a:spcAft>
+                <a:spcPts val="0"/>
+              </a:spcAft>
+              <a:buFont typeface="+mj-lt"/>
+              <a:buAutoNum type="arabicPeriod"/>
+            </a:pPr>
+            <a:r>
+              <a:rPr lang="en-US" sz="1800" dirty="0">
+                <a:latin typeface="Calibri" panose="020F0502020204030204" pitchFamily="34" charset="0"/>
+                <a:ea typeface="Calibri" panose="020F0502020204030204" pitchFamily="34" charset="0"/>
+                <a:cs typeface="Times New Roman" panose="02020603050405020304" pitchFamily="18" charset="0"/>
+              </a:rPr>
+              <a:t>Reach</a:t>
+            </a:r>
+          </a:p>
+          <a:p>
+            <a:pPr marL="228600" indent="-228600">
+              <a:spcAft>
+                <a:spcPts val="0"/>
+              </a:spcAft>
+              <a:buFont typeface="+mj-lt"/>
+              <a:buAutoNum type="arabicPeriod"/>
+            </a:pPr>
+            <a:r>
+              <a:rPr lang="en-US" sz="1800" dirty="0">
+                <a:latin typeface="Calibri" panose="020F0502020204030204" pitchFamily="34" charset="0"/>
+                <a:ea typeface="Calibri" panose="020F0502020204030204" pitchFamily="34" charset="0"/>
+                <a:cs typeface="Times New Roman" panose="02020603050405020304" pitchFamily="18" charset="0"/>
+              </a:rPr>
+              <a:t>Remain</a:t>
+            </a:r>
+          </a:p>
+          <a:p>
+            <a:pPr marL="228600" indent="-228600">
+              <a:spcAft>
+                <a:spcPts val="0"/>
+              </a:spcAft>
+              <a:buFont typeface="+mj-lt"/>
+              <a:buAutoNum type="arabicPeriod"/>
+            </a:pPr>
+            <a:r>
+              <a:rPr lang="en-US" sz="1800" dirty="0">
+                <a:latin typeface="Calibri" panose="020F0502020204030204" pitchFamily="34" charset="0"/>
+                <a:ea typeface="Calibri" panose="020F0502020204030204" pitchFamily="34" charset="0"/>
+                <a:cs typeface="Times New Roman" panose="02020603050405020304" pitchFamily="18" charset="0"/>
+              </a:rPr>
+              <a:t>Remember</a:t>
+            </a:r>
+          </a:p>
+          <a:p>
+            <a:pPr marL="228600" indent="-228600">
+              <a:spcAft>
+                <a:spcPts val="0"/>
+              </a:spcAft>
+              <a:buFont typeface="+mj-lt"/>
+              <a:buAutoNum type="arabicPeriod"/>
+            </a:pPr>
+            <a:r>
+              <a:rPr lang="en-US" sz="1800" dirty="0">
+                <a:latin typeface="Calibri" panose="020F0502020204030204" pitchFamily="34" charset="0"/>
+                <a:ea typeface="Calibri" panose="020F0502020204030204" pitchFamily="34" charset="0"/>
+                <a:cs typeface="Times New Roman" panose="02020603050405020304" pitchFamily="18" charset="0"/>
+              </a:rPr>
+              <a:t>Say</a:t>
+            </a:r>
+          </a:p>
+          <a:p>
+            <a:pPr marL="228600" indent="-228600">
+              <a:spcAft>
+                <a:spcPts val="0"/>
+              </a:spcAft>
+              <a:buFont typeface="+mj-lt"/>
+              <a:buAutoNum type="arabicPeriod"/>
+            </a:pPr>
+            <a:r>
+              <a:rPr lang="en-US" sz="1800" dirty="0">
+                <a:latin typeface="Calibri" panose="020F0502020204030204" pitchFamily="34" charset="0"/>
+                <a:ea typeface="Calibri" panose="020F0502020204030204" pitchFamily="34" charset="0"/>
+                <a:cs typeface="Times New Roman" panose="02020603050405020304" pitchFamily="18" charset="0"/>
+              </a:rPr>
+              <a:t>See</a:t>
+            </a:r>
+          </a:p>
+        </p:txBody>
+      </p:sp>
+      <p:sp>
+        <p:nvSpPr>
+          <p:cNvPr id="32" name="CaixaDeTexto 31">
+            <a:extLst>
+              <a:ext uri="{FF2B5EF4-FFF2-40B4-BE49-F238E27FC236}">
+                <a16:creationId xmlns:a16="http://schemas.microsoft.com/office/drawing/2014/main" id="{55AB9277-DC89-4C72-B967-D4BA25F2D4CD}"/>
+              </a:ext>
+            </a:extLst>
+          </p:cNvPr>
+          <p:cNvSpPr txBox="1"/>
+          <p:nvPr/>
+        </p:nvSpPr>
+        <p:spPr>
+          <a:xfrm>
+            <a:off x="6640081" y="3735586"/>
+            <a:ext cx="1575505" cy="3139321"/>
+          </a:xfrm>
+          <a:prstGeom prst="rect">
+            <a:avLst/>
+          </a:prstGeom>
+          <a:noFill/>
+        </p:spPr>
+        <p:txBody>
+          <a:bodyPr wrap="square">
+            <a:spAutoFit/>
+          </a:bodyPr>
+          <a:lstStyle/>
+          <a:p>
+            <a:pPr>
+              <a:spcAft>
+                <a:spcPts val="0"/>
+              </a:spcAft>
+            </a:pPr>
+            <a:r>
+              <a:rPr lang="en-US" sz="1800" b="1" dirty="0" err="1">
+                <a:solidFill>
+                  <a:schemeClr val="tx2"/>
+                </a:solidFill>
+                <a:effectLst/>
+                <a:latin typeface="Calibri" panose="020F0502020204030204" pitchFamily="34" charset="0"/>
+                <a:ea typeface="Calibri" panose="020F0502020204030204" pitchFamily="34" charset="0"/>
+                <a:cs typeface="Times New Roman" panose="02020603050405020304" pitchFamily="18" charset="0"/>
+              </a:rPr>
+              <a:t>Lição</a:t>
+            </a:r>
+            <a:r>
+              <a:rPr lang="en-US" sz="1800" b="1" dirty="0">
+                <a:solidFill>
+                  <a:schemeClr val="tx2"/>
+                </a:solidFill>
+                <a:effectLst/>
+                <a:latin typeface="Calibri" panose="020F0502020204030204" pitchFamily="34" charset="0"/>
+                <a:ea typeface="Calibri" panose="020F0502020204030204" pitchFamily="34" charset="0"/>
+                <a:cs typeface="Times New Roman" panose="02020603050405020304" pitchFamily="18" charset="0"/>
+              </a:rPr>
+              <a:t> 11</a:t>
+            </a:r>
+            <a:endParaRPr lang="en-US" sz="1800" dirty="0">
+              <a:latin typeface="Calibri" panose="020F0502020204030204" pitchFamily="34" charset="0"/>
+              <a:ea typeface="Calibri" panose="020F0502020204030204" pitchFamily="34" charset="0"/>
+              <a:cs typeface="Times New Roman" panose="02020603050405020304" pitchFamily="18" charset="0"/>
+            </a:endParaRPr>
+          </a:p>
+          <a:p>
+            <a:pPr marL="228600" indent="-228600">
+              <a:spcAft>
+                <a:spcPts val="0"/>
+              </a:spcAft>
+              <a:buFont typeface="+mj-lt"/>
+              <a:buAutoNum type="arabicPeriod"/>
+            </a:pPr>
+            <a:r>
+              <a:rPr lang="en-US" sz="1800" dirty="0">
+                <a:latin typeface="Calibri" panose="020F0502020204030204" pitchFamily="34" charset="0"/>
+                <a:ea typeface="Calibri" panose="020F0502020204030204" pitchFamily="34" charset="0"/>
+                <a:cs typeface="Times New Roman" panose="02020603050405020304" pitchFamily="18" charset="0"/>
+              </a:rPr>
+              <a:t>Seem</a:t>
+            </a:r>
+          </a:p>
+          <a:p>
+            <a:pPr marL="228600" indent="-228600">
+              <a:spcAft>
+                <a:spcPts val="0"/>
+              </a:spcAft>
+              <a:buFont typeface="+mj-lt"/>
+              <a:buAutoNum type="arabicPeriod"/>
+            </a:pPr>
+            <a:r>
+              <a:rPr lang="en-US" sz="1800" dirty="0">
+                <a:latin typeface="Calibri" panose="020F0502020204030204" pitchFamily="34" charset="0"/>
+                <a:ea typeface="Calibri" panose="020F0502020204030204" pitchFamily="34" charset="0"/>
+                <a:cs typeface="Times New Roman" panose="02020603050405020304" pitchFamily="18" charset="0"/>
+              </a:rPr>
+              <a:t>Send</a:t>
+            </a:r>
+          </a:p>
+          <a:p>
+            <a:pPr marL="228600" indent="-228600">
+              <a:spcAft>
+                <a:spcPts val="0"/>
+              </a:spcAft>
+              <a:buFont typeface="+mj-lt"/>
+              <a:buAutoNum type="arabicPeriod"/>
+            </a:pPr>
+            <a:r>
+              <a:rPr lang="en-US" sz="1800" dirty="0">
+                <a:latin typeface="Calibri" panose="020F0502020204030204" pitchFamily="34" charset="0"/>
+                <a:ea typeface="Calibri" panose="020F0502020204030204" pitchFamily="34" charset="0"/>
+                <a:cs typeface="Times New Roman" panose="02020603050405020304" pitchFamily="18" charset="0"/>
+              </a:rPr>
+              <a:t>Serve</a:t>
+            </a:r>
+          </a:p>
+          <a:p>
+            <a:pPr marL="228600" indent="-228600">
+              <a:spcAft>
+                <a:spcPts val="0"/>
+              </a:spcAft>
+              <a:buFont typeface="+mj-lt"/>
+              <a:buAutoNum type="arabicPeriod"/>
+            </a:pPr>
+            <a:r>
+              <a:rPr lang="en-US" sz="1800" dirty="0">
+                <a:latin typeface="Calibri" panose="020F0502020204030204" pitchFamily="34" charset="0"/>
+                <a:ea typeface="Calibri" panose="020F0502020204030204" pitchFamily="34" charset="0"/>
+                <a:cs typeface="Times New Roman" panose="02020603050405020304" pitchFamily="18" charset="0"/>
+              </a:rPr>
+              <a:t>Set</a:t>
+            </a:r>
+          </a:p>
+          <a:p>
+            <a:pPr marL="228600" indent="-228600">
+              <a:spcAft>
+                <a:spcPts val="0"/>
+              </a:spcAft>
+              <a:buFont typeface="+mj-lt"/>
+              <a:buAutoNum type="arabicPeriod"/>
+            </a:pPr>
+            <a:r>
+              <a:rPr lang="en-US" sz="1800" dirty="0">
+                <a:latin typeface="Calibri" panose="020F0502020204030204" pitchFamily="34" charset="0"/>
+                <a:ea typeface="Calibri" panose="020F0502020204030204" pitchFamily="34" charset="0"/>
+                <a:cs typeface="Times New Roman" panose="02020603050405020304" pitchFamily="18" charset="0"/>
+              </a:rPr>
+              <a:t>Should</a:t>
+            </a:r>
+          </a:p>
+          <a:p>
+            <a:pPr marL="228600" indent="-228600">
+              <a:spcAft>
+                <a:spcPts val="0"/>
+              </a:spcAft>
+              <a:buFont typeface="+mj-lt"/>
+              <a:buAutoNum type="arabicPeriod"/>
+            </a:pPr>
+            <a:r>
+              <a:rPr lang="en-US" sz="1800" dirty="0">
+                <a:latin typeface="Calibri" panose="020F0502020204030204" pitchFamily="34" charset="0"/>
+                <a:ea typeface="Calibri" panose="020F0502020204030204" pitchFamily="34" charset="0"/>
+                <a:cs typeface="Times New Roman" panose="02020603050405020304" pitchFamily="18" charset="0"/>
+              </a:rPr>
+              <a:t>Show</a:t>
+            </a:r>
+          </a:p>
+          <a:p>
+            <a:pPr marL="228600" indent="-228600">
+              <a:spcAft>
+                <a:spcPts val="0"/>
+              </a:spcAft>
+              <a:buFont typeface="+mj-lt"/>
+              <a:buAutoNum type="arabicPeriod"/>
+            </a:pPr>
+            <a:r>
+              <a:rPr lang="en-US" sz="1800" dirty="0">
+                <a:latin typeface="Calibri" panose="020F0502020204030204" pitchFamily="34" charset="0"/>
+                <a:ea typeface="Calibri" panose="020F0502020204030204" pitchFamily="34" charset="0"/>
+                <a:cs typeface="Times New Roman" panose="02020603050405020304" pitchFamily="18" charset="0"/>
+              </a:rPr>
+              <a:t>Sit</a:t>
+            </a:r>
+          </a:p>
+          <a:p>
+            <a:pPr marL="228600" indent="-228600">
+              <a:spcAft>
+                <a:spcPts val="0"/>
+              </a:spcAft>
+              <a:buFont typeface="+mj-lt"/>
+              <a:buAutoNum type="arabicPeriod"/>
+            </a:pPr>
+            <a:r>
+              <a:rPr lang="en-US" sz="1800" dirty="0">
+                <a:latin typeface="Calibri" panose="020F0502020204030204" pitchFamily="34" charset="0"/>
+                <a:ea typeface="Calibri" panose="020F0502020204030204" pitchFamily="34" charset="0"/>
+                <a:cs typeface="Times New Roman" panose="02020603050405020304" pitchFamily="18" charset="0"/>
+              </a:rPr>
+              <a:t>Speak</a:t>
+            </a:r>
+          </a:p>
+          <a:p>
+            <a:pPr marL="228600" indent="-228600">
+              <a:spcAft>
+                <a:spcPts val="0"/>
+              </a:spcAft>
+              <a:buFont typeface="+mj-lt"/>
+              <a:buAutoNum type="arabicPeriod"/>
+            </a:pPr>
+            <a:r>
+              <a:rPr lang="en-US" sz="1800" dirty="0">
+                <a:latin typeface="Calibri" panose="020F0502020204030204" pitchFamily="34" charset="0"/>
+                <a:ea typeface="Calibri" panose="020F0502020204030204" pitchFamily="34" charset="0"/>
+                <a:cs typeface="Times New Roman" panose="02020603050405020304" pitchFamily="18" charset="0"/>
+              </a:rPr>
+              <a:t>Stand</a:t>
+            </a:r>
+          </a:p>
+          <a:p>
+            <a:pPr marL="228600" indent="-228600">
+              <a:spcAft>
+                <a:spcPts val="0"/>
+              </a:spcAft>
+              <a:buFont typeface="+mj-lt"/>
+              <a:buAutoNum type="arabicPeriod"/>
+            </a:pPr>
+            <a:r>
+              <a:rPr lang="en-US" sz="1800" dirty="0">
+                <a:latin typeface="Calibri" panose="020F0502020204030204" pitchFamily="34" charset="0"/>
+                <a:ea typeface="Calibri" panose="020F0502020204030204" pitchFamily="34" charset="0"/>
+                <a:cs typeface="Times New Roman" panose="02020603050405020304" pitchFamily="18" charset="0"/>
+              </a:rPr>
+              <a:t>Start</a:t>
+            </a:r>
+          </a:p>
+        </p:txBody>
+      </p:sp>
+    </p:spTree>
+    <p:extLst>
+      <p:ext uri="{BB962C8B-B14F-4D97-AF65-F5344CB8AC3E}">
+        <p14:creationId xmlns:p14="http://schemas.microsoft.com/office/powerpoint/2010/main" val="2028768088"/>
+      </p:ext>
+    </p:extLst>
+  </p:cSld>
+  <p:clrMapOvr>
+    <a:masterClrMapping/>
+  </p:clrMapOvr>
+</p:sld>
+</file>
+
+<file path=ppt/slides/slide3.xml><?xml version="1.0" encoding="utf-8"?>
 <p:sld xmlns:a="http://schemas.openxmlformats.org/drawingml/2006/main" xmlns:r="http://schemas.openxmlformats.org/officeDocument/2006/relationships" xmlns:p="http://schemas.openxmlformats.org/presentationml/2006/main">
   <p:cSld>
     <p:spTree>
@@ -7656,7 +10731,7 @@
               </a:spcAft>
             </a:pPr>
             <a:r>
-              <a:rPr lang="en-US" sz="1100" b="1" dirty="0" err="1" smtClean="0">
+              <a:rPr lang="en-US" sz="1100" b="1" dirty="0" err="1">
                 <a:solidFill>
                   <a:schemeClr val="tx2"/>
                 </a:solidFill>
@@ -7668,7 +10743,7 @@
               <a:t>Lição</a:t>
             </a:r>
             <a:r>
-              <a:rPr lang="en-US" sz="1100" b="1" dirty="0" smtClean="0">
+              <a:rPr lang="en-US" sz="1100" b="1" dirty="0">
                 <a:solidFill>
                   <a:schemeClr val="tx2"/>
                 </a:solidFill>
@@ -7686,7 +10761,7 @@
                 <a:spcPts val="0"/>
               </a:spcAft>
             </a:pPr>
-            <a:endParaRPr lang="en-US" sz="1100" b="1" dirty="0" smtClean="0">
+            <a:endParaRPr lang="en-US" sz="1100" b="1" dirty="0">
               <a:effectLst/>
               <a:latin typeface="Calibri" panose="020F0502020204030204" pitchFamily="34" charset="0"/>
               <a:ea typeface="Calibri" panose="020F0502020204030204" pitchFamily="34" charset="0"/>
@@ -7700,7 +10775,7 @@
               </a:spcAft>
             </a:pPr>
             <a:r>
-              <a:rPr lang="en-US" sz="1100" b="1" dirty="0" smtClean="0">
+              <a:rPr lang="en-US" sz="1100" b="1" dirty="0">
                 <a:latin typeface="Calibri" panose="020F0502020204030204" pitchFamily="34" charset="0"/>
                 <a:ea typeface="Calibri" panose="020F0502020204030204" pitchFamily="34" charset="0"/>
                 <a:cs typeface="Times New Roman" panose="02020603050405020304" pitchFamily="18" charset="0"/>
@@ -7715,7 +10790,7 @@
               </a:spcAft>
             </a:pPr>
             <a:r>
-              <a:rPr lang="en-US" sz="1100" dirty="0" smtClean="0">
+              <a:rPr lang="en-US" sz="1100" dirty="0">
                 <a:latin typeface="Calibri" panose="020F0502020204030204" pitchFamily="34" charset="0"/>
                 <a:ea typeface="Calibri" panose="020F0502020204030204" pitchFamily="34" charset="0"/>
                 <a:cs typeface="Times New Roman" panose="02020603050405020304" pitchFamily="18" charset="0"/>
@@ -7730,7 +10805,7 @@
               </a:spcAft>
             </a:pPr>
             <a:r>
-              <a:rPr lang="en-US" sz="1100" dirty="0" smtClean="0">
+              <a:rPr lang="en-US" sz="1100" dirty="0">
                 <a:effectLst/>
                 <a:latin typeface="Calibri" panose="020F0502020204030204" pitchFamily="34" charset="0"/>
                 <a:ea typeface="Calibri" panose="020F0502020204030204" pitchFamily="34" charset="0"/>
@@ -7746,7 +10821,7 @@
               </a:spcAft>
             </a:pPr>
             <a:r>
-              <a:rPr lang="en-US" sz="1100" dirty="0" smtClean="0">
+              <a:rPr lang="en-US" sz="1100" dirty="0">
                 <a:latin typeface="Calibri" panose="020F0502020204030204" pitchFamily="34" charset="0"/>
                 <a:ea typeface="Calibri" panose="020F0502020204030204" pitchFamily="34" charset="0"/>
                 <a:cs typeface="Times New Roman" panose="02020603050405020304" pitchFamily="18" charset="0"/>
@@ -7774,7 +10849,7 @@
               </a:spcAft>
             </a:pPr>
             <a:r>
-              <a:rPr lang="en-US" sz="1100" b="1" dirty="0" smtClean="0">
+              <a:rPr lang="en-US" sz="1100" b="1" dirty="0">
                 <a:latin typeface="Calibri" panose="020F0502020204030204" pitchFamily="34" charset="0"/>
                 <a:ea typeface="Calibri" panose="020F0502020204030204" pitchFamily="34" charset="0"/>
                 <a:cs typeface="Times New Roman" panose="02020603050405020304" pitchFamily="18" charset="0"/>
@@ -7789,7 +10864,7 @@
               </a:spcAft>
             </a:pPr>
             <a:r>
-              <a:rPr lang="en-US" sz="1100" dirty="0" smtClean="0">
+              <a:rPr lang="en-US" sz="1100" dirty="0">
                 <a:effectLst/>
                 <a:latin typeface="Calibri" panose="020F0502020204030204" pitchFamily="34" charset="0"/>
                 <a:ea typeface="Calibri" panose="020F0502020204030204" pitchFamily="34" charset="0"/>
@@ -7840,7 +10915,7 @@
               </a:spcAft>
             </a:pPr>
             <a:r>
-              <a:rPr lang="en-US" sz="1100" b="1" dirty="0" err="1" smtClean="0">
+              <a:rPr lang="en-US" sz="1100" b="1" dirty="0" err="1">
                 <a:solidFill>
                   <a:schemeClr val="tx2"/>
                 </a:solidFill>
@@ -7852,7 +10927,7 @@
               <a:t>Lição</a:t>
             </a:r>
             <a:r>
-              <a:rPr lang="en-US" sz="1100" b="1" dirty="0" smtClean="0">
+              <a:rPr lang="en-US" sz="1100" b="1" dirty="0">
                 <a:solidFill>
                   <a:schemeClr val="tx2"/>
                 </a:solidFill>
@@ -7870,7 +10945,7 @@
                 <a:spcPts val="0"/>
               </a:spcAft>
             </a:pPr>
-            <a:endParaRPr lang="en-US" sz="1100" b="1" dirty="0" smtClean="0">
+            <a:endParaRPr lang="en-US" sz="1100" b="1" dirty="0">
               <a:effectLst/>
               <a:latin typeface="Calibri" panose="020F0502020204030204" pitchFamily="34" charset="0"/>
               <a:ea typeface="Calibri" panose="020F0502020204030204" pitchFamily="34" charset="0"/>
@@ -7899,7 +10974,7 @@
               </a:spcAft>
             </a:pPr>
             <a:r>
-              <a:rPr lang="en-US" sz="1100" dirty="0" smtClean="0">
+              <a:rPr lang="en-US" sz="1100" dirty="0">
                 <a:latin typeface="Calibri" panose="020F0502020204030204" pitchFamily="34" charset="0"/>
                 <a:ea typeface="Calibri" panose="020F0502020204030204" pitchFamily="34" charset="0"/>
                 <a:cs typeface="Times New Roman" panose="02020603050405020304" pitchFamily="18" charset="0"/>
@@ -7926,7 +11001,7 @@
               </a:spcAft>
             </a:pPr>
             <a:r>
-              <a:rPr lang="en-US" sz="1100" b="1" dirty="0" smtClean="0">
+              <a:rPr lang="en-US" sz="1100" b="1" dirty="0">
                 <a:latin typeface="Calibri" panose="020F0502020204030204" pitchFamily="34" charset="0"/>
                 <a:ea typeface="Calibri" panose="020F0502020204030204" pitchFamily="34" charset="0"/>
                 <a:cs typeface="Times New Roman" panose="02020603050405020304" pitchFamily="18" charset="0"/>
@@ -7941,18 +11016,13 @@
               </a:spcAft>
             </a:pPr>
             <a:r>
-              <a:rPr lang="en-US" sz="1100" dirty="0" smtClean="0">
+              <a:rPr lang="en-US" sz="1100" dirty="0">
                 <a:latin typeface="Calibri" panose="020F0502020204030204" pitchFamily="34" charset="0"/>
                 <a:ea typeface="Calibri" panose="020F0502020204030204" pitchFamily="34" charset="0"/>
                 <a:cs typeface="Times New Roman" panose="02020603050405020304" pitchFamily="18" charset="0"/>
               </a:rPr>
               <a:t>Transportation</a:t>
             </a:r>
-            <a:endParaRPr lang="en-US" sz="1100" dirty="0">
-              <a:latin typeface="Calibri" panose="020F0502020204030204" pitchFamily="34" charset="0"/>
-              <a:ea typeface="Calibri" panose="020F0502020204030204" pitchFamily="34" charset="0"/>
-              <a:cs typeface="Times New Roman" panose="02020603050405020304" pitchFamily="18" charset="0"/>
-            </a:endParaRPr>
           </a:p>
         </p:txBody>
       </p:sp>
@@ -7996,7 +11066,7 @@
               </a:spcAft>
             </a:pPr>
             <a:r>
-              <a:rPr lang="en-US" sz="1100" b="1" dirty="0" err="1" smtClean="0">
+              <a:rPr lang="en-US" sz="1100" b="1" dirty="0" err="1">
                 <a:solidFill>
                   <a:schemeClr val="tx2"/>
                 </a:solidFill>
@@ -8008,7 +11078,7 @@
               <a:t>Lição</a:t>
             </a:r>
             <a:r>
-              <a:rPr lang="en-US" sz="1100" b="1" dirty="0" smtClean="0">
+              <a:rPr lang="en-US" sz="1100" b="1" dirty="0">
                 <a:solidFill>
                   <a:schemeClr val="tx2"/>
                 </a:solidFill>
@@ -8026,7 +11096,7 @@
                 <a:spcPts val="0"/>
               </a:spcAft>
             </a:pPr>
-            <a:endParaRPr lang="en-US" sz="1100" dirty="0" smtClean="0">
+            <a:endParaRPr lang="en-US" sz="1100" dirty="0">
               <a:latin typeface="Calibri" panose="020F0502020204030204" pitchFamily="34" charset="0"/>
               <a:ea typeface="Calibri" panose="020F0502020204030204" pitchFamily="34" charset="0"/>
               <a:cs typeface="Times New Roman" panose="02020603050405020304" pitchFamily="18" charset="0"/>
@@ -8054,13 +11124,20 @@
               </a:spcAft>
             </a:pPr>
             <a:r>
-              <a:rPr lang="en-US" sz="1100" dirty="0" smtClean="0">
+              <a:rPr lang="en-US" sz="1100" dirty="0">
                 <a:latin typeface="Calibri" panose="020F0502020204030204" pitchFamily="34" charset="0"/>
                 <a:ea typeface="Calibri" panose="020F0502020204030204" pitchFamily="34" charset="0"/>
                 <a:cs typeface="Times New Roman" panose="02020603050405020304" pitchFamily="18" charset="0"/>
               </a:rPr>
               <a:t>Numbers (9)</a:t>
             </a:r>
+          </a:p>
+          <a:p>
+            <a:pPr>
+              <a:spcAft>
+                <a:spcPts val="0"/>
+              </a:spcAft>
+            </a:pPr>
             <a:endParaRPr lang="en-US" sz="1100" dirty="0">
               <a:latin typeface="Calibri" panose="020F0502020204030204" pitchFamily="34" charset="0"/>
               <a:ea typeface="Calibri" panose="020F0502020204030204" pitchFamily="34" charset="0"/>
@@ -8073,18 +11150,6 @@
                 <a:spcPts val="0"/>
               </a:spcAft>
             </a:pPr>
-            <a:endParaRPr lang="en-US" sz="1100" dirty="0">
-              <a:latin typeface="Calibri" panose="020F0502020204030204" pitchFamily="34" charset="0"/>
-              <a:ea typeface="Calibri" panose="020F0502020204030204" pitchFamily="34" charset="0"/>
-              <a:cs typeface="Times New Roman" panose="02020603050405020304" pitchFamily="18" charset="0"/>
-            </a:endParaRPr>
-          </a:p>
-          <a:p>
-            <a:pPr>
-              <a:spcAft>
-                <a:spcPts val="0"/>
-              </a:spcAft>
-            </a:pPr>
             <a:r>
               <a:rPr lang="en-US" sz="1100" b="1" dirty="0">
                 <a:latin typeface="Calibri" panose="020F0502020204030204" pitchFamily="34" charset="0"/>
@@ -8101,18 +11166,13 @@
               </a:spcAft>
             </a:pPr>
             <a:r>
-              <a:rPr lang="en-US" sz="1100" dirty="0" smtClean="0">
+              <a:rPr lang="en-US" sz="1100" dirty="0">
                 <a:latin typeface="Calibri" panose="020F0502020204030204" pitchFamily="34" charset="0"/>
                 <a:ea typeface="Calibri" panose="020F0502020204030204" pitchFamily="34" charset="0"/>
                 <a:cs typeface="Times New Roman" panose="02020603050405020304" pitchFamily="18" charset="0"/>
               </a:rPr>
               <a:t>Jobs</a:t>
             </a:r>
-            <a:endParaRPr lang="en-US" sz="1100" dirty="0">
-              <a:latin typeface="Calibri" panose="020F0502020204030204" pitchFamily="34" charset="0"/>
-              <a:ea typeface="Calibri" panose="020F0502020204030204" pitchFamily="34" charset="0"/>
-              <a:cs typeface="Times New Roman" panose="02020603050405020304" pitchFamily="18" charset="0"/>
-            </a:endParaRPr>
           </a:p>
         </p:txBody>
       </p:sp>
@@ -8156,7 +11216,7 @@
               </a:spcAft>
             </a:pPr>
             <a:r>
-              <a:rPr lang="en-US" sz="1100" b="1" dirty="0" err="1" smtClean="0">
+              <a:rPr lang="en-US" sz="1100" b="1" dirty="0" err="1">
                 <a:solidFill>
                   <a:schemeClr val="tx2"/>
                 </a:solidFill>
@@ -8168,7 +11228,7 @@
               <a:t>Lição</a:t>
             </a:r>
             <a:r>
-              <a:rPr lang="en-US" sz="1100" b="1" dirty="0" smtClean="0">
+              <a:rPr lang="en-US" sz="1100" b="1" dirty="0">
                 <a:solidFill>
                   <a:schemeClr val="tx2"/>
                 </a:solidFill>
@@ -8186,7 +11246,7 @@
                 <a:spcPts val="0"/>
               </a:spcAft>
             </a:pPr>
-            <a:endParaRPr lang="en-US" sz="1100" b="1" dirty="0" smtClean="0">
+            <a:endParaRPr lang="en-US" sz="1100" b="1" dirty="0">
               <a:effectLst/>
               <a:latin typeface="Calibri" panose="020F0502020204030204" pitchFamily="34" charset="0"/>
               <a:ea typeface="Calibri" panose="020F0502020204030204" pitchFamily="34" charset="0"/>
@@ -8215,13 +11275,20 @@
               </a:spcAft>
             </a:pPr>
             <a:r>
-              <a:rPr lang="en-US" sz="1100" dirty="0" smtClean="0">
+              <a:rPr lang="en-US" sz="1100" dirty="0">
                 <a:latin typeface="Calibri" panose="020F0502020204030204" pitchFamily="34" charset="0"/>
                 <a:ea typeface="Calibri" panose="020F0502020204030204" pitchFamily="34" charset="0"/>
                 <a:cs typeface="Times New Roman" panose="02020603050405020304" pitchFamily="18" charset="0"/>
               </a:rPr>
               <a:t>Films ()</a:t>
             </a:r>
+          </a:p>
+          <a:p>
+            <a:pPr>
+              <a:spcAft>
+                <a:spcPts val="0"/>
+              </a:spcAft>
+            </a:pPr>
             <a:endParaRPr lang="en-US" sz="1100" dirty="0">
               <a:latin typeface="Calibri" panose="020F0502020204030204" pitchFamily="34" charset="0"/>
               <a:ea typeface="Calibri" panose="020F0502020204030204" pitchFamily="34" charset="0"/>
@@ -8234,6 +11301,36 @@
                 <a:spcPts val="0"/>
               </a:spcAft>
             </a:pPr>
+            <a:r>
+              <a:rPr lang="en-US" sz="1100" b="1" dirty="0">
+                <a:latin typeface="Calibri" panose="020F0502020204030204" pitchFamily="34" charset="0"/>
+                <a:ea typeface="Calibri" panose="020F0502020204030204" pitchFamily="34" charset="0"/>
+                <a:cs typeface="Times New Roman" panose="02020603050405020304" pitchFamily="18" charset="0"/>
+              </a:rPr>
+              <a:t>Vocabulary</a:t>
+            </a:r>
+          </a:p>
+          <a:p>
+            <a:pPr>
+              <a:spcAft>
+                <a:spcPts val="0"/>
+              </a:spcAft>
+            </a:pPr>
+            <a:r>
+              <a:rPr lang="en-US" sz="1100" dirty="0">
+                <a:latin typeface="Calibri" panose="020F0502020204030204" pitchFamily="34" charset="0"/>
+                <a:ea typeface="Calibri" panose="020F0502020204030204" pitchFamily="34" charset="0"/>
+                <a:cs typeface="Times New Roman" panose="02020603050405020304" pitchFamily="18" charset="0"/>
+              </a:rPr>
+              <a:t>Food, drinks &amp; </a:t>
+            </a:r>
+          </a:p>
+          <a:p>
+            <a:pPr>
+              <a:spcAft>
+                <a:spcPts val="0"/>
+              </a:spcAft>
+            </a:pPr>
             <a:endParaRPr lang="en-US" sz="1100" dirty="0">
               <a:latin typeface="Calibri" panose="020F0502020204030204" pitchFamily="34" charset="0"/>
               <a:ea typeface="Calibri" panose="020F0502020204030204" pitchFamily="34" charset="0"/>
@@ -8246,54 +11343,7 @@
                 <a:spcPts val="0"/>
               </a:spcAft>
             </a:pPr>
-            <a:r>
-              <a:rPr lang="en-US" sz="1100" b="1" dirty="0">
-                <a:latin typeface="Calibri" panose="020F0502020204030204" pitchFamily="34" charset="0"/>
-                <a:ea typeface="Calibri" panose="020F0502020204030204" pitchFamily="34" charset="0"/>
-                <a:cs typeface="Times New Roman" panose="02020603050405020304" pitchFamily="18" charset="0"/>
-              </a:rPr>
-              <a:t>Vocabulary</a:t>
-            </a:r>
-          </a:p>
-          <a:p>
-            <a:pPr>
-              <a:spcAft>
-                <a:spcPts val="0"/>
-              </a:spcAft>
-            </a:pPr>
-            <a:r>
-              <a:rPr lang="en-US" sz="1100" dirty="0" smtClean="0">
-                <a:latin typeface="Calibri" panose="020F0502020204030204" pitchFamily="34" charset="0"/>
-                <a:ea typeface="Calibri" panose="020F0502020204030204" pitchFamily="34" charset="0"/>
-                <a:cs typeface="Times New Roman" panose="02020603050405020304" pitchFamily="18" charset="0"/>
-              </a:rPr>
-              <a:t>Food, drinks &amp; </a:t>
-            </a:r>
-            <a:endParaRPr lang="en-US" sz="1100" dirty="0">
-              <a:latin typeface="Calibri" panose="020F0502020204030204" pitchFamily="34" charset="0"/>
-              <a:ea typeface="Calibri" panose="020F0502020204030204" pitchFamily="34" charset="0"/>
-              <a:cs typeface="Times New Roman" panose="02020603050405020304" pitchFamily="18" charset="0"/>
-            </a:endParaRPr>
-          </a:p>
-          <a:p>
-            <a:pPr>
-              <a:spcAft>
-                <a:spcPts val="0"/>
-              </a:spcAft>
-            </a:pPr>
-            <a:endParaRPr lang="en-US" sz="1100" dirty="0" smtClean="0">
-              <a:latin typeface="Calibri" panose="020F0502020204030204" pitchFamily="34" charset="0"/>
-              <a:ea typeface="Calibri" panose="020F0502020204030204" pitchFamily="34" charset="0"/>
-              <a:cs typeface="Times New Roman" panose="02020603050405020304" pitchFamily="18" charset="0"/>
-            </a:endParaRPr>
-          </a:p>
-          <a:p>
-            <a:pPr>
-              <a:spcAft>
-                <a:spcPts val="0"/>
-              </a:spcAft>
-            </a:pPr>
-            <a:endParaRPr lang="en-US" sz="1100" b="1" dirty="0" smtClean="0">
+            <a:endParaRPr lang="en-US" sz="1100" b="1" dirty="0">
               <a:effectLst/>
               <a:latin typeface="Calibri" panose="020F0502020204030204" pitchFamily="34" charset="0"/>
               <a:ea typeface="Calibri" panose="020F0502020204030204" pitchFamily="34" charset="0"/>
@@ -8342,7 +11392,7 @@
               </a:spcAft>
             </a:pPr>
             <a:r>
-              <a:rPr lang="en-US" sz="1100" b="1" dirty="0" err="1" smtClean="0">
+              <a:rPr lang="en-US" sz="1100" b="1" dirty="0" err="1">
                 <a:solidFill>
                   <a:schemeClr val="tx2"/>
                 </a:solidFill>
@@ -8354,7 +11404,7 @@
               <a:t>Lição</a:t>
             </a:r>
             <a:r>
-              <a:rPr lang="en-US" sz="1100" b="1" dirty="0" smtClean="0">
+              <a:rPr lang="en-US" sz="1100" b="1" dirty="0">
                 <a:solidFill>
                   <a:schemeClr val="tx2"/>
                 </a:solidFill>
@@ -8400,13 +11450,20 @@
               </a:spcAft>
             </a:pPr>
             <a:r>
-              <a:rPr lang="en-US" sz="1100" dirty="0" smtClean="0">
+              <a:rPr lang="en-US" sz="1100" dirty="0">
                 <a:latin typeface="Calibri" panose="020F0502020204030204" pitchFamily="34" charset="0"/>
                 <a:ea typeface="Calibri" panose="020F0502020204030204" pitchFamily="34" charset="0"/>
                 <a:cs typeface="Times New Roman" panose="02020603050405020304" pitchFamily="18" charset="0"/>
               </a:rPr>
               <a:t>House ( )</a:t>
             </a:r>
+          </a:p>
+          <a:p>
+            <a:pPr>
+              <a:spcAft>
+                <a:spcPts val="0"/>
+              </a:spcAft>
+            </a:pPr>
             <a:endParaRPr lang="en-US" sz="1100" dirty="0">
               <a:latin typeface="Calibri" panose="020F0502020204030204" pitchFamily="34" charset="0"/>
               <a:ea typeface="Calibri" panose="020F0502020204030204" pitchFamily="34" charset="0"/>
@@ -8419,54 +11476,37 @@
                 <a:spcPts val="0"/>
               </a:spcAft>
             </a:pPr>
+            <a:r>
+              <a:rPr lang="en-US" sz="1100" b="1" dirty="0">
+                <a:latin typeface="Calibri" panose="020F0502020204030204" pitchFamily="34" charset="0"/>
+                <a:ea typeface="Calibri" panose="020F0502020204030204" pitchFamily="34" charset="0"/>
+                <a:cs typeface="Times New Roman" panose="02020603050405020304" pitchFamily="18" charset="0"/>
+              </a:rPr>
+              <a:t>Vocabulary</a:t>
+            </a:r>
+          </a:p>
+          <a:p>
+            <a:pPr>
+              <a:spcAft>
+                <a:spcPts val="0"/>
+              </a:spcAft>
+            </a:pPr>
+            <a:r>
+              <a:rPr lang="en-US" sz="1100" dirty="0">
+                <a:latin typeface="Calibri" panose="020F0502020204030204" pitchFamily="34" charset="0"/>
+                <a:ea typeface="Calibri" panose="020F0502020204030204" pitchFamily="34" charset="0"/>
+                <a:cs typeface="Times New Roman" panose="02020603050405020304" pitchFamily="18" charset="0"/>
+              </a:rPr>
+              <a:t>Sports</a:t>
+            </a:r>
+          </a:p>
+          <a:p>
+            <a:pPr>
+              <a:spcAft>
+                <a:spcPts val="0"/>
+              </a:spcAft>
+            </a:pPr>
             <a:endParaRPr lang="en-US" sz="1100" dirty="0">
-              <a:latin typeface="Calibri" panose="020F0502020204030204" pitchFamily="34" charset="0"/>
-              <a:ea typeface="Calibri" panose="020F0502020204030204" pitchFamily="34" charset="0"/>
-              <a:cs typeface="Times New Roman" panose="02020603050405020304" pitchFamily="18" charset="0"/>
-            </a:endParaRPr>
-          </a:p>
-          <a:p>
-            <a:pPr>
-              <a:spcAft>
-                <a:spcPts val="0"/>
-              </a:spcAft>
-            </a:pPr>
-            <a:r>
-              <a:rPr lang="en-US" sz="1100" b="1" dirty="0">
-                <a:latin typeface="Calibri" panose="020F0502020204030204" pitchFamily="34" charset="0"/>
-                <a:ea typeface="Calibri" panose="020F0502020204030204" pitchFamily="34" charset="0"/>
-                <a:cs typeface="Times New Roman" panose="02020603050405020304" pitchFamily="18" charset="0"/>
-              </a:rPr>
-              <a:t>Vocabulary</a:t>
-            </a:r>
-          </a:p>
-          <a:p>
-            <a:pPr>
-              <a:spcAft>
-                <a:spcPts val="0"/>
-              </a:spcAft>
-            </a:pPr>
-            <a:r>
-              <a:rPr lang="en-US" sz="1100" dirty="0" smtClean="0">
-                <a:latin typeface="Calibri" panose="020F0502020204030204" pitchFamily="34" charset="0"/>
-                <a:ea typeface="Calibri" panose="020F0502020204030204" pitchFamily="34" charset="0"/>
-                <a:cs typeface="Times New Roman" panose="02020603050405020304" pitchFamily="18" charset="0"/>
-              </a:rPr>
-              <a:t>Sports</a:t>
-            </a:r>
-            <a:endParaRPr lang="en-US" sz="1100" dirty="0">
-              <a:latin typeface="Calibri" panose="020F0502020204030204" pitchFamily="34" charset="0"/>
-              <a:ea typeface="Calibri" panose="020F0502020204030204" pitchFamily="34" charset="0"/>
-              <a:cs typeface="Times New Roman" panose="02020603050405020304" pitchFamily="18" charset="0"/>
-            </a:endParaRPr>
-          </a:p>
-          <a:p>
-            <a:pPr>
-              <a:spcAft>
-                <a:spcPts val="0"/>
-              </a:spcAft>
-            </a:pPr>
-            <a:endParaRPr lang="en-US" sz="1100" dirty="0" smtClean="0">
               <a:latin typeface="Calibri" panose="020F0502020204030204" pitchFamily="34" charset="0"/>
               <a:ea typeface="Calibri" panose="020F0502020204030204" pitchFamily="34" charset="0"/>
               <a:cs typeface="Times New Roman" panose="02020603050405020304" pitchFamily="18" charset="0"/>
@@ -8514,7 +11554,7 @@
               </a:spcAft>
             </a:pPr>
             <a:r>
-              <a:rPr lang="en-US" sz="1100" b="1" dirty="0" err="1" smtClean="0">
+              <a:rPr lang="en-US" sz="1100" b="1" dirty="0" err="1">
                 <a:solidFill>
                   <a:schemeClr val="tx2"/>
                 </a:solidFill>
@@ -8526,7 +11566,7 @@
               <a:t>Lição</a:t>
             </a:r>
             <a:r>
-              <a:rPr lang="en-US" sz="1100" b="1" dirty="0" smtClean="0">
+              <a:rPr lang="en-US" sz="1100" b="1" dirty="0">
                 <a:solidFill>
                   <a:schemeClr val="tx2"/>
                 </a:solidFill>
@@ -8599,14 +11639,14 @@
               </a:spcAft>
             </a:pPr>
             <a:r>
-              <a:rPr lang="en-US" sz="1100" dirty="0" err="1" smtClean="0">
+              <a:rPr lang="en-US" sz="1100" dirty="0" err="1">
                 <a:latin typeface="Calibri" panose="020F0502020204030204" pitchFamily="34" charset="0"/>
                 <a:ea typeface="Calibri" panose="020F0502020204030204" pitchFamily="34" charset="0"/>
                 <a:cs typeface="Times New Roman" panose="02020603050405020304" pitchFamily="18" charset="0"/>
               </a:rPr>
               <a:t>Peoples´appearence</a:t>
             </a:r>
-            <a:endParaRPr lang="en-US" sz="1100" dirty="0" smtClean="0">
+            <a:endParaRPr lang="en-US" sz="1100" dirty="0">
               <a:latin typeface="Calibri" panose="020F0502020204030204" pitchFamily="34" charset="0"/>
               <a:ea typeface="Calibri" panose="020F0502020204030204" pitchFamily="34" charset="0"/>
               <a:cs typeface="Times New Roman" panose="02020603050405020304" pitchFamily="18" charset="0"/>
@@ -8654,7 +11694,7 @@
               </a:spcAft>
             </a:pPr>
             <a:r>
-              <a:rPr lang="en-US" sz="1100" b="1" dirty="0" err="1" smtClean="0">
+              <a:rPr lang="en-US" sz="1100" b="1" dirty="0" err="1">
                 <a:solidFill>
                   <a:schemeClr val="tx2"/>
                 </a:solidFill>
@@ -8666,7 +11706,7 @@
               <a:t>Lição</a:t>
             </a:r>
             <a:r>
-              <a:rPr lang="en-US" sz="1100" b="1" dirty="0" smtClean="0">
+              <a:rPr lang="en-US" sz="1100" b="1" dirty="0">
                 <a:solidFill>
                   <a:schemeClr val="tx2"/>
                 </a:solidFill>
@@ -8739,7 +11779,7 @@
               </a:spcAft>
             </a:pPr>
             <a:r>
-              <a:rPr lang="en-US" sz="1100" dirty="0" smtClean="0">
+              <a:rPr lang="en-US" sz="1100" dirty="0">
                 <a:latin typeface="Calibri" panose="020F0502020204030204" pitchFamily="34" charset="0"/>
                 <a:ea typeface="Calibri" panose="020F0502020204030204" pitchFamily="34" charset="0"/>
                 <a:cs typeface="Times New Roman" panose="02020603050405020304" pitchFamily="18" charset="0"/>
@@ -8789,7 +11829,7 @@
               </a:spcAft>
             </a:pPr>
             <a:r>
-              <a:rPr lang="en-US" sz="1100" b="1" dirty="0" err="1" smtClean="0">
+              <a:rPr lang="en-US" sz="1100" b="1" dirty="0" err="1">
                 <a:solidFill>
                   <a:schemeClr val="tx2"/>
                 </a:solidFill>
@@ -8801,7 +11841,7 @@
               <a:t>Lição</a:t>
             </a:r>
             <a:r>
-              <a:rPr lang="en-US" sz="1100" b="1" dirty="0" smtClean="0">
+              <a:rPr lang="en-US" sz="1100" b="1" dirty="0">
                 <a:solidFill>
                   <a:schemeClr val="tx2"/>
                 </a:solidFill>
@@ -8874,7 +11914,7 @@
               </a:spcAft>
             </a:pPr>
             <a:r>
-              <a:rPr lang="en-US" sz="1100" dirty="0" smtClean="0">
+              <a:rPr lang="en-US" sz="1100" dirty="0">
                 <a:latin typeface="Calibri" panose="020F0502020204030204" pitchFamily="34" charset="0"/>
                 <a:ea typeface="Calibri" panose="020F0502020204030204" pitchFamily="34" charset="0"/>
                 <a:cs typeface="Times New Roman" panose="02020603050405020304" pitchFamily="18" charset="0"/>
@@ -8924,7 +11964,7 @@
               </a:spcAft>
             </a:pPr>
             <a:r>
-              <a:rPr lang="en-US" sz="1100" b="1" dirty="0" err="1" smtClean="0">
+              <a:rPr lang="en-US" sz="1100" b="1" dirty="0" err="1">
                 <a:solidFill>
                   <a:schemeClr val="tx2"/>
                 </a:solidFill>
@@ -8936,7 +11976,7 @@
               <a:t>Lição</a:t>
             </a:r>
             <a:r>
-              <a:rPr lang="en-US" sz="1100" b="1" dirty="0" smtClean="0">
+              <a:rPr lang="en-US" sz="1100" b="1" dirty="0">
                 <a:solidFill>
                   <a:schemeClr val="tx2"/>
                 </a:solidFill>
@@ -9009,7 +12049,7 @@
               </a:spcAft>
             </a:pPr>
             <a:r>
-              <a:rPr lang="en-US" sz="1100" dirty="0" smtClean="0">
+              <a:rPr lang="en-US" sz="1100" dirty="0">
                 <a:latin typeface="Calibri" panose="020F0502020204030204" pitchFamily="34" charset="0"/>
                 <a:ea typeface="Calibri" panose="020F0502020204030204" pitchFamily="34" charset="0"/>
                 <a:cs typeface="Times New Roman" panose="02020603050405020304" pitchFamily="18" charset="0"/>
@@ -9059,7 +12099,7 @@
               </a:spcAft>
             </a:pPr>
             <a:r>
-              <a:rPr lang="en-US" sz="1100" b="1" dirty="0" err="1" smtClean="0">
+              <a:rPr lang="en-US" sz="1100" b="1" dirty="0" err="1">
                 <a:solidFill>
                   <a:schemeClr val="tx2"/>
                 </a:solidFill>
@@ -9071,7 +12111,7 @@
               <a:t>Lição</a:t>
             </a:r>
             <a:r>
-              <a:rPr lang="en-US" sz="1100" b="1" dirty="0" smtClean="0">
+              <a:rPr lang="en-US" sz="1100" b="1" dirty="0">
                 <a:solidFill>
                   <a:schemeClr val="tx2"/>
                 </a:solidFill>
@@ -9083,7 +12123,7 @@
               <a:t> </a:t>
             </a:r>
             <a:r>
-              <a:rPr lang="en-US" sz="1100" b="1" dirty="0" smtClean="0">
+              <a:rPr lang="en-US" sz="1100" b="1" dirty="0">
                 <a:solidFill>
                   <a:schemeClr val="tx2"/>
                 </a:solidFill>
@@ -9093,7 +12133,7 @@
               </a:rPr>
               <a:t>10</a:t>
             </a:r>
-            <a:endParaRPr lang="en-US" sz="1100" b="1" dirty="0" smtClean="0">
+            <a:endParaRPr lang="en-US" sz="1100" b="1" dirty="0">
               <a:solidFill>
                 <a:schemeClr val="tx2"/>
               </a:solidFill>
@@ -9164,7 +12204,7 @@
               </a:spcAft>
             </a:pPr>
             <a:r>
-              <a:rPr lang="en-US" sz="1100" dirty="0" smtClean="0">
+              <a:rPr lang="en-US" sz="1100" dirty="0">
                 <a:latin typeface="Calibri" panose="020F0502020204030204" pitchFamily="34" charset="0"/>
                 <a:ea typeface="Calibri" panose="020F0502020204030204" pitchFamily="34" charset="0"/>
                 <a:cs typeface="Times New Roman" panose="02020603050405020304" pitchFamily="18" charset="0"/>
@@ -9214,7 +12254,7 @@
               </a:spcAft>
             </a:pPr>
             <a:r>
-              <a:rPr lang="en-US" sz="1100" b="1" dirty="0" err="1" smtClean="0">
+              <a:rPr lang="en-US" sz="1100" b="1" dirty="0" err="1">
                 <a:solidFill>
                   <a:schemeClr val="tx2"/>
                 </a:solidFill>
@@ -9226,7 +12266,7 @@
               <a:t>Lição</a:t>
             </a:r>
             <a:r>
-              <a:rPr lang="en-US" sz="1100" b="1" dirty="0" smtClean="0">
+              <a:rPr lang="en-US" sz="1100" b="1" dirty="0">
                 <a:solidFill>
                   <a:schemeClr val="tx2"/>
                 </a:solidFill>
@@ -9238,7 +12278,7 @@
               <a:t> </a:t>
             </a:r>
             <a:r>
-              <a:rPr lang="en-US" sz="1100" b="1" dirty="0" smtClean="0">
+              <a:rPr lang="en-US" sz="1100" b="1" dirty="0">
                 <a:solidFill>
                   <a:schemeClr val="tx2"/>
                 </a:solidFill>
@@ -9248,7 +12288,7 @@
               </a:rPr>
               <a:t>11</a:t>
             </a:r>
-            <a:endParaRPr lang="en-US" sz="1100" b="1" dirty="0" smtClean="0">
+            <a:endParaRPr lang="en-US" sz="1100" b="1" dirty="0">
               <a:solidFill>
                 <a:schemeClr val="tx2"/>
               </a:solidFill>
@@ -9319,7 +12359,7 @@
               </a:spcAft>
             </a:pPr>
             <a:r>
-              <a:rPr lang="en-US" sz="1100" dirty="0" smtClean="0">
+              <a:rPr lang="en-US" sz="1100" dirty="0">
                 <a:latin typeface="Calibri" panose="020F0502020204030204" pitchFamily="34" charset="0"/>
                 <a:ea typeface="Calibri" panose="020F0502020204030204" pitchFamily="34" charset="0"/>
                 <a:cs typeface="Times New Roman" panose="02020603050405020304" pitchFamily="18" charset="0"/>
@@ -9369,7 +12409,7 @@
               </a:spcAft>
             </a:pPr>
             <a:r>
-              <a:rPr lang="en-US" sz="1100" b="1" dirty="0" err="1" smtClean="0">
+              <a:rPr lang="en-US" sz="1100" b="1" dirty="0" err="1">
                 <a:solidFill>
                   <a:schemeClr val="tx2"/>
                 </a:solidFill>
@@ -9381,7 +12421,7 @@
               <a:t>Lição</a:t>
             </a:r>
             <a:r>
-              <a:rPr lang="en-US" sz="1100" b="1" dirty="0" smtClean="0">
+              <a:rPr lang="en-US" sz="1100" b="1" dirty="0">
                 <a:solidFill>
                   <a:schemeClr val="tx2"/>
                 </a:solidFill>
@@ -9393,7 +12433,7 @@
               <a:t> </a:t>
             </a:r>
             <a:r>
-              <a:rPr lang="en-US" sz="1100" b="1" dirty="0" smtClean="0">
+              <a:rPr lang="en-US" sz="1100" b="1" dirty="0">
                 <a:solidFill>
                   <a:schemeClr val="tx2"/>
                 </a:solidFill>
@@ -9403,7 +12443,7 @@
               </a:rPr>
               <a:t>12</a:t>
             </a:r>
-            <a:endParaRPr lang="en-US" sz="1100" b="1" dirty="0" smtClean="0">
+            <a:endParaRPr lang="en-US" sz="1100" b="1" dirty="0">
               <a:solidFill>
                 <a:schemeClr val="tx2"/>
               </a:solidFill>
@@ -9474,7 +12514,7 @@
               </a:spcAft>
             </a:pPr>
             <a:r>
-              <a:rPr lang="en-US" sz="1100" dirty="0" smtClean="0">
+              <a:rPr lang="en-US" sz="1100" dirty="0">
                 <a:latin typeface="Calibri" panose="020F0502020204030204" pitchFamily="34" charset="0"/>
                 <a:ea typeface="Calibri" panose="020F0502020204030204" pitchFamily="34" charset="0"/>
                 <a:cs typeface="Times New Roman" panose="02020603050405020304" pitchFamily="18" charset="0"/>
@@ -9524,7 +12564,7 @@
               </a:spcAft>
             </a:pPr>
             <a:r>
-              <a:rPr lang="en-US" sz="1100" b="1" dirty="0" err="1" smtClean="0">
+              <a:rPr lang="en-US" sz="1100" b="1" dirty="0" err="1">
                 <a:solidFill>
                   <a:schemeClr val="tx2"/>
                 </a:solidFill>
@@ -9536,7 +12576,7 @@
               <a:t>Lição</a:t>
             </a:r>
             <a:r>
-              <a:rPr lang="en-US" sz="1100" b="1" dirty="0" smtClean="0">
+              <a:rPr lang="en-US" sz="1100" b="1" dirty="0">
                 <a:solidFill>
                   <a:schemeClr val="tx2"/>
                 </a:solidFill>
@@ -9548,7 +12588,7 @@
               <a:t> </a:t>
             </a:r>
             <a:r>
-              <a:rPr lang="en-US" sz="1100" b="1" dirty="0" smtClean="0">
+              <a:rPr lang="en-US" sz="1100" b="1" dirty="0">
                 <a:solidFill>
                   <a:schemeClr val="tx2"/>
                 </a:solidFill>
@@ -9558,7 +12598,7 @@
               </a:rPr>
               <a:t>13</a:t>
             </a:r>
-            <a:endParaRPr lang="en-US" sz="1100" b="1" dirty="0" smtClean="0">
+            <a:endParaRPr lang="en-US" sz="1100" b="1" dirty="0">
               <a:solidFill>
                 <a:schemeClr val="tx2"/>
               </a:solidFill>
@@ -9629,7 +12669,7 @@
               </a:spcAft>
             </a:pPr>
             <a:r>
-              <a:rPr lang="en-US" sz="1100" dirty="0" smtClean="0">
+              <a:rPr lang="en-US" sz="1100" dirty="0">
                 <a:latin typeface="Calibri" panose="020F0502020204030204" pitchFamily="34" charset="0"/>
                 <a:ea typeface="Calibri" panose="020F0502020204030204" pitchFamily="34" charset="0"/>
                 <a:cs typeface="Times New Roman" panose="02020603050405020304" pitchFamily="18" charset="0"/>
@@ -9662,87 +12702,83 @@
           <a:lstStyle/>
           <a:p>
             <a:r>
-              <a:rPr lang="pt-BR" sz="1200" dirty="0" smtClean="0"/>
+              <a:rPr lang="pt-BR" sz="1200" dirty="0"/>
               <a:t>Aniversário	</a:t>
             </a:r>
             <a:r>
-              <a:rPr lang="pt-BR" sz="1200" dirty="0" err="1" smtClean="0"/>
+              <a:rPr lang="pt-BR" sz="1200" dirty="0" err="1"/>
               <a:t>computer</a:t>
+            </a:r>
+            <a:r>
+              <a:rPr lang="pt-BR" sz="1200" dirty="0"/>
+              <a:t>	telefone	</a:t>
+            </a:r>
+            <a:r>
+              <a:rPr lang="pt-BR" sz="1200" dirty="0" err="1"/>
+              <a:t>street</a:t>
+            </a:r>
+            <a:r>
+              <a:rPr lang="pt-BR" sz="1200" dirty="0"/>
+              <a:t>/</a:t>
+            </a:r>
+            <a:r>
+              <a:rPr lang="pt-BR" sz="1200" dirty="0" err="1"/>
+              <a:t>roads</a:t>
+            </a:r>
+            <a:r>
+              <a:rPr lang="pt-BR" sz="1200" dirty="0"/>
+              <a:t>				</a:t>
+            </a:r>
+          </a:p>
+          <a:p>
+            <a:r>
+              <a:rPr lang="pt-BR" sz="1200" dirty="0" err="1"/>
+              <a:t>Christimas</a:t>
             </a:r>
             <a:r>
               <a:rPr lang="pt-BR" sz="1200" dirty="0"/>
               <a:t>	</a:t>
             </a:r>
             <a:r>
-              <a:rPr lang="pt-BR" sz="1200" dirty="0" smtClean="0"/>
-              <a:t>telefone	</a:t>
-            </a:r>
-            <a:r>
-              <a:rPr lang="pt-BR" sz="1200" dirty="0" err="1" smtClean="0"/>
-              <a:t>street</a:t>
-            </a:r>
-            <a:r>
-              <a:rPr lang="pt-BR" sz="1200" dirty="0" smtClean="0"/>
-              <a:t>/</a:t>
-            </a:r>
-            <a:r>
-              <a:rPr lang="pt-BR" sz="1200" dirty="0" err="1" smtClean="0"/>
-              <a:t>roads</a:t>
-            </a:r>
-            <a:r>
-              <a:rPr lang="pt-BR" sz="1200" dirty="0" smtClean="0"/>
-              <a:t>				</a:t>
-            </a:r>
-          </a:p>
-          <a:p>
-            <a:r>
-              <a:rPr lang="pt-BR" sz="1200" dirty="0" err="1" smtClean="0"/>
-              <a:t>Christimas</a:t>
-            </a:r>
-            <a:r>
-              <a:rPr lang="pt-BR" sz="1200" dirty="0" smtClean="0"/>
-              <a:t>	</a:t>
-            </a:r>
-            <a:r>
-              <a:rPr lang="pt-BR" sz="1200" dirty="0" err="1" smtClean="0"/>
+              <a:rPr lang="pt-BR" sz="1200" dirty="0" err="1"/>
               <a:t>accessories</a:t>
             </a:r>
             <a:r>
-              <a:rPr lang="pt-BR" sz="1200" dirty="0" smtClean="0"/>
+              <a:rPr lang="pt-BR" sz="1200" dirty="0"/>
               <a:t>	drinks	</a:t>
             </a:r>
             <a:r>
-              <a:rPr lang="pt-BR" sz="1200" dirty="0" err="1" smtClean="0"/>
+              <a:rPr lang="pt-BR" sz="1200" dirty="0" err="1"/>
               <a:t>alphabet</a:t>
             </a:r>
-            <a:endParaRPr lang="pt-BR" sz="1200" dirty="0" smtClean="0"/>
-          </a:p>
-          <a:p>
-            <a:r>
-              <a:rPr lang="pt-BR" sz="1200" dirty="0" smtClean="0"/>
+            <a:endParaRPr lang="pt-BR" sz="1200" dirty="0"/>
+          </a:p>
+          <a:p>
+            <a:r>
+              <a:rPr lang="pt-BR" sz="1200" dirty="0"/>
               <a:t>Feelings	hotel	</a:t>
             </a:r>
             <a:r>
-              <a:rPr lang="pt-BR" sz="1200" dirty="0" err="1" smtClean="0"/>
+              <a:rPr lang="pt-BR" sz="1200" dirty="0" err="1"/>
               <a:t>nature</a:t>
             </a:r>
-            <a:endParaRPr lang="pt-BR" sz="1200" dirty="0" smtClean="0"/>
-          </a:p>
-          <a:p>
-            <a:r>
-              <a:rPr lang="pt-BR" sz="1200" dirty="0" err="1" smtClean="0"/>
+            <a:endParaRPr lang="pt-BR" sz="1200" dirty="0"/>
+          </a:p>
+          <a:p>
+            <a:r>
+              <a:rPr lang="pt-BR" sz="1200" dirty="0" err="1"/>
               <a:t>Restaurant</a:t>
             </a:r>
             <a:r>
-              <a:rPr lang="pt-BR" sz="1200" dirty="0" smtClean="0"/>
+              <a:rPr lang="pt-BR" sz="1200" dirty="0"/>
               <a:t>	shopping	</a:t>
             </a:r>
             <a:r>
-              <a:rPr lang="pt-BR" sz="1200" dirty="0" err="1" smtClean="0"/>
+              <a:rPr lang="pt-BR" sz="1200" dirty="0" err="1"/>
               <a:t>air</a:t>
             </a:r>
             <a:r>
-              <a:rPr lang="pt-BR" sz="1200" dirty="0" smtClean="0"/>
+              <a:rPr lang="pt-BR" sz="1200" dirty="0"/>
               <a:t> travel</a:t>
             </a:r>
           </a:p>
@@ -9758,108 +12794,68 @@
                 <a:ea typeface="Calibri" panose="020F0502020204030204" pitchFamily="34" charset="0"/>
                 <a:cs typeface="Times New Roman" panose="02020603050405020304" pitchFamily="18" charset="0"/>
               </a:rPr>
-              <a:t>Family (sibling</a:t>
-            </a:r>
-            <a:r>
-              <a:rPr lang="en-US" sz="1200" dirty="0" smtClean="0">
-                <a:latin typeface="Calibri" panose="020F0502020204030204" pitchFamily="34" charset="0"/>
-                <a:ea typeface="Calibri" panose="020F0502020204030204" pitchFamily="34" charset="0"/>
-                <a:cs typeface="Times New Roman" panose="02020603050405020304" pitchFamily="18" charset="0"/>
-              </a:rPr>
-              <a:t>)	</a:t>
-            </a:r>
+              <a:t>Family (sibling)	 Money (money </a:t>
+            </a:r>
+          </a:p>
+          <a:p>
             <a:r>
               <a:rPr lang="en-US" sz="1200" dirty="0">
                 <a:latin typeface="Calibri" panose="020F0502020204030204" pitchFamily="34" charset="0"/>
                 <a:ea typeface="Calibri" panose="020F0502020204030204" pitchFamily="34" charset="0"/>
                 <a:cs typeface="Times New Roman" panose="02020603050405020304" pitchFamily="18" charset="0"/>
               </a:rPr>
-              <a:t> Money (</a:t>
-            </a:r>
-            <a:r>
-              <a:rPr lang="en-US" sz="1200" dirty="0" smtClean="0">
-                <a:latin typeface="Calibri" panose="020F0502020204030204" pitchFamily="34" charset="0"/>
-                <a:ea typeface="Calibri" panose="020F0502020204030204" pitchFamily="34" charset="0"/>
-                <a:cs typeface="Times New Roman" panose="02020603050405020304" pitchFamily="18" charset="0"/>
-              </a:rPr>
-              <a:t>money </a:t>
-            </a:r>
-          </a:p>
-          <a:p>
+              <a:t>Numbers (9) 	Films ()</a:t>
+            </a:r>
+          </a:p>
+          <a:p>
+            <a:endParaRPr lang="en-US" sz="1200" dirty="0">
+              <a:latin typeface="Calibri" panose="020F0502020204030204" pitchFamily="34" charset="0"/>
+              <a:ea typeface="Calibri" panose="020F0502020204030204" pitchFamily="34" charset="0"/>
+              <a:cs typeface="Times New Roman" panose="02020603050405020304" pitchFamily="18" charset="0"/>
+            </a:endParaRPr>
+          </a:p>
+          <a:p>
+            <a:pPr>
+              <a:spcAft>
+                <a:spcPts val="0"/>
+              </a:spcAft>
+            </a:pPr>
+            <a:endParaRPr lang="en-US" sz="1200" dirty="0">
+              <a:latin typeface="Calibri" panose="020F0502020204030204" pitchFamily="34" charset="0"/>
+              <a:ea typeface="Calibri" panose="020F0502020204030204" pitchFamily="34" charset="0"/>
+              <a:cs typeface="Times New Roman" panose="02020603050405020304" pitchFamily="18" charset="0"/>
+            </a:endParaRPr>
+          </a:p>
+          <a:p>
+            <a:pPr>
+              <a:spcAft>
+                <a:spcPts val="0"/>
+              </a:spcAft>
+            </a:pPr>
             <a:r>
               <a:rPr lang="en-US" sz="1200" dirty="0">
                 <a:latin typeface="Calibri" panose="020F0502020204030204" pitchFamily="34" charset="0"/>
                 <a:ea typeface="Calibri" panose="020F0502020204030204" pitchFamily="34" charset="0"/>
                 <a:cs typeface="Times New Roman" panose="02020603050405020304" pitchFamily="18" charset="0"/>
               </a:rPr>
-              <a:t>Numbers (9</a:t>
-            </a:r>
-            <a:r>
-              <a:rPr lang="en-US" sz="1200" dirty="0" smtClean="0">
-                <a:latin typeface="Calibri" panose="020F0502020204030204" pitchFamily="34" charset="0"/>
-                <a:ea typeface="Calibri" panose="020F0502020204030204" pitchFamily="34" charset="0"/>
-                <a:cs typeface="Times New Roman" panose="02020603050405020304" pitchFamily="18" charset="0"/>
-              </a:rPr>
-              <a:t>) 	</a:t>
-            </a:r>
+              <a:t>Places (beach)</a:t>
+            </a:r>
+          </a:p>
+          <a:p>
+            <a:pPr>
+              <a:spcAft>
+                <a:spcPts val="0"/>
+              </a:spcAft>
+            </a:pPr>
             <a:r>
               <a:rPr lang="en-US" sz="1200" dirty="0">
                 <a:latin typeface="Calibri" panose="020F0502020204030204" pitchFamily="34" charset="0"/>
                 <a:ea typeface="Calibri" panose="020F0502020204030204" pitchFamily="34" charset="0"/>
                 <a:cs typeface="Times New Roman" panose="02020603050405020304" pitchFamily="18" charset="0"/>
               </a:rPr>
-              <a:t>Films ()</a:t>
-            </a:r>
-          </a:p>
-          <a:p>
-            <a:endParaRPr lang="en-US" sz="1200" dirty="0">
-              <a:latin typeface="Calibri" panose="020F0502020204030204" pitchFamily="34" charset="0"/>
-              <a:ea typeface="Calibri" panose="020F0502020204030204" pitchFamily="34" charset="0"/>
-              <a:cs typeface="Times New Roman" panose="02020603050405020304" pitchFamily="18" charset="0"/>
-            </a:endParaRPr>
-          </a:p>
-          <a:p>
-            <a:pPr>
-              <a:spcAft>
-                <a:spcPts val="0"/>
-              </a:spcAft>
-            </a:pPr>
-            <a:endParaRPr lang="en-US" sz="1200" dirty="0">
-              <a:latin typeface="Calibri" panose="020F0502020204030204" pitchFamily="34" charset="0"/>
-              <a:ea typeface="Calibri" panose="020F0502020204030204" pitchFamily="34" charset="0"/>
-              <a:cs typeface="Times New Roman" panose="02020603050405020304" pitchFamily="18" charset="0"/>
-            </a:endParaRPr>
-          </a:p>
-          <a:p>
-            <a:pPr>
-              <a:spcAft>
-                <a:spcPts val="0"/>
-              </a:spcAft>
-            </a:pPr>
-            <a:r>
-              <a:rPr lang="en-US" sz="1200" dirty="0">
-                <a:latin typeface="Calibri" panose="020F0502020204030204" pitchFamily="34" charset="0"/>
-                <a:ea typeface="Calibri" panose="020F0502020204030204" pitchFamily="34" charset="0"/>
-                <a:cs typeface="Times New Roman" panose="02020603050405020304" pitchFamily="18" charset="0"/>
-              </a:rPr>
-              <a:t>Places (beach)</a:t>
-            </a:r>
-          </a:p>
-          <a:p>
-            <a:pPr>
-              <a:spcAft>
-                <a:spcPts val="0"/>
-              </a:spcAft>
-            </a:pPr>
-            <a:r>
-              <a:rPr lang="en-US" sz="1200" dirty="0">
-                <a:latin typeface="Calibri" panose="020F0502020204030204" pitchFamily="34" charset="0"/>
-                <a:ea typeface="Calibri" panose="020F0502020204030204" pitchFamily="34" charset="0"/>
-                <a:cs typeface="Times New Roman" panose="02020603050405020304" pitchFamily="18" charset="0"/>
-              </a:rPr>
               <a:t>Days (Sunday</a:t>
             </a:r>
-            <a:endParaRPr lang="pt-BR" sz="1200" dirty="0" smtClean="0"/>
+            <a:endParaRPr lang="pt-BR" sz="1200" dirty="0"/>
           </a:p>
           <a:p>
             <a:endParaRPr lang="pt-BR" sz="1200" dirty="0"/>
@@ -9889,14 +12885,14 @@
           <a:lstStyle/>
           <a:p>
             <a:r>
-              <a:rPr lang="pt-BR" sz="1000" dirty="0" smtClean="0"/>
+              <a:rPr lang="pt-BR" sz="1000" dirty="0"/>
               <a:t>The </a:t>
             </a:r>
             <a:r>
-              <a:rPr lang="pt-BR" sz="1000" dirty="0" err="1" smtClean="0"/>
+              <a:rPr lang="pt-BR" sz="1000" dirty="0" err="1"/>
               <a:t>body</a:t>
             </a:r>
-            <a:endParaRPr lang="pt-BR" sz="1000" dirty="0" smtClean="0"/>
+            <a:endParaRPr lang="pt-BR" sz="1000" dirty="0"/>
           </a:p>
           <a:p>
             <a:r>
@@ -9946,7 +12942,7 @@
               </a:spcAft>
             </a:pPr>
             <a:r>
-              <a:rPr lang="en-US" sz="1100" b="1" dirty="0" err="1" smtClean="0">
+              <a:rPr lang="en-US" sz="1100" b="1" dirty="0" err="1">
                 <a:solidFill>
                   <a:schemeClr val="tx2"/>
                 </a:solidFill>
@@ -9958,7 +12954,7 @@
               <a:t>Lição</a:t>
             </a:r>
             <a:r>
-              <a:rPr lang="en-US" sz="1100" b="1" dirty="0" smtClean="0">
+              <a:rPr lang="en-US" sz="1100" b="1" dirty="0">
                 <a:solidFill>
                   <a:schemeClr val="tx2"/>
                 </a:solidFill>
@@ -9970,7 +12966,7 @@
               <a:t> </a:t>
             </a:r>
             <a:r>
-              <a:rPr lang="en-US" sz="1100" b="1" dirty="0" smtClean="0">
+              <a:rPr lang="en-US" sz="1100" b="1" dirty="0">
                 <a:solidFill>
                   <a:schemeClr val="tx2"/>
                 </a:solidFill>
@@ -9980,7 +12976,7 @@
               </a:rPr>
               <a:t>14</a:t>
             </a:r>
-            <a:endParaRPr lang="en-US" sz="1100" b="1" dirty="0" smtClean="0">
+            <a:endParaRPr lang="en-US" sz="1100" b="1" dirty="0">
               <a:solidFill>
                 <a:schemeClr val="tx2"/>
               </a:solidFill>
@@ -10051,7 +13047,7 @@
               </a:spcAft>
             </a:pPr>
             <a:r>
-              <a:rPr lang="en-US" sz="1100" dirty="0" smtClean="0">
+              <a:rPr lang="en-US" sz="1100" dirty="0">
                 <a:latin typeface="Calibri" panose="020F0502020204030204" pitchFamily="34" charset="0"/>
                 <a:ea typeface="Calibri" panose="020F0502020204030204" pitchFamily="34" charset="0"/>
                 <a:cs typeface="Times New Roman" panose="02020603050405020304" pitchFamily="18" charset="0"/>
@@ -10101,7 +13097,7 @@
               </a:spcAft>
             </a:pPr>
             <a:r>
-              <a:rPr lang="en-US" sz="1100" b="1" dirty="0" err="1" smtClean="0">
+              <a:rPr lang="en-US" sz="1100" b="1" dirty="0" err="1">
                 <a:solidFill>
                   <a:schemeClr val="tx2"/>
                 </a:solidFill>
@@ -10113,7 +13109,7 @@
               <a:t>Lição</a:t>
             </a:r>
             <a:r>
-              <a:rPr lang="en-US" sz="1100" b="1" dirty="0" smtClean="0">
+              <a:rPr lang="en-US" sz="1100" b="1" dirty="0">
                 <a:solidFill>
                   <a:schemeClr val="tx2"/>
                 </a:solidFill>
@@ -10125,7 +13121,7 @@
               <a:t> </a:t>
             </a:r>
             <a:r>
-              <a:rPr lang="en-US" sz="1100" b="1" dirty="0" smtClean="0">
+              <a:rPr lang="en-US" sz="1100" b="1" dirty="0">
                 <a:solidFill>
                   <a:schemeClr val="tx2"/>
                 </a:solidFill>
@@ -10135,7 +13131,7 @@
               </a:rPr>
               <a:t>15</a:t>
             </a:r>
-            <a:endParaRPr lang="en-US" sz="1100" b="1" dirty="0" smtClean="0">
+            <a:endParaRPr lang="en-US" sz="1100" b="1" dirty="0">
               <a:solidFill>
                 <a:schemeClr val="tx2"/>
               </a:solidFill>
@@ -10206,7 +13202,7 @@
               </a:spcAft>
             </a:pPr>
             <a:r>
-              <a:rPr lang="en-US" sz="1100" dirty="0" smtClean="0">
+              <a:rPr lang="en-US" sz="1100" dirty="0">
                 <a:latin typeface="Calibri" panose="020F0502020204030204" pitchFamily="34" charset="0"/>
                 <a:ea typeface="Calibri" panose="020F0502020204030204" pitchFamily="34" charset="0"/>
                 <a:cs typeface="Times New Roman" panose="02020603050405020304" pitchFamily="18" charset="0"/>
@@ -10229,7 +13225,7 @@
 </p:sld>
 </file>
 
-<file path=ppt/slides/slide3.xml><?xml version="1.0" encoding="utf-8"?>
+<file path=ppt/slides/slide4.xml><?xml version="1.0" encoding="utf-8"?>
 <p:sld xmlns:a="http://schemas.openxmlformats.org/drawingml/2006/main" xmlns:r="http://schemas.openxmlformats.org/officeDocument/2006/relationships" xmlns:p="http://schemas.openxmlformats.org/presentationml/2006/main">
   <p:cSld>
     <p:spTree>
@@ -10646,16 +13642,7 @@
                 <a:ea typeface="Calibri" panose="020F0502020204030204" pitchFamily="34" charset="0"/>
                 <a:cs typeface="Times New Roman" panose="02020603050405020304" pitchFamily="18" charset="0"/>
               </a:rPr>
-              <a:t> </a:t>
-            </a:r>
-            <a:r>
-              <a:rPr lang="en-US" sz="1100" dirty="0" smtClean="0">
-                <a:effectLst/>
-                <a:latin typeface="Calibri" panose="020F0502020204030204" pitchFamily="34" charset="0"/>
-                <a:ea typeface="Calibri" panose="020F0502020204030204" pitchFamily="34" charset="0"/>
-                <a:cs typeface="Times New Roman" panose="02020603050405020304" pitchFamily="18" charset="0"/>
-              </a:rPr>
-              <a:t>Animals</a:t>
+              <a:t> Animals</a:t>
             </a:r>
             <a:endParaRPr lang="pt-BR" sz="1100" dirty="0">
               <a:effectLst/>
@@ -11244,32 +14231,20 @@
                 <a:ea typeface="Calibri" panose="020F0502020204030204" pitchFamily="34" charset="0"/>
                 <a:cs typeface="Times New Roman" panose="02020603050405020304" pitchFamily="18" charset="0"/>
               </a:rPr>
-              <a:t> (</a:t>
-            </a:r>
-            <a:r>
-              <a:rPr lang="en-US" sz="1100" dirty="0" smtClean="0">
+              <a:t> (30</a:t>
+            </a:r>
+            <a:r>
+              <a:rPr lang="en-US" sz="1100" dirty="0">
                 <a:solidFill>
                   <a:srgbClr val="44546A"/>
                 </a:solidFill>
-                <a:effectLst/>
-                <a:latin typeface="Calibri" panose="020F0502020204030204" pitchFamily="34" charset="0"/>
-                <a:ea typeface="Calibri" panose="020F0502020204030204" pitchFamily="34" charset="0"/>
-                <a:cs typeface="Times New Roman" panose="02020603050405020304" pitchFamily="18" charset="0"/>
-              </a:rPr>
-              <a:t>30</a:t>
-            </a:r>
-            <a:r>
-              <a:rPr lang="en-US" sz="1100" dirty="0">
-                <a:solidFill>
-                  <a:srgbClr val="44546A"/>
-                </a:solidFill>
                 <a:latin typeface="Calibri" panose="020F0502020204030204" pitchFamily="34" charset="0"/>
                 <a:ea typeface="Calibri" panose="020F0502020204030204" pitchFamily="34" charset="0"/>
                 <a:cs typeface="Times New Roman" panose="02020603050405020304" pitchFamily="18" charset="0"/>
               </a:rPr>
               <a:t>)</a:t>
             </a:r>
-            <a:endParaRPr lang="en-US" sz="1100" dirty="0" smtClean="0">
+            <a:endParaRPr lang="en-US" sz="1100" dirty="0">
               <a:solidFill>
                 <a:srgbClr val="44546A"/>
               </a:solidFill>
@@ -11309,83 +14284,113 @@
           <a:lstStyle/>
           <a:p>
             <a:r>
-              <a:rPr lang="pt-BR" sz="1200" b="1" dirty="0" smtClean="0"/>
+              <a:rPr lang="pt-BR" sz="1200" b="1" dirty="0"/>
               <a:t>LEXICAL WORDS (20)</a:t>
             </a:r>
           </a:p>
           <a:p>
             <a:r>
-              <a:rPr lang="pt-BR" sz="1200" dirty="0" smtClean="0"/>
+              <a:rPr lang="pt-BR" sz="1200" dirty="0"/>
               <a:t>Aniversário	</a:t>
             </a:r>
             <a:r>
-              <a:rPr lang="pt-BR" sz="1200" dirty="0" err="1" smtClean="0"/>
+              <a:rPr lang="pt-BR" sz="1200" dirty="0" err="1"/>
               <a:t>computer</a:t>
+            </a:r>
+            <a:r>
+              <a:rPr lang="pt-BR" sz="1200" dirty="0"/>
+              <a:t>	telefone	</a:t>
+            </a:r>
+            <a:r>
+              <a:rPr lang="pt-BR" sz="1200" dirty="0" err="1"/>
+              <a:t>street</a:t>
+            </a:r>
+            <a:r>
+              <a:rPr lang="pt-BR" sz="1200" dirty="0"/>
+              <a:t>/</a:t>
+            </a:r>
+            <a:r>
+              <a:rPr lang="pt-BR" sz="1200" dirty="0" err="1"/>
+              <a:t>roads</a:t>
             </a:r>
             <a:r>
               <a:rPr lang="pt-BR" sz="1200" dirty="0"/>
               <a:t>	</a:t>
             </a:r>
-            <a:r>
-              <a:rPr lang="pt-BR" sz="1200" dirty="0" smtClean="0"/>
-              <a:t>telefone	</a:t>
-            </a:r>
-            <a:r>
-              <a:rPr lang="pt-BR" sz="1200" dirty="0" err="1" smtClean="0"/>
-              <a:t>street</a:t>
-            </a:r>
-            <a:r>
-              <a:rPr lang="pt-BR" sz="1200" dirty="0" smtClean="0"/>
-              <a:t>/</a:t>
-            </a:r>
-            <a:r>
-              <a:rPr lang="pt-BR" sz="1200" dirty="0" err="1" smtClean="0"/>
-              <a:t>roads</a:t>
-            </a:r>
-            <a:r>
-              <a:rPr lang="pt-BR" sz="1200" dirty="0" smtClean="0"/>
+          </a:p>
+          <a:p>
+            <a:r>
+              <a:rPr lang="pt-BR" sz="1200" dirty="0" err="1"/>
+              <a:t>Christimas</a:t>
+            </a:r>
+            <a:r>
+              <a:rPr lang="pt-BR" sz="1200" dirty="0"/>
               <a:t>	</a:t>
             </a:r>
-          </a:p>
-          <a:p>
-            <a:r>
-              <a:rPr lang="pt-BR" sz="1200" dirty="0" err="1" smtClean="0"/>
-              <a:t>Christimas</a:t>
-            </a:r>
-            <a:r>
-              <a:rPr lang="pt-BR" sz="1200" dirty="0" smtClean="0"/>
+            <a:r>
+              <a:rPr lang="pt-BR" sz="1200" dirty="0" err="1"/>
+              <a:t>accessories</a:t>
+            </a:r>
+            <a:r>
+              <a:rPr lang="pt-BR" sz="1200" dirty="0"/>
+              <a:t>	drinks	</a:t>
+            </a:r>
+            <a:r>
+              <a:rPr lang="pt-BR" sz="1200" dirty="0" err="1"/>
+              <a:t>alphabet</a:t>
+            </a:r>
+            <a:endParaRPr lang="pt-BR" sz="1200" dirty="0"/>
+          </a:p>
+          <a:p>
+            <a:pPr>
+              <a:spcAft>
+                <a:spcPts val="0"/>
+              </a:spcAft>
+            </a:pPr>
+            <a:r>
+              <a:rPr lang="pt-BR" sz="1200" dirty="0"/>
+              <a:t>Feelings	hotel	</a:t>
+            </a:r>
+            <a:r>
+              <a:rPr lang="pt-BR" sz="1200" dirty="0" err="1"/>
+              <a:t>nature</a:t>
+            </a:r>
+            <a:r>
+              <a:rPr lang="pt-BR" sz="1200" dirty="0"/>
               <a:t>	</a:t>
             </a:r>
             <a:r>
-              <a:rPr lang="pt-BR" sz="1200" dirty="0" err="1" smtClean="0"/>
-              <a:t>accessories</a:t>
-            </a:r>
-            <a:r>
-              <a:rPr lang="pt-BR" sz="1200" dirty="0" smtClean="0"/>
-              <a:t>	drinks	</a:t>
-            </a:r>
-            <a:r>
-              <a:rPr lang="pt-BR" sz="1200" dirty="0" err="1" smtClean="0"/>
-              <a:t>alphabet</a:t>
-            </a:r>
-            <a:endParaRPr lang="pt-BR" sz="1200" dirty="0" smtClean="0"/>
-          </a:p>
-          <a:p>
-            <a:pPr>
-              <a:spcAft>
-                <a:spcPts val="0"/>
-              </a:spcAft>
-            </a:pPr>
-            <a:r>
-              <a:rPr lang="pt-BR" sz="1200" dirty="0" smtClean="0"/>
-              <a:t>Feelings	hotel	</a:t>
-            </a:r>
-            <a:r>
-              <a:rPr lang="pt-BR" sz="1200" dirty="0" err="1" smtClean="0"/>
-              <a:t>nature</a:t>
-            </a:r>
-            <a:r>
-              <a:rPr lang="pt-BR" sz="1200" dirty="0" smtClean="0"/>
+              <a:rPr lang="en-US" sz="1200" dirty="0">
+                <a:latin typeface="Calibri" panose="020F0502020204030204" pitchFamily="34" charset="0"/>
+                <a:ea typeface="Calibri" panose="020F0502020204030204" pitchFamily="34" charset="0"/>
+                <a:cs typeface="Times New Roman" panose="02020603050405020304" pitchFamily="18" charset="0"/>
+              </a:rPr>
+              <a:t>Places (beach)</a:t>
+            </a:r>
+          </a:p>
+          <a:p>
+            <a:r>
+              <a:rPr lang="en-US" sz="1200" dirty="0">
+                <a:latin typeface="Calibri" panose="020F0502020204030204" pitchFamily="34" charset="0"/>
+                <a:ea typeface="Calibri" panose="020F0502020204030204" pitchFamily="34" charset="0"/>
+                <a:cs typeface="Times New Roman" panose="02020603050405020304" pitchFamily="18" charset="0"/>
+              </a:rPr>
+              <a:t>Days (Sunday	</a:t>
+            </a:r>
+            <a:r>
+              <a:rPr lang="pt-BR" sz="1200" dirty="0" err="1"/>
+              <a:t>air</a:t>
+            </a:r>
+            <a:r>
+              <a:rPr lang="pt-BR" sz="1200" dirty="0"/>
+              <a:t> travel	</a:t>
+            </a:r>
+            <a:r>
+              <a:rPr lang="pt-BR" sz="1200" dirty="0" err="1"/>
+              <a:t>Restaurant</a:t>
+            </a:r>
+            <a:r>
+              <a:rPr lang="pt-BR" sz="1200" dirty="0"/>
               <a:t>	</a:t>
             </a:r>
             <a:r>
@@ -11394,7 +14399,7 @@
                 <a:ea typeface="Calibri" panose="020F0502020204030204" pitchFamily="34" charset="0"/>
                 <a:cs typeface="Times New Roman" panose="02020603050405020304" pitchFamily="18" charset="0"/>
               </a:rPr>
-              <a:t>Places (beach)</a:t>
+              <a:t>Family (sibling)</a:t>
             </a:r>
           </a:p>
           <a:p>
@@ -11404,39 +14409,11 @@
                 <a:ea typeface="Calibri" panose="020F0502020204030204" pitchFamily="34" charset="0"/>
                 <a:cs typeface="Times New Roman" panose="02020603050405020304" pitchFamily="18" charset="0"/>
               </a:rPr>
-              <a:t>Days (</a:t>
-            </a:r>
-            <a:r>
-              <a:rPr lang="en-US" sz="1200" dirty="0" smtClean="0">
-                <a:latin typeface="Calibri" panose="020F0502020204030204" pitchFamily="34" charset="0"/>
-                <a:ea typeface="Calibri" panose="020F0502020204030204" pitchFamily="34" charset="0"/>
-                <a:cs typeface="Times New Roman" panose="02020603050405020304" pitchFamily="18" charset="0"/>
-              </a:rPr>
-              <a:t>Sunday	</a:t>
-            </a:r>
-            <a:r>
-              <a:rPr lang="pt-BR" sz="1200" dirty="0" err="1" smtClean="0"/>
-              <a:t>air</a:t>
-            </a:r>
-            <a:r>
-              <a:rPr lang="pt-BR" sz="1200" dirty="0" smtClean="0"/>
-              <a:t> travel	</a:t>
-            </a:r>
-            <a:r>
-              <a:rPr lang="pt-BR" sz="1200" dirty="0" err="1" smtClean="0"/>
-              <a:t>Restaurant</a:t>
-            </a:r>
-            <a:r>
-              <a:rPr lang="pt-BR" sz="1200" dirty="0" smtClean="0"/>
-              <a:t>	</a:t>
-            </a:r>
-            <a:r>
-              <a:rPr lang="en-US" sz="1200" dirty="0" smtClean="0">
-                <a:latin typeface="Calibri" panose="020F0502020204030204" pitchFamily="34" charset="0"/>
-                <a:ea typeface="Calibri" panose="020F0502020204030204" pitchFamily="34" charset="0"/>
-                <a:cs typeface="Times New Roman" panose="02020603050405020304" pitchFamily="18" charset="0"/>
-              </a:rPr>
-              <a:t>Family </a:t>
+              <a:t>Numbers (9) 	</a:t>
+            </a:r>
+            <a:r>
+              <a:rPr lang="pt-BR" sz="1200" dirty="0"/>
+              <a:t>shopping </a:t>
             </a:r>
             <a:r>
               <a:rPr lang="en-US" sz="1200" dirty="0">
@@ -11444,53 +14421,7 @@
                 <a:ea typeface="Calibri" panose="020F0502020204030204" pitchFamily="34" charset="0"/>
                 <a:cs typeface="Times New Roman" panose="02020603050405020304" pitchFamily="18" charset="0"/>
               </a:rPr>
-              <a:t>(sibling</a:t>
-            </a:r>
-            <a:r>
-              <a:rPr lang="en-US" sz="1200" dirty="0" smtClean="0">
-                <a:latin typeface="Calibri" panose="020F0502020204030204" pitchFamily="34" charset="0"/>
-                <a:ea typeface="Calibri" panose="020F0502020204030204" pitchFamily="34" charset="0"/>
-                <a:cs typeface="Times New Roman" panose="02020603050405020304" pitchFamily="18" charset="0"/>
-              </a:rPr>
-              <a:t>)</a:t>
-            </a:r>
-          </a:p>
-          <a:p>
-            <a:r>
-              <a:rPr lang="en-US" sz="1200" dirty="0">
-                <a:latin typeface="Calibri" panose="020F0502020204030204" pitchFamily="34" charset="0"/>
-                <a:ea typeface="Calibri" panose="020F0502020204030204" pitchFamily="34" charset="0"/>
-                <a:cs typeface="Times New Roman" panose="02020603050405020304" pitchFamily="18" charset="0"/>
-              </a:rPr>
-              <a:t>Numbers (9</a:t>
-            </a:r>
-            <a:r>
-              <a:rPr lang="en-US" sz="1200" dirty="0" smtClean="0">
-                <a:latin typeface="Calibri" panose="020F0502020204030204" pitchFamily="34" charset="0"/>
-                <a:ea typeface="Calibri" panose="020F0502020204030204" pitchFamily="34" charset="0"/>
-                <a:cs typeface="Times New Roman" panose="02020603050405020304" pitchFamily="18" charset="0"/>
-              </a:rPr>
-              <a:t>) 	</a:t>
-            </a:r>
-            <a:r>
-              <a:rPr lang="pt-BR" sz="1200" dirty="0" smtClean="0"/>
-              <a:t>shopping </a:t>
-            </a:r>
-            <a:r>
-              <a:rPr lang="en-US" sz="1200" dirty="0" smtClean="0">
-                <a:latin typeface="Calibri" panose="020F0502020204030204" pitchFamily="34" charset="0"/>
-                <a:ea typeface="Calibri" panose="020F0502020204030204" pitchFamily="34" charset="0"/>
-                <a:cs typeface="Times New Roman" panose="02020603050405020304" pitchFamily="18" charset="0"/>
-              </a:rPr>
-              <a:t>	Films	</a:t>
-            </a:r>
-            <a:r>
-              <a:rPr lang="en-US" sz="1200" dirty="0">
-                <a:latin typeface="Calibri" panose="020F0502020204030204" pitchFamily="34" charset="0"/>
-                <a:ea typeface="Calibri" panose="020F0502020204030204" pitchFamily="34" charset="0"/>
-                <a:cs typeface="Times New Roman" panose="02020603050405020304" pitchFamily="18" charset="0"/>
-              </a:rPr>
-              <a:t> Money (money </a:t>
+              <a:t>	Films	 Money (money </a:t>
             </a:r>
           </a:p>
           <a:p>
